--- a/ppt/ch01_绪论_3.pptx
+++ b/ppt/ch01_绪论_3.pptx
@@ -88,66 +88,77 @@
     <p:sldId id="890" r:id="rId83"/>
     <p:sldId id="891" r:id="rId84"/>
     <p:sldId id="892" r:id="rId85"/>
-    <p:sldId id="893" r:id="rId86"/>
-    <p:sldId id="894" r:id="rId87"/>
-    <p:sldId id="896" r:id="rId88"/>
-    <p:sldId id="897" r:id="rId89"/>
-    <p:sldId id="898" r:id="rId90"/>
-    <p:sldId id="899" r:id="rId91"/>
-    <p:sldId id="900" r:id="rId92"/>
-    <p:sldId id="895" r:id="rId93"/>
-    <p:sldId id="902" r:id="rId94"/>
-    <p:sldId id="903" r:id="rId95"/>
-    <p:sldId id="901" r:id="rId96"/>
-    <p:sldId id="905" r:id="rId97"/>
-    <p:sldId id="906" r:id="rId98"/>
-    <p:sldId id="907" r:id="rId99"/>
-    <p:sldId id="904" r:id="rId100"/>
-    <p:sldId id="908" r:id="rId101"/>
-    <p:sldId id="910" r:id="rId102"/>
-    <p:sldId id="909" r:id="rId103"/>
-    <p:sldId id="912" r:id="rId104"/>
-    <p:sldId id="911" r:id="rId105"/>
-    <p:sldId id="914" r:id="rId106"/>
-    <p:sldId id="915" r:id="rId107"/>
-    <p:sldId id="916" r:id="rId108"/>
-    <p:sldId id="917" r:id="rId109"/>
-    <p:sldId id="918" r:id="rId110"/>
-    <p:sldId id="913" r:id="rId111"/>
-    <p:sldId id="920" r:id="rId112"/>
-    <p:sldId id="921" r:id="rId113"/>
-    <p:sldId id="919" r:id="rId114"/>
-    <p:sldId id="923" r:id="rId115"/>
-    <p:sldId id="955" r:id="rId116"/>
-    <p:sldId id="922" r:id="rId117"/>
-    <p:sldId id="925" r:id="rId118"/>
-    <p:sldId id="926" r:id="rId119"/>
-    <p:sldId id="927" r:id="rId120"/>
-    <p:sldId id="928" r:id="rId121"/>
-    <p:sldId id="924" r:id="rId122"/>
-    <p:sldId id="929" r:id="rId123"/>
-    <p:sldId id="931" r:id="rId124"/>
-    <p:sldId id="932" r:id="rId125"/>
-    <p:sldId id="934" r:id="rId126"/>
-    <p:sldId id="933" r:id="rId127"/>
-    <p:sldId id="935" r:id="rId128"/>
-    <p:sldId id="930" r:id="rId129"/>
-    <p:sldId id="937" r:id="rId130"/>
-    <p:sldId id="938" r:id="rId131"/>
-    <p:sldId id="939" r:id="rId132"/>
-    <p:sldId id="936" r:id="rId133"/>
-    <p:sldId id="941" r:id="rId134"/>
-    <p:sldId id="940" r:id="rId135"/>
-    <p:sldId id="943" r:id="rId136"/>
-    <p:sldId id="942" r:id="rId137"/>
-    <p:sldId id="945" r:id="rId138"/>
-    <p:sldId id="944" r:id="rId139"/>
-    <p:sldId id="956" r:id="rId140"/>
+    <p:sldId id="1088" r:id="rId86"/>
+    <p:sldId id="1089" r:id="rId87"/>
+    <p:sldId id="1091" r:id="rId88"/>
+    <p:sldId id="1092" r:id="rId89"/>
+    <p:sldId id="1093" r:id="rId90"/>
+    <p:sldId id="1090" r:id="rId91"/>
+    <p:sldId id="1094" r:id="rId92"/>
+    <p:sldId id="893" r:id="rId93"/>
+    <p:sldId id="894" r:id="rId94"/>
+    <p:sldId id="896" r:id="rId95"/>
+    <p:sldId id="897" r:id="rId96"/>
+    <p:sldId id="898" r:id="rId97"/>
+    <p:sldId id="899" r:id="rId98"/>
+    <p:sldId id="900" r:id="rId99"/>
+    <p:sldId id="895" r:id="rId100"/>
+    <p:sldId id="902" r:id="rId101"/>
+    <p:sldId id="903" r:id="rId102"/>
+    <p:sldId id="901" r:id="rId103"/>
+    <p:sldId id="905" r:id="rId104"/>
+    <p:sldId id="906" r:id="rId105"/>
+    <p:sldId id="907" r:id="rId106"/>
+    <p:sldId id="904" r:id="rId107"/>
+    <p:sldId id="908" r:id="rId108"/>
+    <p:sldId id="910" r:id="rId109"/>
+    <p:sldId id="909" r:id="rId110"/>
+    <p:sldId id="912" r:id="rId111"/>
+    <p:sldId id="911" r:id="rId112"/>
+    <p:sldId id="914" r:id="rId113"/>
+    <p:sldId id="915" r:id="rId114"/>
+    <p:sldId id="916" r:id="rId115"/>
+    <p:sldId id="917" r:id="rId116"/>
+    <p:sldId id="918" r:id="rId117"/>
+    <p:sldId id="913" r:id="rId118"/>
+    <p:sldId id="920" r:id="rId119"/>
+    <p:sldId id="921" r:id="rId120"/>
+    <p:sldId id="919" r:id="rId121"/>
+    <p:sldId id="923" r:id="rId122"/>
+    <p:sldId id="955" r:id="rId123"/>
+    <p:sldId id="922" r:id="rId124"/>
+    <p:sldId id="925" r:id="rId125"/>
+    <p:sldId id="926" r:id="rId126"/>
+    <p:sldId id="927" r:id="rId127"/>
+    <p:sldId id="928" r:id="rId128"/>
+    <p:sldId id="924" r:id="rId129"/>
+    <p:sldId id="929" r:id="rId130"/>
+    <p:sldId id="931" r:id="rId131"/>
+    <p:sldId id="932" r:id="rId132"/>
+    <p:sldId id="934" r:id="rId133"/>
+    <p:sldId id="933" r:id="rId134"/>
+    <p:sldId id="935" r:id="rId135"/>
+    <p:sldId id="930" r:id="rId136"/>
+    <p:sldId id="937" r:id="rId137"/>
+    <p:sldId id="938" r:id="rId138"/>
+    <p:sldId id="939" r:id="rId139"/>
+    <p:sldId id="936" r:id="rId140"/>
+    <p:sldId id="941" r:id="rId141"/>
+    <p:sldId id="940" r:id="rId142"/>
+    <p:sldId id="943" r:id="rId143"/>
+    <p:sldId id="942" r:id="rId144"/>
+    <p:sldId id="945" r:id="rId145"/>
+    <p:sldId id="944" r:id="rId146"/>
+    <p:sldId id="956" r:id="rId147"/>
+    <p:sldId id="1095" r:id="rId148"/>
+    <p:sldId id="1096" r:id="rId149"/>
+    <p:sldId id="1097" r:id="rId150"/>
+    <p:sldId id="1098" r:id="rId151"/>
   </p:sldIdLst>
   <p:sldSz cx="9144000" cy="6858000" type="screen4x3"/>
   <p:notesSz cx="6858000" cy="9144000"/>
   <p:custDataLst>
-    <p:tags r:id="rId144"/>
+    <p:tags r:id="rId155"/>
   </p:custDataLst>
   <p:defaultTextStyle>
     <a:defPPr>
@@ -14654,6 +14665,909 @@
       <p:grpSpPr/>
       <p:sp>
         <p:nvSpPr>
+          <p:cNvPr id="2" name="内容占位符 1"/>
+          <p:cNvSpPr>
+            <a:spLocks noGrp="1"/>
+          </p:cNvSpPr>
+          <p:nvPr>
+            <p:ph idx="1"/>
+          </p:nvPr>
+        </p:nvSpPr>
+        <p:spPr/>
+        <p:txBody>
+          <a:bodyPr/>
+          <a:p>
+            <a:r>
+              <a:rPr lang="zh-CN" altLang="en-US">
+                <a:sym typeface="+mn-ea"/>
+              </a:rPr>
+              <a:t>在弹出的新页面中选择</a:t>
+            </a:r>
+            <a:r>
+              <a:rPr lang="en-US" altLang="zh-CN">
+                <a:sym typeface="+mn-ea"/>
+              </a:rPr>
+              <a:t>mingw-w64-x86_64-gcc</a:t>
+            </a:r>
+            <a:endParaRPr lang="zh-CN" altLang="en-US"/>
+          </a:p>
+        </p:txBody>
+      </p:sp>
+      <p:sp>
+        <p:nvSpPr>
+          <p:cNvPr id="3" name="标题 2"/>
+          <p:cNvSpPr>
+            <a:spLocks noGrp="1"/>
+          </p:cNvSpPr>
+          <p:nvPr>
+            <p:ph type="title"/>
+          </p:nvPr>
+        </p:nvSpPr>
+        <p:spPr/>
+        <p:txBody>
+          <a:bodyPr/>
+          <a:p>
+            <a:r>
+              <a:rPr lang="en-US" altLang="zh-CN">
+                <a:sym typeface="+mn-ea"/>
+              </a:rPr>
+              <a:t>1.12</a:t>
+            </a:r>
+            <a:r>
+              <a:rPr lang="en-US" altLang="zh-CN">
+                <a:sym typeface="+mn-ea"/>
+              </a:rPr>
+              <a:t>.1</a:t>
+            </a:r>
+            <a:r>
+              <a:rPr lang="en-US" altLang="zh-CN">
+                <a:sym typeface="+mn-ea"/>
+              </a:rPr>
+              <a:t> </a:t>
+            </a:r>
+            <a:r>
+              <a:rPr lang="zh-CN" altLang="en-US" dirty="0">
+                <a:sym typeface="+mn-ea"/>
+              </a:rPr>
+              <a:t>安装</a:t>
+            </a:r>
+            <a:r>
+              <a:rPr lang="en-US" altLang="zh-CN" dirty="0">
+                <a:sym typeface="+mn-ea"/>
+              </a:rPr>
+              <a:t>mingw</a:t>
+            </a:r>
+            <a:endParaRPr lang="zh-CN" altLang="en-US"/>
+          </a:p>
+        </p:txBody>
+      </p:sp>
+    </p:spTree>
+  </p:cSld>
+  <p:clrMapOvr>
+    <a:masterClrMapping/>
+  </p:clrMapOvr>
+</p:sld>
+</file>
+
+<file path=ppt/slides/slide101.xml><?xml version="1.0" encoding="utf-8"?>
+<p:sld xmlns:a="http://schemas.openxmlformats.org/drawingml/2006/main" xmlns:r="http://schemas.openxmlformats.org/officeDocument/2006/relationships" xmlns:p="http://schemas.openxmlformats.org/presentationml/2006/main">
+  <p:cSld>
+    <p:spTree>
+      <p:nvGrpSpPr>
+        <p:cNvPr id="1" name=""/>
+        <p:cNvGrpSpPr/>
+        <p:nvPr/>
+      </p:nvGrpSpPr>
+      <p:grpSpPr/>
+      <p:sp>
+        <p:nvSpPr>
+          <p:cNvPr id="2" name="内容占位符 1"/>
+          <p:cNvSpPr>
+            <a:spLocks noGrp="1"/>
+          </p:cNvSpPr>
+          <p:nvPr>
+            <p:ph idx="1"/>
+          </p:nvPr>
+        </p:nvSpPr>
+        <p:spPr>
+          <a:xfrm>
+            <a:off x="871855" y="2675255"/>
+            <a:ext cx="7408545" cy="558800"/>
+          </a:xfrm>
+        </p:spPr>
+        <p:txBody>
+          <a:bodyPr/>
+          <a:p>
+            <a:r>
+              <a:rPr lang="zh-CN" altLang="en-US">
+                <a:sym typeface="+mn-ea"/>
+              </a:rPr>
+              <a:t>点击</a:t>
+            </a:r>
+            <a:r>
+              <a:rPr lang="en-US" altLang="zh-CN">
+                <a:sym typeface="+mn-ea"/>
+              </a:rPr>
+              <a:t>Installation</a:t>
+            </a:r>
+            <a:r>
+              <a:rPr lang="zh-CN" altLang="en-US">
+                <a:sym typeface="+mn-ea"/>
+              </a:rPr>
+              <a:t>框中的复制按钮，</a:t>
+            </a:r>
+            <a:r>
+              <a:rPr lang="zh-CN" altLang="en-US">
+                <a:sym typeface="+mn-ea"/>
+              </a:rPr>
+              <a:t>可以复制地址</a:t>
+            </a:r>
+            <a:endParaRPr lang="zh-CN" altLang="en-US"/>
+          </a:p>
+        </p:txBody>
+      </p:sp>
+      <p:sp>
+        <p:nvSpPr>
+          <p:cNvPr id="3" name="标题 2"/>
+          <p:cNvSpPr>
+            <a:spLocks noGrp="1"/>
+          </p:cNvSpPr>
+          <p:nvPr>
+            <p:ph type="title"/>
+          </p:nvPr>
+        </p:nvSpPr>
+        <p:spPr/>
+        <p:txBody>
+          <a:bodyPr/>
+          <a:p>
+            <a:r>
+              <a:rPr lang="en-US" altLang="zh-CN">
+                <a:sym typeface="+mn-ea"/>
+              </a:rPr>
+              <a:t>1.12</a:t>
+            </a:r>
+            <a:r>
+              <a:rPr lang="en-US" altLang="zh-CN">
+                <a:sym typeface="+mn-ea"/>
+              </a:rPr>
+              <a:t>.1</a:t>
+            </a:r>
+            <a:r>
+              <a:rPr lang="en-US" altLang="zh-CN">
+                <a:sym typeface="+mn-ea"/>
+              </a:rPr>
+              <a:t> </a:t>
+            </a:r>
+            <a:r>
+              <a:rPr lang="zh-CN" altLang="en-US" dirty="0">
+                <a:sym typeface="+mn-ea"/>
+              </a:rPr>
+              <a:t>安装</a:t>
+            </a:r>
+            <a:r>
+              <a:rPr lang="en-US" altLang="zh-CN" dirty="0">
+                <a:sym typeface="+mn-ea"/>
+              </a:rPr>
+              <a:t>mingw</a:t>
+            </a:r>
+            <a:endParaRPr lang="zh-CN" altLang="en-US"/>
+          </a:p>
+        </p:txBody>
+      </p:sp>
+      <p:pic>
+        <p:nvPicPr>
+          <p:cNvPr id="4" name="图片 3" descr="@U[`U7UF)CFJ6IR}2}S_24P"/>
+          <p:cNvPicPr>
+            <a:picLocks noChangeAspect="1"/>
+          </p:cNvPicPr>
+          <p:nvPr>
+            <p:custDataLst>
+              <p:tags r:id="rId1"/>
+            </p:custDataLst>
+          </p:nvPr>
+        </p:nvPicPr>
+        <p:blipFill>
+          <a:blip r:embed="rId2"/>
+          <a:stretch>
+            <a:fillRect/>
+          </a:stretch>
+        </p:blipFill>
+        <p:spPr>
+          <a:xfrm>
+            <a:off x="1165225" y="3429000"/>
+            <a:ext cx="6871335" cy="2564765"/>
+          </a:xfrm>
+          <a:prstGeom prst="rect">
+            <a:avLst/>
+          </a:prstGeom>
+        </p:spPr>
+      </p:pic>
+    </p:spTree>
+  </p:cSld>
+  <p:clrMapOvr>
+    <a:masterClrMapping/>
+  </p:clrMapOvr>
+</p:sld>
+</file>
+
+<file path=ppt/slides/slide102.xml><?xml version="1.0" encoding="utf-8"?>
+<p:sld xmlns:a="http://schemas.openxmlformats.org/drawingml/2006/main" xmlns:r="http://schemas.openxmlformats.org/officeDocument/2006/relationships" xmlns:p="http://schemas.openxmlformats.org/presentationml/2006/main">
+  <p:cSld>
+    <p:spTree>
+      <p:nvGrpSpPr>
+        <p:cNvPr id="1" name=""/>
+        <p:cNvGrpSpPr/>
+        <p:nvPr/>
+      </p:nvGrpSpPr>
+      <p:grpSpPr/>
+      <p:sp>
+        <p:nvSpPr>
+          <p:cNvPr id="2" name="内容占位符 1"/>
+          <p:cNvSpPr>
+            <a:spLocks noGrp="1"/>
+          </p:cNvSpPr>
+          <p:nvPr>
+            <p:ph idx="1"/>
+          </p:nvPr>
+        </p:nvSpPr>
+        <p:spPr>
+          <a:xfrm>
+            <a:off x="871855" y="2675255"/>
+            <a:ext cx="7408545" cy="1031875"/>
+          </a:xfrm>
+        </p:spPr>
+        <p:txBody>
+          <a:bodyPr/>
+          <a:p>
+            <a:r>
+              <a:rPr lang="zh-CN" altLang="en-US">
+                <a:sym typeface="+mn-ea"/>
+              </a:rPr>
+              <a:t>点击</a:t>
+            </a:r>
+            <a:r>
+              <a:rPr lang="en-US" altLang="zh-CN">
+                <a:sym typeface="+mn-ea"/>
+              </a:rPr>
+              <a:t>Windows</a:t>
+            </a:r>
+            <a:r>
+              <a:rPr lang="zh-CN" altLang="en-US">
+                <a:sym typeface="+mn-ea"/>
+              </a:rPr>
+              <a:t>的开始</a:t>
+            </a:r>
+            <a:endParaRPr lang="zh-CN" altLang="en-US"/>
+          </a:p>
+          <a:p>
+            <a:r>
+              <a:rPr lang="zh-CN" altLang="en-US">
+                <a:sym typeface="+mn-ea"/>
+              </a:rPr>
+              <a:t>执行</a:t>
+            </a:r>
+            <a:r>
+              <a:rPr lang="en-US" altLang="zh-CN">
+                <a:sym typeface="+mn-ea"/>
+              </a:rPr>
+              <a:t>msys2 mingw64(</a:t>
+            </a:r>
+            <a:r>
+              <a:rPr lang="zh-CN" altLang="en-US">
+                <a:sym typeface="+mn-ea"/>
+              </a:rPr>
+              <a:t>蓝色</a:t>
+            </a:r>
+            <a:r>
+              <a:rPr lang="en-US" altLang="zh-CN">
+                <a:sym typeface="+mn-ea"/>
+              </a:rPr>
+              <a:t>)</a:t>
+            </a:r>
+            <a:endParaRPr lang="zh-CN" altLang="en-US"/>
+          </a:p>
+        </p:txBody>
+      </p:sp>
+      <p:sp>
+        <p:nvSpPr>
+          <p:cNvPr id="3" name="标题 2"/>
+          <p:cNvSpPr>
+            <a:spLocks noGrp="1"/>
+          </p:cNvSpPr>
+          <p:nvPr>
+            <p:ph type="title"/>
+          </p:nvPr>
+        </p:nvSpPr>
+        <p:spPr/>
+        <p:txBody>
+          <a:bodyPr/>
+          <a:p>
+            <a:r>
+              <a:rPr lang="en-US" altLang="zh-CN">
+                <a:sym typeface="+mn-ea"/>
+              </a:rPr>
+              <a:t>1.12</a:t>
+            </a:r>
+            <a:r>
+              <a:rPr lang="en-US" altLang="zh-CN">
+                <a:sym typeface="+mn-ea"/>
+              </a:rPr>
+              <a:t>.1</a:t>
+            </a:r>
+            <a:r>
+              <a:rPr lang="en-US" altLang="zh-CN">
+                <a:sym typeface="+mn-ea"/>
+              </a:rPr>
+              <a:t> </a:t>
+            </a:r>
+            <a:r>
+              <a:rPr lang="zh-CN" altLang="en-US" dirty="0">
+                <a:sym typeface="+mn-ea"/>
+              </a:rPr>
+              <a:t>安装</a:t>
+            </a:r>
+            <a:r>
+              <a:rPr lang="en-US" altLang="zh-CN" dirty="0">
+                <a:sym typeface="+mn-ea"/>
+              </a:rPr>
+              <a:t>mingw</a:t>
+            </a:r>
+            <a:endParaRPr lang="zh-CN" altLang="en-US"/>
+          </a:p>
+        </p:txBody>
+      </p:sp>
+      <p:pic>
+        <p:nvPicPr>
+          <p:cNvPr id="4" name="图片 3" descr="~}RHAWO65_VNCEIZ~6UNZTE"/>
+          <p:cNvPicPr>
+            <a:picLocks noChangeAspect="1"/>
+          </p:cNvPicPr>
+          <p:nvPr>
+            <p:custDataLst>
+              <p:tags r:id="rId1"/>
+            </p:custDataLst>
+          </p:nvPr>
+        </p:nvPicPr>
+        <p:blipFill>
+          <a:blip r:embed="rId2"/>
+          <a:stretch>
+            <a:fillRect/>
+          </a:stretch>
+        </p:blipFill>
+        <p:spPr>
+          <a:xfrm>
+            <a:off x="5147945" y="2853055"/>
+            <a:ext cx="3009900" cy="3200400"/>
+          </a:xfrm>
+          <a:prstGeom prst="rect">
+            <a:avLst/>
+          </a:prstGeom>
+        </p:spPr>
+      </p:pic>
+    </p:spTree>
+  </p:cSld>
+  <p:clrMapOvr>
+    <a:masterClrMapping/>
+  </p:clrMapOvr>
+</p:sld>
+</file>
+
+<file path=ppt/slides/slide103.xml><?xml version="1.0" encoding="utf-8"?>
+<p:sld xmlns:a="http://schemas.openxmlformats.org/drawingml/2006/main" xmlns:r="http://schemas.openxmlformats.org/officeDocument/2006/relationships" xmlns:p="http://schemas.openxmlformats.org/presentationml/2006/main">
+  <p:cSld>
+    <p:spTree>
+      <p:nvGrpSpPr>
+        <p:cNvPr id="1" name=""/>
+        <p:cNvGrpSpPr/>
+        <p:nvPr/>
+      </p:nvGrpSpPr>
+      <p:grpSpPr/>
+      <p:sp>
+        <p:nvSpPr>
+          <p:cNvPr id="3" name="标题 2"/>
+          <p:cNvSpPr>
+            <a:spLocks noGrp="1"/>
+          </p:cNvSpPr>
+          <p:nvPr>
+            <p:ph type="title"/>
+          </p:nvPr>
+        </p:nvSpPr>
+        <p:spPr/>
+        <p:txBody>
+          <a:bodyPr/>
+          <a:p>
+            <a:r>
+              <a:rPr lang="en-US" altLang="zh-CN">
+                <a:sym typeface="+mn-ea"/>
+              </a:rPr>
+              <a:t>1.12</a:t>
+            </a:r>
+            <a:r>
+              <a:rPr lang="en-US" altLang="zh-CN">
+                <a:sym typeface="+mn-ea"/>
+              </a:rPr>
+              <a:t>.1</a:t>
+            </a:r>
+            <a:r>
+              <a:rPr lang="en-US" altLang="zh-CN">
+                <a:sym typeface="+mn-ea"/>
+              </a:rPr>
+              <a:t> </a:t>
+            </a:r>
+            <a:r>
+              <a:rPr lang="zh-CN" altLang="en-US" dirty="0">
+                <a:sym typeface="+mn-ea"/>
+              </a:rPr>
+              <a:t>安装</a:t>
+            </a:r>
+            <a:r>
+              <a:rPr lang="en-US" altLang="zh-CN" dirty="0">
+                <a:sym typeface="+mn-ea"/>
+              </a:rPr>
+              <a:t>mingw</a:t>
+            </a:r>
+            <a:endParaRPr lang="zh-CN" altLang="en-US"/>
+          </a:p>
+        </p:txBody>
+      </p:sp>
+      <p:pic>
+        <p:nvPicPr>
+          <p:cNvPr id="4" name="图片 3"/>
+          <p:cNvPicPr>
+            <a:picLocks noChangeAspect="1"/>
+          </p:cNvPicPr>
+          <p:nvPr>
+            <p:custDataLst>
+              <p:tags r:id="rId1"/>
+            </p:custDataLst>
+          </p:nvPr>
+        </p:nvPicPr>
+        <p:blipFill>
+          <a:blip r:embed="rId2"/>
+          <a:stretch>
+            <a:fillRect/>
+          </a:stretch>
+        </p:blipFill>
+        <p:spPr>
+          <a:xfrm>
+            <a:off x="1187450" y="2276475"/>
+            <a:ext cx="6867525" cy="3924300"/>
+          </a:xfrm>
+          <a:prstGeom prst="rect">
+            <a:avLst/>
+          </a:prstGeom>
+        </p:spPr>
+      </p:pic>
+    </p:spTree>
+  </p:cSld>
+  <p:clrMapOvr>
+    <a:masterClrMapping/>
+  </p:clrMapOvr>
+</p:sld>
+</file>
+
+<file path=ppt/slides/slide104.xml><?xml version="1.0" encoding="utf-8"?>
+<p:sld xmlns:a="http://schemas.openxmlformats.org/drawingml/2006/main" xmlns:r="http://schemas.openxmlformats.org/officeDocument/2006/relationships" xmlns:p="http://schemas.openxmlformats.org/presentationml/2006/main">
+  <p:cSld>
+    <p:spTree>
+      <p:nvGrpSpPr>
+        <p:cNvPr id="1" name=""/>
+        <p:cNvGrpSpPr/>
+        <p:nvPr/>
+      </p:nvGrpSpPr>
+      <p:grpSpPr/>
+      <p:sp>
+        <p:nvSpPr>
+          <p:cNvPr id="2" name="内容占位符 1"/>
+          <p:cNvSpPr>
+            <a:spLocks noGrp="1"/>
+          </p:cNvSpPr>
+          <p:nvPr>
+            <p:ph idx="1"/>
+          </p:nvPr>
+        </p:nvSpPr>
+        <p:spPr/>
+        <p:txBody>
+          <a:bodyPr/>
+          <a:p>
+            <a:r>
+              <a:rPr lang="zh-CN" altLang="en-US">
+                <a:sym typeface="+mn-ea"/>
+              </a:rPr>
+              <a:t>在终端模式下执行如下三条命令：</a:t>
+            </a:r>
+            <a:endParaRPr lang="zh-CN" altLang="en-US"/>
+          </a:p>
+          <a:p>
+            <a:r>
+              <a:rPr lang="en-US" altLang="zh-CN">
+                <a:sym typeface="+mn-ea"/>
+              </a:rPr>
+              <a:t>$ </a:t>
+            </a:r>
+            <a:r>
+              <a:rPr lang="zh-CN" altLang="en-US">
+                <a:sym typeface="+mn-ea"/>
+              </a:rPr>
+              <a:t>pacman -S mingw-w64-x86_64-gcc  --disable-download-timeout</a:t>
+            </a:r>
+            <a:endParaRPr lang="zh-CN" altLang="en-US"/>
+          </a:p>
+          <a:p>
+            <a:r>
+              <a:rPr lang="en-US" altLang="zh-CN">
+                <a:sym typeface="+mn-ea"/>
+              </a:rPr>
+              <a:t>$ </a:t>
+            </a:r>
+            <a:r>
+              <a:rPr lang="zh-CN" altLang="en-US">
+                <a:sym typeface="+mn-ea"/>
+              </a:rPr>
+              <a:t>pacman -S mingw-w64-x86_64-make  --disable-download-timeout</a:t>
+            </a:r>
+            <a:endParaRPr lang="zh-CN" altLang="en-US"/>
+          </a:p>
+          <a:p>
+            <a:r>
+              <a:rPr lang="en-US" altLang="zh-CN">
+                <a:sym typeface="+mn-ea"/>
+              </a:rPr>
+              <a:t>$ </a:t>
+            </a:r>
+            <a:r>
+              <a:rPr lang="zh-CN" altLang="en-US">
+                <a:sym typeface="+mn-ea"/>
+              </a:rPr>
+              <a:t>pacman -S mingw-w64-x86_64-gdb  --disable-download-timeout</a:t>
+            </a:r>
+            <a:endParaRPr lang="zh-CN" altLang="en-US"/>
+          </a:p>
+          <a:p>
+            <a:endParaRPr lang="zh-CN" altLang="en-US"/>
+          </a:p>
+        </p:txBody>
+      </p:sp>
+      <p:sp>
+        <p:nvSpPr>
+          <p:cNvPr id="3" name="标题 2"/>
+          <p:cNvSpPr>
+            <a:spLocks noGrp="1"/>
+          </p:cNvSpPr>
+          <p:nvPr>
+            <p:ph type="title"/>
+          </p:nvPr>
+        </p:nvSpPr>
+        <p:spPr/>
+        <p:txBody>
+          <a:bodyPr/>
+          <a:p>
+            <a:r>
+              <a:rPr lang="en-US" altLang="zh-CN">
+                <a:sym typeface="+mn-ea"/>
+              </a:rPr>
+              <a:t>1.12</a:t>
+            </a:r>
+            <a:r>
+              <a:rPr lang="en-US" altLang="zh-CN">
+                <a:sym typeface="+mn-ea"/>
+              </a:rPr>
+              <a:t>.1</a:t>
+            </a:r>
+            <a:r>
+              <a:rPr lang="en-US" altLang="zh-CN">
+                <a:sym typeface="+mn-ea"/>
+              </a:rPr>
+              <a:t> </a:t>
+            </a:r>
+            <a:r>
+              <a:rPr lang="zh-CN" altLang="en-US" dirty="0">
+                <a:sym typeface="+mn-ea"/>
+              </a:rPr>
+              <a:t>安装</a:t>
+            </a:r>
+            <a:r>
+              <a:rPr lang="en-US" altLang="zh-CN" dirty="0">
+                <a:sym typeface="+mn-ea"/>
+              </a:rPr>
+              <a:t>mingw</a:t>
+            </a:r>
+            <a:endParaRPr lang="zh-CN" altLang="en-US"/>
+          </a:p>
+        </p:txBody>
+      </p:sp>
+    </p:spTree>
+  </p:cSld>
+  <p:clrMapOvr>
+    <a:masterClrMapping/>
+  </p:clrMapOvr>
+</p:sld>
+</file>
+
+<file path=ppt/slides/slide105.xml><?xml version="1.0" encoding="utf-8"?>
+<p:sld xmlns:a="http://schemas.openxmlformats.org/drawingml/2006/main" xmlns:r="http://schemas.openxmlformats.org/officeDocument/2006/relationships" xmlns:p="http://schemas.openxmlformats.org/presentationml/2006/main">
+  <p:cSld>
+    <p:spTree>
+      <p:nvGrpSpPr>
+        <p:cNvPr id="1" name=""/>
+        <p:cNvGrpSpPr/>
+        <p:nvPr/>
+      </p:nvGrpSpPr>
+      <p:grpSpPr/>
+      <p:sp>
+        <p:nvSpPr>
+          <p:cNvPr id="2" name="内容占位符 1"/>
+          <p:cNvSpPr>
+            <a:spLocks noGrp="1"/>
+          </p:cNvSpPr>
+          <p:nvPr>
+            <p:ph idx="1"/>
+          </p:nvPr>
+        </p:nvSpPr>
+        <p:spPr/>
+        <p:txBody>
+          <a:bodyPr/>
+          <a:p>
+            <a:r>
+              <a:rPr lang="en-US" altLang="zh-CN">
+                <a:sym typeface="+mn-ea"/>
+              </a:rPr>
+              <a:t>mingw-w64</a:t>
+            </a:r>
+            <a:r>
+              <a:rPr lang="zh-CN" altLang="en-US">
+                <a:sym typeface="+mn-ea"/>
+              </a:rPr>
+              <a:t>安装完毕</a:t>
+            </a:r>
+            <a:endParaRPr lang="zh-CN" altLang="en-US"/>
+          </a:p>
+          <a:p>
+            <a:r>
+              <a:rPr lang="zh-CN" altLang="en-US">
+                <a:sym typeface="+mn-ea"/>
+              </a:rPr>
+              <a:t>可以支持</a:t>
+            </a:r>
+            <a:r>
+              <a:rPr lang="en-US" altLang="zh-CN">
+                <a:sym typeface="+mn-ea"/>
+              </a:rPr>
+              <a:t>C++20</a:t>
+            </a:r>
+            <a:endParaRPr lang="en-US" altLang="zh-CN"/>
+          </a:p>
+          <a:p>
+            <a:r>
+              <a:rPr lang="zh-CN" altLang="en-US">
+                <a:sym typeface="+mn-ea"/>
+              </a:rPr>
+              <a:t>可以打开</a:t>
+            </a:r>
+            <a:r>
+              <a:rPr lang="en-US" altLang="zh-CN">
+                <a:sym typeface="+mn-ea"/>
+              </a:rPr>
+              <a:t>D</a:t>
+            </a:r>
+            <a:r>
+              <a:rPr lang="zh-CN" altLang="en-US">
+                <a:sym typeface="+mn-ea"/>
+              </a:rPr>
+              <a:t>:\msys64\mingw64\bin查看其中的内容</a:t>
+            </a:r>
+            <a:endParaRPr lang="zh-CN" altLang="en-US"/>
+          </a:p>
+          <a:p>
+            <a:r>
+              <a:rPr lang="zh-CN" altLang="en-US">
+                <a:sym typeface="+mn-ea"/>
+              </a:rPr>
+              <a:t>如果有，表示安装成功</a:t>
+            </a:r>
+            <a:endParaRPr lang="zh-CN" altLang="en-US"/>
+          </a:p>
+          <a:p>
+            <a:endParaRPr lang="zh-CN" altLang="en-US"/>
+          </a:p>
+        </p:txBody>
+      </p:sp>
+      <p:sp>
+        <p:nvSpPr>
+          <p:cNvPr id="3" name="标题 2"/>
+          <p:cNvSpPr>
+            <a:spLocks noGrp="1"/>
+          </p:cNvSpPr>
+          <p:nvPr>
+            <p:ph type="title"/>
+          </p:nvPr>
+        </p:nvSpPr>
+        <p:spPr/>
+        <p:txBody>
+          <a:bodyPr/>
+          <a:p>
+            <a:r>
+              <a:rPr lang="en-US" altLang="zh-CN">
+                <a:sym typeface="+mn-ea"/>
+              </a:rPr>
+              <a:t>1.12</a:t>
+            </a:r>
+            <a:r>
+              <a:rPr lang="en-US" altLang="zh-CN">
+                <a:sym typeface="+mn-ea"/>
+              </a:rPr>
+              <a:t>.1</a:t>
+            </a:r>
+            <a:r>
+              <a:rPr lang="en-US" altLang="zh-CN">
+                <a:sym typeface="+mn-ea"/>
+              </a:rPr>
+              <a:t> </a:t>
+            </a:r>
+            <a:r>
+              <a:rPr lang="zh-CN" altLang="en-US" dirty="0">
+                <a:sym typeface="+mn-ea"/>
+              </a:rPr>
+              <a:t>安装</a:t>
+            </a:r>
+            <a:r>
+              <a:rPr lang="en-US" altLang="zh-CN" dirty="0">
+                <a:sym typeface="+mn-ea"/>
+              </a:rPr>
+              <a:t>mingw</a:t>
+            </a:r>
+            <a:endParaRPr lang="zh-CN" altLang="en-US"/>
+          </a:p>
+        </p:txBody>
+      </p:sp>
+    </p:spTree>
+  </p:cSld>
+  <p:clrMapOvr>
+    <a:masterClrMapping/>
+  </p:clrMapOvr>
+</p:sld>
+</file>
+
+<file path=ppt/slides/slide106.xml><?xml version="1.0" encoding="utf-8"?>
+<p:sld xmlns:a="http://schemas.openxmlformats.org/drawingml/2006/main" xmlns:r="http://schemas.openxmlformats.org/officeDocument/2006/relationships" xmlns:p="http://schemas.openxmlformats.org/presentationml/2006/main">
+  <p:cSld>
+    <p:spTree>
+      <p:nvGrpSpPr>
+        <p:cNvPr id="1" name=""/>
+        <p:cNvGrpSpPr/>
+        <p:nvPr/>
+      </p:nvGrpSpPr>
+      <p:grpSpPr/>
+      <p:sp>
+        <p:nvSpPr>
+          <p:cNvPr id="2" name="内容占位符 1"/>
+          <p:cNvSpPr>
+            <a:spLocks noGrp="1"/>
+          </p:cNvSpPr>
+          <p:nvPr>
+            <p:ph idx="1"/>
+          </p:nvPr>
+        </p:nvSpPr>
+        <p:spPr/>
+        <p:txBody>
+          <a:bodyPr/>
+          <a:p>
+            <a:r>
+              <a:rPr lang="zh-CN" altLang="en-US">
+                <a:sym typeface="+mn-ea"/>
+              </a:rPr>
+              <a:t>安装</a:t>
+            </a:r>
+            <a:r>
+              <a:rPr lang="en-US" altLang="zh-CN">
+                <a:sym typeface="+mn-ea"/>
+              </a:rPr>
+              <a:t>Visual Studio Code</a:t>
+            </a:r>
+            <a:r>
+              <a:rPr lang="zh-CN" altLang="en-US">
+                <a:sym typeface="+mn-ea"/>
+              </a:rPr>
+              <a:t>，简称</a:t>
+            </a:r>
+            <a:r>
+              <a:rPr lang="en-US" altLang="zh-CN">
+                <a:sym typeface="+mn-ea"/>
+              </a:rPr>
+              <a:t>VSCode</a:t>
+            </a:r>
+            <a:endParaRPr lang="en-US" altLang="zh-CN">
+              <a:sym typeface="+mn-ea"/>
+            </a:endParaRPr>
+          </a:p>
+          <a:p>
+            <a:r>
+              <a:rPr lang="zh-CN" altLang="en-US">
+                <a:sym typeface="+mn-ea"/>
+              </a:rPr>
+              <a:t>打开</a:t>
+            </a:r>
+            <a:r>
+              <a:rPr lang="en-US" altLang="zh-CN">
+                <a:sym typeface="+mn-ea"/>
+              </a:rPr>
+              <a:t>VSCode</a:t>
+            </a:r>
+            <a:r>
+              <a:rPr lang="zh-CN" altLang="en-US">
+                <a:sym typeface="+mn-ea"/>
+              </a:rPr>
+              <a:t>主页</a:t>
+            </a:r>
+            <a:endParaRPr lang="zh-CN" altLang="en-US"/>
+          </a:p>
+          <a:p>
+            <a:r>
+              <a:rPr lang="zh-CN" altLang="en-US">
+                <a:sym typeface="+mn-ea"/>
+              </a:rPr>
+              <a:t>https://code.visualstudio.com/</a:t>
+            </a:r>
+            <a:endParaRPr lang="zh-CN" altLang="en-US"/>
+          </a:p>
+        </p:txBody>
+      </p:sp>
+      <p:sp>
+        <p:nvSpPr>
+          <p:cNvPr id="3" name="标题 2"/>
+          <p:cNvSpPr>
+            <a:spLocks noGrp="1"/>
+          </p:cNvSpPr>
+          <p:nvPr>
+            <p:ph type="title"/>
+          </p:nvPr>
+        </p:nvSpPr>
+        <p:spPr/>
+        <p:txBody>
+          <a:bodyPr/>
+          <a:p>
+            <a:r>
+              <a:rPr lang="en-US" altLang="zh-CN">
+                <a:sym typeface="+mn-ea"/>
+              </a:rPr>
+              <a:t>1.13 </a:t>
+            </a:r>
+            <a:r>
+              <a:rPr lang="zh-CN" altLang="en-US">
+                <a:sym typeface="+mn-ea"/>
+              </a:rPr>
+              <a:t>安装</a:t>
+            </a:r>
+            <a:r>
+              <a:rPr lang="en-US" altLang="zh-CN">
+                <a:sym typeface="+mn-ea"/>
+              </a:rPr>
+              <a:t>Visual Studio Code</a:t>
+            </a:r>
+            <a:endParaRPr lang="zh-CN" altLang="en-US"/>
+          </a:p>
+        </p:txBody>
+      </p:sp>
+    </p:spTree>
+  </p:cSld>
+  <p:clrMapOvr>
+    <a:masterClrMapping/>
+  </p:clrMapOvr>
+</p:sld>
+</file>
+
+<file path=ppt/slides/slide107.xml><?xml version="1.0" encoding="utf-8"?>
+<p:sld xmlns:a="http://schemas.openxmlformats.org/drawingml/2006/main" xmlns:r="http://schemas.openxmlformats.org/officeDocument/2006/relationships" xmlns:p="http://schemas.openxmlformats.org/presentationml/2006/main">
+  <p:cSld>
+    <p:spTree>
+      <p:nvGrpSpPr>
+        <p:cNvPr id="1" name=""/>
+        <p:cNvGrpSpPr/>
+        <p:nvPr/>
+      </p:nvGrpSpPr>
+      <p:grpSpPr/>
+      <p:sp>
+        <p:nvSpPr>
           <p:cNvPr id="3" name="标题 2"/>
           <p:cNvSpPr>
             <a:spLocks noGrp="1"/>
@@ -14724,7 +15638,7 @@
 </p:sld>
 </file>
 
-<file path=ppt/slides/slide101.xml><?xml version="1.0" encoding="utf-8"?>
+<file path=ppt/slides/slide108.xml><?xml version="1.0" encoding="utf-8"?>
 <p:sld xmlns:a="http://schemas.openxmlformats.org/drawingml/2006/main" xmlns:r="http://schemas.openxmlformats.org/officeDocument/2006/relationships" xmlns:p="http://schemas.openxmlformats.org/presentationml/2006/main">
   <p:cSld>
     <p:spTree>
@@ -14853,7 +15767,7 @@
 </p:sld>
 </file>
 
-<file path=ppt/slides/slide102.xml><?xml version="1.0" encoding="utf-8"?>
+<file path=ppt/slides/slide109.xml><?xml version="1.0" encoding="utf-8"?>
 <p:sld xmlns:a="http://schemas.openxmlformats.org/drawingml/2006/main" xmlns:r="http://schemas.openxmlformats.org/officeDocument/2006/relationships" xmlns:p="http://schemas.openxmlformats.org/presentationml/2006/main">
   <p:cSld>
     <p:spTree>
@@ -15007,947 +15921,6 @@
           </a:p>
         </p:txBody>
       </p:sp>
-    </p:spTree>
-  </p:cSld>
-  <p:clrMapOvr>
-    <a:masterClrMapping/>
-  </p:clrMapOvr>
-</p:sld>
-</file>
-
-<file path=ppt/slides/slide103.xml><?xml version="1.0" encoding="utf-8"?>
-<p:sld xmlns:a="http://schemas.openxmlformats.org/drawingml/2006/main" xmlns:r="http://schemas.openxmlformats.org/officeDocument/2006/relationships" xmlns:p="http://schemas.openxmlformats.org/presentationml/2006/main">
-  <p:cSld>
-    <p:spTree>
-      <p:nvGrpSpPr>
-        <p:cNvPr id="1" name=""/>
-        <p:cNvGrpSpPr/>
-        <p:nvPr/>
-      </p:nvGrpSpPr>
-      <p:grpSpPr/>
-      <p:sp>
-        <p:nvSpPr>
-          <p:cNvPr id="2" name="内容占位符 1"/>
-          <p:cNvSpPr>
-            <a:spLocks noGrp="1"/>
-          </p:cNvSpPr>
-          <p:nvPr>
-            <p:ph idx="1"/>
-          </p:nvPr>
-        </p:nvSpPr>
-        <p:spPr>
-          <a:xfrm>
-            <a:off x="871855" y="2675255"/>
-            <a:ext cx="7408545" cy="473710"/>
-          </a:xfrm>
-        </p:spPr>
-        <p:txBody>
-          <a:bodyPr>
-            <a:normAutofit lnSpcReduction="20000"/>
-          </a:bodyPr>
-          <a:p>
-            <a:r>
-              <a:rPr lang="zh-CN" altLang="en-US">
-                <a:sym typeface="+mn-ea"/>
-              </a:rPr>
-              <a:t>选择</a:t>
-            </a:r>
-            <a:r>
-              <a:rPr lang="en-US" altLang="zh-CN">
-                <a:sym typeface="+mn-ea"/>
-              </a:rPr>
-              <a:t>“</a:t>
-            </a:r>
-            <a:r>
-              <a:rPr lang="zh-CN" altLang="en-US">
-                <a:sym typeface="+mn-ea"/>
-              </a:rPr>
-              <a:t>我同意此协议</a:t>
-            </a:r>
-            <a:r>
-              <a:rPr lang="en-US" altLang="zh-CN">
-                <a:sym typeface="+mn-ea"/>
-              </a:rPr>
-              <a:t>”</a:t>
-            </a:r>
-            <a:r>
-              <a:rPr lang="zh-CN" altLang="en-US">
-                <a:sym typeface="+mn-ea"/>
-              </a:rPr>
-              <a:t>，然后点击</a:t>
-            </a:r>
-            <a:r>
-              <a:rPr lang="en-US" altLang="zh-CN">
-                <a:sym typeface="+mn-ea"/>
-              </a:rPr>
-              <a:t>“</a:t>
-            </a:r>
-            <a:r>
-              <a:rPr lang="zh-CN" altLang="en-US">
-                <a:sym typeface="+mn-ea"/>
-              </a:rPr>
-              <a:t>下一步</a:t>
-            </a:r>
-            <a:r>
-              <a:rPr lang="en-US" altLang="zh-CN">
-                <a:sym typeface="+mn-ea"/>
-              </a:rPr>
-              <a:t>”</a:t>
-            </a:r>
-            <a:endParaRPr lang="zh-CN" altLang="en-US"/>
-          </a:p>
-        </p:txBody>
-      </p:sp>
-      <p:sp>
-        <p:nvSpPr>
-          <p:cNvPr id="3" name="标题 2"/>
-          <p:cNvSpPr>
-            <a:spLocks noGrp="1"/>
-          </p:cNvSpPr>
-          <p:nvPr>
-            <p:ph type="title"/>
-          </p:nvPr>
-        </p:nvSpPr>
-        <p:spPr/>
-        <p:txBody>
-          <a:bodyPr/>
-          <a:p>
-            <a:r>
-              <a:rPr lang="en-US" altLang="zh-CN">
-                <a:sym typeface="+mn-ea"/>
-              </a:rPr>
-              <a:t>1.13 </a:t>
-            </a:r>
-            <a:r>
-              <a:rPr lang="zh-CN" altLang="en-US">
-                <a:sym typeface="+mn-ea"/>
-              </a:rPr>
-              <a:t>安装</a:t>
-            </a:r>
-            <a:r>
-              <a:rPr lang="en-US" altLang="zh-CN">
-                <a:sym typeface="+mn-ea"/>
-              </a:rPr>
-              <a:t>Visual Studio Code</a:t>
-            </a:r>
-            <a:endParaRPr lang="zh-CN" altLang="en-US"/>
-          </a:p>
-        </p:txBody>
-      </p:sp>
-      <p:pic>
-        <p:nvPicPr>
-          <p:cNvPr id="4" name="图片 3"/>
-          <p:cNvPicPr>
-            <a:picLocks noChangeAspect="1"/>
-          </p:cNvPicPr>
-          <p:nvPr>
-            <p:custDataLst>
-              <p:tags r:id="rId1"/>
-            </p:custDataLst>
-          </p:nvPr>
-        </p:nvPicPr>
-        <p:blipFill>
-          <a:blip r:embed="rId2"/>
-          <a:stretch>
-            <a:fillRect/>
-          </a:stretch>
-        </p:blipFill>
-        <p:spPr>
-          <a:xfrm>
-            <a:off x="1692275" y="3213100"/>
-            <a:ext cx="3936365" cy="3220085"/>
-          </a:xfrm>
-          <a:prstGeom prst="rect">
-            <a:avLst/>
-          </a:prstGeom>
-        </p:spPr>
-      </p:pic>
-    </p:spTree>
-  </p:cSld>
-  <p:clrMapOvr>
-    <a:masterClrMapping/>
-  </p:clrMapOvr>
-</p:sld>
-</file>
-
-<file path=ppt/slides/slide104.xml><?xml version="1.0" encoding="utf-8"?>
-<p:sld xmlns:a="http://schemas.openxmlformats.org/drawingml/2006/main" xmlns:r="http://schemas.openxmlformats.org/officeDocument/2006/relationships" xmlns:p="http://schemas.openxmlformats.org/presentationml/2006/main">
-  <p:cSld>
-    <p:spTree>
-      <p:nvGrpSpPr>
-        <p:cNvPr id="1" name=""/>
-        <p:cNvGrpSpPr/>
-        <p:nvPr/>
-      </p:nvGrpSpPr>
-      <p:grpSpPr/>
-      <p:sp>
-        <p:nvSpPr>
-          <p:cNvPr id="2" name="内容占位符 1"/>
-          <p:cNvSpPr>
-            <a:spLocks noGrp="1"/>
-          </p:cNvSpPr>
-          <p:nvPr>
-            <p:ph idx="1"/>
-          </p:nvPr>
-        </p:nvSpPr>
-        <p:spPr>
-          <a:xfrm>
-            <a:off x="871855" y="2675255"/>
-            <a:ext cx="7408545" cy="534035"/>
-          </a:xfrm>
-        </p:spPr>
-        <p:txBody>
-          <a:bodyPr/>
-          <a:p>
-            <a:r>
-              <a:rPr lang="zh-CN" altLang="en-US">
-                <a:sym typeface="+mn-ea"/>
-              </a:rPr>
-              <a:t>此处可以修改安装目录，如果不想修改点</a:t>
-            </a:r>
-            <a:r>
-              <a:rPr lang="en-US" altLang="zh-CN">
-                <a:sym typeface="+mn-ea"/>
-              </a:rPr>
-              <a:t>“</a:t>
-            </a:r>
-            <a:r>
-              <a:rPr lang="zh-CN" altLang="en-US">
-                <a:sym typeface="+mn-ea"/>
-              </a:rPr>
-              <a:t>下一步</a:t>
-            </a:r>
-            <a:r>
-              <a:rPr lang="en-US" altLang="zh-CN">
-                <a:sym typeface="+mn-ea"/>
-              </a:rPr>
-              <a:t>”</a:t>
-            </a:r>
-            <a:endParaRPr lang="zh-CN" altLang="en-US"/>
-          </a:p>
-        </p:txBody>
-      </p:sp>
-      <p:sp>
-        <p:nvSpPr>
-          <p:cNvPr id="3" name="标题 2"/>
-          <p:cNvSpPr>
-            <a:spLocks noGrp="1"/>
-          </p:cNvSpPr>
-          <p:nvPr>
-            <p:ph type="title"/>
-          </p:nvPr>
-        </p:nvSpPr>
-        <p:spPr/>
-        <p:txBody>
-          <a:bodyPr/>
-          <a:p>
-            <a:r>
-              <a:rPr lang="en-US" altLang="zh-CN">
-                <a:sym typeface="+mn-ea"/>
-              </a:rPr>
-              <a:t>1.13 </a:t>
-            </a:r>
-            <a:r>
-              <a:rPr lang="zh-CN" altLang="en-US">
-                <a:sym typeface="+mn-ea"/>
-              </a:rPr>
-              <a:t>安装</a:t>
-            </a:r>
-            <a:r>
-              <a:rPr lang="en-US" altLang="zh-CN">
-                <a:sym typeface="+mn-ea"/>
-              </a:rPr>
-              <a:t>Visual Studio Code</a:t>
-            </a:r>
-            <a:endParaRPr lang="zh-CN" altLang="en-US"/>
-          </a:p>
-        </p:txBody>
-      </p:sp>
-      <p:pic>
-        <p:nvPicPr>
-          <p:cNvPr id="4" name="图片 3"/>
-          <p:cNvPicPr>
-            <a:picLocks noChangeAspect="1"/>
-          </p:cNvPicPr>
-          <p:nvPr>
-            <p:custDataLst>
-              <p:tags r:id="rId1"/>
-            </p:custDataLst>
-          </p:nvPr>
-        </p:nvPicPr>
-        <p:blipFill>
-          <a:blip r:embed="rId2"/>
-          <a:stretch>
-            <a:fillRect/>
-          </a:stretch>
-        </p:blipFill>
-        <p:spPr>
-          <a:xfrm>
-            <a:off x="1403985" y="3141345"/>
-            <a:ext cx="4020820" cy="3289300"/>
-          </a:xfrm>
-          <a:prstGeom prst="rect">
-            <a:avLst/>
-          </a:prstGeom>
-        </p:spPr>
-      </p:pic>
-    </p:spTree>
-  </p:cSld>
-  <p:clrMapOvr>
-    <a:masterClrMapping/>
-  </p:clrMapOvr>
-</p:sld>
-</file>
-
-<file path=ppt/slides/slide105.xml><?xml version="1.0" encoding="utf-8"?>
-<p:sld xmlns:a="http://schemas.openxmlformats.org/drawingml/2006/main" xmlns:r="http://schemas.openxmlformats.org/officeDocument/2006/relationships" xmlns:p="http://schemas.openxmlformats.org/presentationml/2006/main">
-  <p:cSld>
-    <p:spTree>
-      <p:nvGrpSpPr>
-        <p:cNvPr id="1" name=""/>
-        <p:cNvGrpSpPr/>
-        <p:nvPr/>
-      </p:nvGrpSpPr>
-      <p:grpSpPr/>
-      <p:sp>
-        <p:nvSpPr>
-          <p:cNvPr id="2" name="内容占位符 1"/>
-          <p:cNvSpPr>
-            <a:spLocks noGrp="1"/>
-          </p:cNvSpPr>
-          <p:nvPr>
-            <p:ph idx="1"/>
-          </p:nvPr>
-        </p:nvSpPr>
-        <p:spPr>
-          <a:xfrm>
-            <a:off x="871855" y="2675255"/>
-            <a:ext cx="7408545" cy="539750"/>
-          </a:xfrm>
-        </p:spPr>
-        <p:txBody>
-          <a:bodyPr/>
-          <a:p>
-            <a:r>
-              <a:rPr lang="zh-CN" altLang="en-US">
-                <a:sym typeface="+mn-ea"/>
-              </a:rPr>
-              <a:t>如果不想修改快捷方式，继续</a:t>
-            </a:r>
-            <a:r>
-              <a:rPr lang="en-US" altLang="zh-CN">
-                <a:sym typeface="+mn-ea"/>
-              </a:rPr>
-              <a:t>“</a:t>
-            </a:r>
-            <a:r>
-              <a:rPr lang="zh-CN" altLang="en-US">
-                <a:sym typeface="+mn-ea"/>
-              </a:rPr>
-              <a:t>下一步</a:t>
-            </a:r>
-            <a:r>
-              <a:rPr lang="en-US" altLang="zh-CN">
-                <a:sym typeface="+mn-ea"/>
-              </a:rPr>
-              <a:t>”</a:t>
-            </a:r>
-            <a:endParaRPr lang="zh-CN" altLang="en-US"/>
-          </a:p>
-        </p:txBody>
-      </p:sp>
-      <p:sp>
-        <p:nvSpPr>
-          <p:cNvPr id="3" name="标题 2"/>
-          <p:cNvSpPr>
-            <a:spLocks noGrp="1"/>
-          </p:cNvSpPr>
-          <p:nvPr>
-            <p:ph type="title"/>
-          </p:nvPr>
-        </p:nvSpPr>
-        <p:spPr/>
-        <p:txBody>
-          <a:bodyPr/>
-          <a:p>
-            <a:r>
-              <a:rPr lang="en-US" altLang="zh-CN">
-                <a:sym typeface="+mn-ea"/>
-              </a:rPr>
-              <a:t>1.13 </a:t>
-            </a:r>
-            <a:r>
-              <a:rPr lang="zh-CN" altLang="en-US">
-                <a:sym typeface="+mn-ea"/>
-              </a:rPr>
-              <a:t>安装</a:t>
-            </a:r>
-            <a:r>
-              <a:rPr lang="en-US" altLang="zh-CN">
-                <a:sym typeface="+mn-ea"/>
-              </a:rPr>
-              <a:t>Visual Studio Code</a:t>
-            </a:r>
-            <a:endParaRPr lang="zh-CN" altLang="en-US"/>
-          </a:p>
-        </p:txBody>
-      </p:sp>
-      <p:pic>
-        <p:nvPicPr>
-          <p:cNvPr id="4" name="图片 3"/>
-          <p:cNvPicPr>
-            <a:picLocks noChangeAspect="1"/>
-          </p:cNvPicPr>
-          <p:nvPr>
-            <p:custDataLst>
-              <p:tags r:id="rId1"/>
-            </p:custDataLst>
-          </p:nvPr>
-        </p:nvPicPr>
-        <p:blipFill>
-          <a:blip r:embed="rId2"/>
-          <a:stretch>
-            <a:fillRect/>
-          </a:stretch>
-        </p:blipFill>
-        <p:spPr>
-          <a:xfrm>
-            <a:off x="1547495" y="3209290"/>
-            <a:ext cx="3625215" cy="2966085"/>
-          </a:xfrm>
-          <a:prstGeom prst="rect">
-            <a:avLst/>
-          </a:prstGeom>
-        </p:spPr>
-      </p:pic>
-    </p:spTree>
-  </p:cSld>
-  <p:clrMapOvr>
-    <a:masterClrMapping/>
-  </p:clrMapOvr>
-</p:sld>
-</file>
-
-<file path=ppt/slides/slide106.xml><?xml version="1.0" encoding="utf-8"?>
-<p:sld xmlns:a="http://schemas.openxmlformats.org/drawingml/2006/main" xmlns:r="http://schemas.openxmlformats.org/officeDocument/2006/relationships" xmlns:p="http://schemas.openxmlformats.org/presentationml/2006/main">
-  <p:cSld>
-    <p:spTree>
-      <p:nvGrpSpPr>
-        <p:cNvPr id="1" name=""/>
-        <p:cNvGrpSpPr/>
-        <p:nvPr/>
-      </p:nvGrpSpPr>
-      <p:grpSpPr/>
-      <p:sp>
-        <p:nvSpPr>
-          <p:cNvPr id="2" name="内容占位符 1"/>
-          <p:cNvSpPr>
-            <a:spLocks noGrp="1"/>
-          </p:cNvSpPr>
-          <p:nvPr>
-            <p:ph idx="1"/>
-          </p:nvPr>
-        </p:nvSpPr>
-        <p:spPr>
-          <a:xfrm>
-            <a:off x="871855" y="2675255"/>
-            <a:ext cx="7408545" cy="606425"/>
-          </a:xfrm>
-        </p:spPr>
-        <p:txBody>
-          <a:bodyPr/>
-          <a:p>
-            <a:r>
-              <a:rPr lang="zh-CN" altLang="en-US">
-                <a:sym typeface="+mn-ea"/>
-              </a:rPr>
-              <a:t>勾选</a:t>
-            </a:r>
-            <a:r>
-              <a:rPr lang="en-US" altLang="zh-CN">
-                <a:sym typeface="+mn-ea"/>
-              </a:rPr>
-              <a:t>“</a:t>
-            </a:r>
-            <a:r>
-              <a:rPr lang="zh-CN" altLang="en-US">
-                <a:sym typeface="+mn-ea"/>
-              </a:rPr>
-              <a:t>桌面快捷方式</a:t>
-            </a:r>
-            <a:r>
-              <a:rPr lang="en-US" altLang="zh-CN">
-                <a:sym typeface="+mn-ea"/>
-              </a:rPr>
-              <a:t>”</a:t>
-            </a:r>
-            <a:r>
-              <a:rPr lang="zh-CN" altLang="en-US">
-                <a:sym typeface="+mn-ea"/>
-              </a:rPr>
-              <a:t>，继续</a:t>
-            </a:r>
-            <a:r>
-              <a:rPr lang="en-US" altLang="zh-CN">
-                <a:sym typeface="+mn-ea"/>
-              </a:rPr>
-              <a:t>“</a:t>
-            </a:r>
-            <a:r>
-              <a:rPr lang="zh-CN" altLang="en-US">
-                <a:sym typeface="+mn-ea"/>
-              </a:rPr>
-              <a:t>下一步</a:t>
-            </a:r>
-            <a:r>
-              <a:rPr lang="en-US" altLang="zh-CN">
-                <a:sym typeface="+mn-ea"/>
-              </a:rPr>
-              <a:t>”</a:t>
-            </a:r>
-            <a:endParaRPr lang="zh-CN" altLang="en-US"/>
-          </a:p>
-        </p:txBody>
-      </p:sp>
-      <p:sp>
-        <p:nvSpPr>
-          <p:cNvPr id="3" name="标题 2"/>
-          <p:cNvSpPr>
-            <a:spLocks noGrp="1"/>
-          </p:cNvSpPr>
-          <p:nvPr>
-            <p:ph type="title"/>
-          </p:nvPr>
-        </p:nvSpPr>
-        <p:spPr/>
-        <p:txBody>
-          <a:bodyPr/>
-          <a:p>
-            <a:r>
-              <a:rPr lang="en-US" altLang="zh-CN">
-                <a:sym typeface="+mn-ea"/>
-              </a:rPr>
-              <a:t>1.13 </a:t>
-            </a:r>
-            <a:r>
-              <a:rPr lang="zh-CN" altLang="en-US">
-                <a:sym typeface="+mn-ea"/>
-              </a:rPr>
-              <a:t>安装</a:t>
-            </a:r>
-            <a:r>
-              <a:rPr lang="en-US" altLang="zh-CN">
-                <a:sym typeface="+mn-ea"/>
-              </a:rPr>
-              <a:t>Visual Studio Code</a:t>
-            </a:r>
-            <a:endParaRPr lang="zh-CN" altLang="en-US"/>
-          </a:p>
-        </p:txBody>
-      </p:sp>
-      <p:pic>
-        <p:nvPicPr>
-          <p:cNvPr id="5" name="图片 4"/>
-          <p:cNvPicPr>
-            <a:picLocks noChangeAspect="1"/>
-          </p:cNvPicPr>
-          <p:nvPr>
-            <p:custDataLst>
-              <p:tags r:id="rId1"/>
-            </p:custDataLst>
-          </p:nvPr>
-        </p:nvPicPr>
-        <p:blipFill>
-          <a:blip r:embed="rId2"/>
-          <a:stretch>
-            <a:fillRect/>
-          </a:stretch>
-        </p:blipFill>
-        <p:spPr>
-          <a:xfrm>
-            <a:off x="1547495" y="3213100"/>
-            <a:ext cx="4075430" cy="3333750"/>
-          </a:xfrm>
-          <a:prstGeom prst="rect">
-            <a:avLst/>
-          </a:prstGeom>
-        </p:spPr>
-      </p:pic>
-    </p:spTree>
-  </p:cSld>
-  <p:clrMapOvr>
-    <a:masterClrMapping/>
-  </p:clrMapOvr>
-</p:sld>
-</file>
-
-<file path=ppt/slides/slide107.xml><?xml version="1.0" encoding="utf-8"?>
-<p:sld xmlns:a="http://schemas.openxmlformats.org/drawingml/2006/main" xmlns:r="http://schemas.openxmlformats.org/officeDocument/2006/relationships" xmlns:p="http://schemas.openxmlformats.org/presentationml/2006/main">
-  <p:cSld>
-    <p:spTree>
-      <p:nvGrpSpPr>
-        <p:cNvPr id="1" name=""/>
-        <p:cNvGrpSpPr/>
-        <p:nvPr/>
-      </p:nvGrpSpPr>
-      <p:grpSpPr/>
-      <p:sp>
-        <p:nvSpPr>
-          <p:cNvPr id="2" name="内容占位符 1"/>
-          <p:cNvSpPr>
-            <a:spLocks noGrp="1"/>
-          </p:cNvSpPr>
-          <p:nvPr>
-            <p:ph idx="1"/>
-          </p:nvPr>
-        </p:nvSpPr>
-        <p:spPr>
-          <a:xfrm>
-            <a:off x="871855" y="2675255"/>
-            <a:ext cx="7408545" cy="594360"/>
-          </a:xfrm>
-        </p:spPr>
-        <p:txBody>
-          <a:bodyPr/>
-          <a:p>
-            <a:r>
-              <a:rPr lang="zh-CN" altLang="en-US">
-                <a:sym typeface="+mn-ea"/>
-              </a:rPr>
-              <a:t>点击</a:t>
-            </a:r>
-            <a:r>
-              <a:rPr lang="en-US" altLang="zh-CN">
-                <a:sym typeface="+mn-ea"/>
-              </a:rPr>
-              <a:t>“</a:t>
-            </a:r>
-            <a:r>
-              <a:rPr lang="zh-CN" altLang="en-US">
-                <a:sym typeface="+mn-ea"/>
-              </a:rPr>
-              <a:t>安装</a:t>
-            </a:r>
-            <a:r>
-              <a:rPr lang="en-US" altLang="zh-CN">
-                <a:sym typeface="+mn-ea"/>
-              </a:rPr>
-              <a:t>”</a:t>
-            </a:r>
-            <a:endParaRPr lang="zh-CN" altLang="en-US"/>
-          </a:p>
-        </p:txBody>
-      </p:sp>
-      <p:sp>
-        <p:nvSpPr>
-          <p:cNvPr id="3" name="标题 2"/>
-          <p:cNvSpPr>
-            <a:spLocks noGrp="1"/>
-          </p:cNvSpPr>
-          <p:nvPr>
-            <p:ph type="title"/>
-          </p:nvPr>
-        </p:nvSpPr>
-        <p:spPr/>
-        <p:txBody>
-          <a:bodyPr/>
-          <a:p>
-            <a:r>
-              <a:rPr lang="en-US" altLang="zh-CN">
-                <a:sym typeface="+mn-ea"/>
-              </a:rPr>
-              <a:t>1.13 </a:t>
-            </a:r>
-            <a:r>
-              <a:rPr lang="zh-CN" altLang="en-US">
-                <a:sym typeface="+mn-ea"/>
-              </a:rPr>
-              <a:t>安装</a:t>
-            </a:r>
-            <a:r>
-              <a:rPr lang="en-US" altLang="zh-CN">
-                <a:sym typeface="+mn-ea"/>
-              </a:rPr>
-              <a:t>Visual Studio Code</a:t>
-            </a:r>
-            <a:endParaRPr lang="zh-CN" altLang="en-US"/>
-          </a:p>
-        </p:txBody>
-      </p:sp>
-      <p:pic>
-        <p:nvPicPr>
-          <p:cNvPr id="4" name="图片 3"/>
-          <p:cNvPicPr>
-            <a:picLocks noChangeAspect="1"/>
-          </p:cNvPicPr>
-          <p:nvPr>
-            <p:custDataLst>
-              <p:tags r:id="rId1"/>
-            </p:custDataLst>
-          </p:nvPr>
-        </p:nvPicPr>
-        <p:blipFill>
-          <a:blip r:embed="rId2"/>
-          <a:stretch>
-            <a:fillRect/>
-          </a:stretch>
-        </p:blipFill>
-        <p:spPr>
-          <a:xfrm>
-            <a:off x="1979930" y="3357245"/>
-            <a:ext cx="3720465" cy="3043555"/>
-          </a:xfrm>
-          <a:prstGeom prst="rect">
-            <a:avLst/>
-          </a:prstGeom>
-        </p:spPr>
-      </p:pic>
-    </p:spTree>
-  </p:cSld>
-  <p:clrMapOvr>
-    <a:masterClrMapping/>
-  </p:clrMapOvr>
-</p:sld>
-</file>
-
-<file path=ppt/slides/slide108.xml><?xml version="1.0" encoding="utf-8"?>
-<p:sld xmlns:a="http://schemas.openxmlformats.org/drawingml/2006/main" xmlns:r="http://schemas.openxmlformats.org/officeDocument/2006/relationships" xmlns:p="http://schemas.openxmlformats.org/presentationml/2006/main">
-  <p:cSld>
-    <p:spTree>
-      <p:nvGrpSpPr>
-        <p:cNvPr id="1" name=""/>
-        <p:cNvGrpSpPr/>
-        <p:nvPr/>
-      </p:nvGrpSpPr>
-      <p:grpSpPr/>
-      <p:sp>
-        <p:nvSpPr>
-          <p:cNvPr id="2" name="内容占位符 1"/>
-          <p:cNvSpPr>
-            <a:spLocks noGrp="1"/>
-          </p:cNvSpPr>
-          <p:nvPr>
-            <p:ph idx="1"/>
-          </p:nvPr>
-        </p:nvSpPr>
-        <p:spPr>
-          <a:xfrm>
-            <a:off x="871855" y="2675255"/>
-            <a:ext cx="7408545" cy="534035"/>
-          </a:xfrm>
-        </p:spPr>
-        <p:txBody>
-          <a:bodyPr/>
-          <a:p>
-            <a:r>
-              <a:rPr lang="zh-CN" altLang="en-US">
-                <a:sym typeface="+mn-ea"/>
-              </a:rPr>
-              <a:t>点击</a:t>
-            </a:r>
-            <a:r>
-              <a:rPr lang="en-US" altLang="zh-CN">
-                <a:sym typeface="+mn-ea"/>
-              </a:rPr>
-              <a:t>“</a:t>
-            </a:r>
-            <a:r>
-              <a:rPr lang="zh-CN" altLang="en-US">
-                <a:sym typeface="+mn-ea"/>
-              </a:rPr>
-              <a:t>完成</a:t>
-            </a:r>
-            <a:r>
-              <a:rPr lang="en-US" altLang="zh-CN">
-                <a:sym typeface="+mn-ea"/>
-              </a:rPr>
-              <a:t>”</a:t>
-            </a:r>
-            <a:endParaRPr lang="zh-CN" altLang="en-US"/>
-          </a:p>
-        </p:txBody>
-      </p:sp>
-      <p:sp>
-        <p:nvSpPr>
-          <p:cNvPr id="3" name="标题 2"/>
-          <p:cNvSpPr>
-            <a:spLocks noGrp="1"/>
-          </p:cNvSpPr>
-          <p:nvPr>
-            <p:ph type="title"/>
-          </p:nvPr>
-        </p:nvSpPr>
-        <p:spPr/>
-        <p:txBody>
-          <a:bodyPr/>
-          <a:p>
-            <a:r>
-              <a:rPr lang="en-US" altLang="zh-CN">
-                <a:sym typeface="+mn-ea"/>
-              </a:rPr>
-              <a:t>1.13 </a:t>
-            </a:r>
-            <a:r>
-              <a:rPr lang="zh-CN" altLang="en-US">
-                <a:sym typeface="+mn-ea"/>
-              </a:rPr>
-              <a:t>安装</a:t>
-            </a:r>
-            <a:r>
-              <a:rPr lang="en-US" altLang="zh-CN">
-                <a:sym typeface="+mn-ea"/>
-              </a:rPr>
-              <a:t>Visual Studio Code</a:t>
-            </a:r>
-            <a:endParaRPr lang="zh-CN" altLang="en-US"/>
-          </a:p>
-        </p:txBody>
-      </p:sp>
-      <p:pic>
-        <p:nvPicPr>
-          <p:cNvPr id="4" name="图片 3"/>
-          <p:cNvPicPr>
-            <a:picLocks noChangeAspect="1"/>
-          </p:cNvPicPr>
-          <p:nvPr>
-            <p:custDataLst>
-              <p:tags r:id="rId1"/>
-            </p:custDataLst>
-          </p:nvPr>
-        </p:nvPicPr>
-        <p:blipFill>
-          <a:blip r:embed="rId2"/>
-          <a:stretch>
-            <a:fillRect/>
-          </a:stretch>
-        </p:blipFill>
-        <p:spPr>
-          <a:xfrm>
-            <a:off x="1979930" y="3141345"/>
-            <a:ext cx="4033520" cy="3299460"/>
-          </a:xfrm>
-          <a:prstGeom prst="rect">
-            <a:avLst/>
-          </a:prstGeom>
-        </p:spPr>
-      </p:pic>
-    </p:spTree>
-  </p:cSld>
-  <p:clrMapOvr>
-    <a:masterClrMapping/>
-  </p:clrMapOvr>
-</p:sld>
-</file>
-
-<file path=ppt/slides/slide109.xml><?xml version="1.0" encoding="utf-8"?>
-<p:sld xmlns:a="http://schemas.openxmlformats.org/drawingml/2006/main" xmlns:r="http://schemas.openxmlformats.org/officeDocument/2006/relationships" xmlns:p="http://schemas.openxmlformats.org/presentationml/2006/main">
-  <p:cSld>
-    <p:spTree>
-      <p:nvGrpSpPr>
-        <p:cNvPr id="1" name=""/>
-        <p:cNvGrpSpPr/>
-        <p:nvPr/>
-      </p:nvGrpSpPr>
-      <p:grpSpPr/>
-      <p:sp>
-        <p:nvSpPr>
-          <p:cNvPr id="2" name="内容占位符 1"/>
-          <p:cNvSpPr>
-            <a:spLocks noGrp="1"/>
-          </p:cNvSpPr>
-          <p:nvPr>
-            <p:ph idx="1"/>
-          </p:nvPr>
-        </p:nvSpPr>
-        <p:spPr>
-          <a:xfrm>
-            <a:off x="871855" y="2675255"/>
-            <a:ext cx="7408545" cy="546100"/>
-          </a:xfrm>
-        </p:spPr>
-        <p:txBody>
-          <a:bodyPr/>
-          <a:p>
-            <a:r>
-              <a:rPr lang="zh-CN" altLang="en-US">
-                <a:sym typeface="+mn-ea"/>
-              </a:rPr>
-              <a:t>启动</a:t>
-            </a:r>
-            <a:r>
-              <a:rPr lang="en-US" altLang="zh-CN">
-                <a:sym typeface="+mn-ea"/>
-              </a:rPr>
-              <a:t>VSCode</a:t>
-            </a:r>
-            <a:endParaRPr lang="zh-CN" altLang="en-US"/>
-          </a:p>
-        </p:txBody>
-      </p:sp>
-      <p:sp>
-        <p:nvSpPr>
-          <p:cNvPr id="3" name="标题 2"/>
-          <p:cNvSpPr>
-            <a:spLocks noGrp="1"/>
-          </p:cNvSpPr>
-          <p:nvPr>
-            <p:ph type="title"/>
-          </p:nvPr>
-        </p:nvSpPr>
-        <p:spPr/>
-        <p:txBody>
-          <a:bodyPr/>
-          <a:p>
-            <a:r>
-              <a:rPr lang="en-US" altLang="zh-CN">
-                <a:sym typeface="+mn-ea"/>
-              </a:rPr>
-              <a:t>1.13 </a:t>
-            </a:r>
-            <a:r>
-              <a:rPr lang="zh-CN" altLang="en-US">
-                <a:sym typeface="+mn-ea"/>
-              </a:rPr>
-              <a:t>安装</a:t>
-            </a:r>
-            <a:r>
-              <a:rPr lang="en-US" altLang="zh-CN">
-                <a:sym typeface="+mn-ea"/>
-              </a:rPr>
-              <a:t>Visual Studio Code</a:t>
-            </a:r>
-            <a:endParaRPr lang="zh-CN" altLang="en-US"/>
-          </a:p>
-        </p:txBody>
-      </p:sp>
-      <p:pic>
-        <p:nvPicPr>
-          <p:cNvPr id="4" name="图片 3"/>
-          <p:cNvPicPr>
-            <a:picLocks noChangeAspect="1"/>
-          </p:cNvPicPr>
-          <p:nvPr>
-            <p:custDataLst>
-              <p:tags r:id="rId1"/>
-            </p:custDataLst>
-          </p:nvPr>
-        </p:nvPicPr>
-        <p:blipFill>
-          <a:blip r:embed="rId2"/>
-          <a:stretch>
-            <a:fillRect/>
-          </a:stretch>
-        </p:blipFill>
-        <p:spPr>
-          <a:xfrm>
-            <a:off x="3203575" y="2349500"/>
-            <a:ext cx="5480050" cy="4110355"/>
-          </a:xfrm>
-          <a:prstGeom prst="rect">
-            <a:avLst/>
-          </a:prstGeom>
-        </p:spPr>
-      </p:pic>
     </p:spTree>
   </p:cSld>
   <p:clrMapOvr>
@@ -16095,39 +16068,58 @@
             <p:ph idx="1"/>
           </p:nvPr>
         </p:nvSpPr>
-        <p:spPr/>
+        <p:spPr>
+          <a:xfrm>
+            <a:off x="871855" y="2675255"/>
+            <a:ext cx="7408545" cy="473710"/>
+          </a:xfrm>
+        </p:spPr>
         <p:txBody>
-          <a:bodyPr/>
-          <a:p>
-            <a:r>
-              <a:rPr lang="zh-CN" altLang="en-US">
-                <a:sym typeface="+mn-ea"/>
-              </a:rPr>
-              <a:t>在中文</a:t>
+          <a:bodyPr>
+            <a:normAutofit lnSpcReduction="20000"/>
+          </a:bodyPr>
+          <a:p>
+            <a:r>
+              <a:rPr lang="zh-CN" altLang="en-US">
+                <a:sym typeface="+mn-ea"/>
+              </a:rPr>
+              <a:t>选择</a:t>
             </a:r>
             <a:r>
               <a:rPr lang="en-US" altLang="zh-CN">
                 <a:sym typeface="+mn-ea"/>
               </a:rPr>
-              <a:t>Windows</a:t>
-            </a:r>
-            <a:r>
-              <a:rPr lang="zh-CN" altLang="en-US">
-                <a:sym typeface="+mn-ea"/>
-              </a:rPr>
-              <a:t>环境下，通常会出现自动提示配置中文环境，点击右下角</a:t>
+              <a:t>“</a:t>
+            </a:r>
+            <a:r>
+              <a:rPr lang="zh-CN" altLang="en-US">
+                <a:sym typeface="+mn-ea"/>
+              </a:rPr>
+              <a:t>我同意此协议</a:t>
             </a:r>
             <a:r>
               <a:rPr lang="en-US" altLang="zh-CN">
                 <a:sym typeface="+mn-ea"/>
               </a:rPr>
+              <a:t>”</a:t>
+            </a:r>
+            <a:r>
+              <a:rPr lang="zh-CN" altLang="en-US">
+                <a:sym typeface="+mn-ea"/>
+              </a:rPr>
+              <a:t>，然后点击</a:t>
+            </a:r>
+            <a:r>
+              <a:rPr lang="en-US" altLang="zh-CN">
+                <a:sym typeface="+mn-ea"/>
+              </a:rPr>
               <a:t>“</a:t>
             </a:r>
             <a:r>
               <a:rPr lang="zh-CN" altLang="en-US">
                 <a:sym typeface="+mn-ea"/>
               </a:rPr>
-              <a:t>安装并重启</a:t>
+              <a:t>下一步</a:t>
             </a:r>
             <a:r>
               <a:rPr lang="en-US" altLang="zh-CN">
@@ -16135,15 +16127,6 @@
               </a:rPr>
               <a:t>”</a:t>
             </a:r>
-            <a:r>
-              <a:rPr lang="zh-CN" altLang="en-US">
-                <a:sym typeface="+mn-ea"/>
-              </a:rPr>
-              <a:t>会自动配置中文环境</a:t>
-            </a:r>
-            <a:endParaRPr lang="zh-CN" altLang="en-US"/>
-          </a:p>
-          <a:p>
             <a:endParaRPr lang="zh-CN" altLang="en-US"/>
           </a:p>
         </p:txBody>
@@ -16184,6 +16167,34 @@
           </a:p>
         </p:txBody>
       </p:sp>
+      <p:pic>
+        <p:nvPicPr>
+          <p:cNvPr id="4" name="图片 3"/>
+          <p:cNvPicPr>
+            <a:picLocks noChangeAspect="1"/>
+          </p:cNvPicPr>
+          <p:nvPr>
+            <p:custDataLst>
+              <p:tags r:id="rId1"/>
+            </p:custDataLst>
+          </p:nvPr>
+        </p:nvPicPr>
+        <p:blipFill>
+          <a:blip r:embed="rId2"/>
+          <a:stretch>
+            <a:fillRect/>
+          </a:stretch>
+        </p:blipFill>
+        <p:spPr>
+          <a:xfrm>
+            <a:off x="1692275" y="3213100"/>
+            <a:ext cx="3936365" cy="3220085"/>
+          </a:xfrm>
+          <a:prstGeom prst="rect">
+            <a:avLst/>
+          </a:prstGeom>
+        </p:spPr>
+      </p:pic>
     </p:spTree>
   </p:cSld>
   <p:clrMapOvr>
@@ -16193,6 +16204,909 @@
 </file>
 
 <file path=ppt/slides/slide111.xml><?xml version="1.0" encoding="utf-8"?>
+<p:sld xmlns:a="http://schemas.openxmlformats.org/drawingml/2006/main" xmlns:r="http://schemas.openxmlformats.org/officeDocument/2006/relationships" xmlns:p="http://schemas.openxmlformats.org/presentationml/2006/main">
+  <p:cSld>
+    <p:spTree>
+      <p:nvGrpSpPr>
+        <p:cNvPr id="1" name=""/>
+        <p:cNvGrpSpPr/>
+        <p:nvPr/>
+      </p:nvGrpSpPr>
+      <p:grpSpPr/>
+      <p:sp>
+        <p:nvSpPr>
+          <p:cNvPr id="2" name="内容占位符 1"/>
+          <p:cNvSpPr>
+            <a:spLocks noGrp="1"/>
+          </p:cNvSpPr>
+          <p:nvPr>
+            <p:ph idx="1"/>
+          </p:nvPr>
+        </p:nvSpPr>
+        <p:spPr>
+          <a:xfrm>
+            <a:off x="871855" y="2675255"/>
+            <a:ext cx="7408545" cy="534035"/>
+          </a:xfrm>
+        </p:spPr>
+        <p:txBody>
+          <a:bodyPr/>
+          <a:p>
+            <a:r>
+              <a:rPr lang="zh-CN" altLang="en-US">
+                <a:sym typeface="+mn-ea"/>
+              </a:rPr>
+              <a:t>此处可以修改安装目录，如果不想修改点</a:t>
+            </a:r>
+            <a:r>
+              <a:rPr lang="en-US" altLang="zh-CN">
+                <a:sym typeface="+mn-ea"/>
+              </a:rPr>
+              <a:t>“</a:t>
+            </a:r>
+            <a:r>
+              <a:rPr lang="zh-CN" altLang="en-US">
+                <a:sym typeface="+mn-ea"/>
+              </a:rPr>
+              <a:t>下一步</a:t>
+            </a:r>
+            <a:r>
+              <a:rPr lang="en-US" altLang="zh-CN">
+                <a:sym typeface="+mn-ea"/>
+              </a:rPr>
+              <a:t>”</a:t>
+            </a:r>
+            <a:endParaRPr lang="zh-CN" altLang="en-US"/>
+          </a:p>
+        </p:txBody>
+      </p:sp>
+      <p:sp>
+        <p:nvSpPr>
+          <p:cNvPr id="3" name="标题 2"/>
+          <p:cNvSpPr>
+            <a:spLocks noGrp="1"/>
+          </p:cNvSpPr>
+          <p:nvPr>
+            <p:ph type="title"/>
+          </p:nvPr>
+        </p:nvSpPr>
+        <p:spPr/>
+        <p:txBody>
+          <a:bodyPr/>
+          <a:p>
+            <a:r>
+              <a:rPr lang="en-US" altLang="zh-CN">
+                <a:sym typeface="+mn-ea"/>
+              </a:rPr>
+              <a:t>1.13 </a:t>
+            </a:r>
+            <a:r>
+              <a:rPr lang="zh-CN" altLang="en-US">
+                <a:sym typeface="+mn-ea"/>
+              </a:rPr>
+              <a:t>安装</a:t>
+            </a:r>
+            <a:r>
+              <a:rPr lang="en-US" altLang="zh-CN">
+                <a:sym typeface="+mn-ea"/>
+              </a:rPr>
+              <a:t>Visual Studio Code</a:t>
+            </a:r>
+            <a:endParaRPr lang="zh-CN" altLang="en-US"/>
+          </a:p>
+        </p:txBody>
+      </p:sp>
+      <p:pic>
+        <p:nvPicPr>
+          <p:cNvPr id="4" name="图片 3"/>
+          <p:cNvPicPr>
+            <a:picLocks noChangeAspect="1"/>
+          </p:cNvPicPr>
+          <p:nvPr>
+            <p:custDataLst>
+              <p:tags r:id="rId1"/>
+            </p:custDataLst>
+          </p:nvPr>
+        </p:nvPicPr>
+        <p:blipFill>
+          <a:blip r:embed="rId2"/>
+          <a:stretch>
+            <a:fillRect/>
+          </a:stretch>
+        </p:blipFill>
+        <p:spPr>
+          <a:xfrm>
+            <a:off x="1403985" y="3141345"/>
+            <a:ext cx="4020820" cy="3289300"/>
+          </a:xfrm>
+          <a:prstGeom prst="rect">
+            <a:avLst/>
+          </a:prstGeom>
+        </p:spPr>
+      </p:pic>
+    </p:spTree>
+  </p:cSld>
+  <p:clrMapOvr>
+    <a:masterClrMapping/>
+  </p:clrMapOvr>
+</p:sld>
+</file>
+
+<file path=ppt/slides/slide112.xml><?xml version="1.0" encoding="utf-8"?>
+<p:sld xmlns:a="http://schemas.openxmlformats.org/drawingml/2006/main" xmlns:r="http://schemas.openxmlformats.org/officeDocument/2006/relationships" xmlns:p="http://schemas.openxmlformats.org/presentationml/2006/main">
+  <p:cSld>
+    <p:spTree>
+      <p:nvGrpSpPr>
+        <p:cNvPr id="1" name=""/>
+        <p:cNvGrpSpPr/>
+        <p:nvPr/>
+      </p:nvGrpSpPr>
+      <p:grpSpPr/>
+      <p:sp>
+        <p:nvSpPr>
+          <p:cNvPr id="2" name="内容占位符 1"/>
+          <p:cNvSpPr>
+            <a:spLocks noGrp="1"/>
+          </p:cNvSpPr>
+          <p:nvPr>
+            <p:ph idx="1"/>
+          </p:nvPr>
+        </p:nvSpPr>
+        <p:spPr>
+          <a:xfrm>
+            <a:off x="871855" y="2675255"/>
+            <a:ext cx="7408545" cy="539750"/>
+          </a:xfrm>
+        </p:spPr>
+        <p:txBody>
+          <a:bodyPr/>
+          <a:p>
+            <a:r>
+              <a:rPr lang="zh-CN" altLang="en-US">
+                <a:sym typeface="+mn-ea"/>
+              </a:rPr>
+              <a:t>如果不想修改快捷方式，继续</a:t>
+            </a:r>
+            <a:r>
+              <a:rPr lang="en-US" altLang="zh-CN">
+                <a:sym typeface="+mn-ea"/>
+              </a:rPr>
+              <a:t>“</a:t>
+            </a:r>
+            <a:r>
+              <a:rPr lang="zh-CN" altLang="en-US">
+                <a:sym typeface="+mn-ea"/>
+              </a:rPr>
+              <a:t>下一步</a:t>
+            </a:r>
+            <a:r>
+              <a:rPr lang="en-US" altLang="zh-CN">
+                <a:sym typeface="+mn-ea"/>
+              </a:rPr>
+              <a:t>”</a:t>
+            </a:r>
+            <a:endParaRPr lang="zh-CN" altLang="en-US"/>
+          </a:p>
+        </p:txBody>
+      </p:sp>
+      <p:sp>
+        <p:nvSpPr>
+          <p:cNvPr id="3" name="标题 2"/>
+          <p:cNvSpPr>
+            <a:spLocks noGrp="1"/>
+          </p:cNvSpPr>
+          <p:nvPr>
+            <p:ph type="title"/>
+          </p:nvPr>
+        </p:nvSpPr>
+        <p:spPr/>
+        <p:txBody>
+          <a:bodyPr/>
+          <a:p>
+            <a:r>
+              <a:rPr lang="en-US" altLang="zh-CN">
+                <a:sym typeface="+mn-ea"/>
+              </a:rPr>
+              <a:t>1.13 </a:t>
+            </a:r>
+            <a:r>
+              <a:rPr lang="zh-CN" altLang="en-US">
+                <a:sym typeface="+mn-ea"/>
+              </a:rPr>
+              <a:t>安装</a:t>
+            </a:r>
+            <a:r>
+              <a:rPr lang="en-US" altLang="zh-CN">
+                <a:sym typeface="+mn-ea"/>
+              </a:rPr>
+              <a:t>Visual Studio Code</a:t>
+            </a:r>
+            <a:endParaRPr lang="zh-CN" altLang="en-US"/>
+          </a:p>
+        </p:txBody>
+      </p:sp>
+      <p:pic>
+        <p:nvPicPr>
+          <p:cNvPr id="4" name="图片 3"/>
+          <p:cNvPicPr>
+            <a:picLocks noChangeAspect="1"/>
+          </p:cNvPicPr>
+          <p:nvPr>
+            <p:custDataLst>
+              <p:tags r:id="rId1"/>
+            </p:custDataLst>
+          </p:nvPr>
+        </p:nvPicPr>
+        <p:blipFill>
+          <a:blip r:embed="rId2"/>
+          <a:stretch>
+            <a:fillRect/>
+          </a:stretch>
+        </p:blipFill>
+        <p:spPr>
+          <a:xfrm>
+            <a:off x="1547495" y="3209290"/>
+            <a:ext cx="3625215" cy="2966085"/>
+          </a:xfrm>
+          <a:prstGeom prst="rect">
+            <a:avLst/>
+          </a:prstGeom>
+        </p:spPr>
+      </p:pic>
+    </p:spTree>
+  </p:cSld>
+  <p:clrMapOvr>
+    <a:masterClrMapping/>
+  </p:clrMapOvr>
+</p:sld>
+</file>
+
+<file path=ppt/slides/slide113.xml><?xml version="1.0" encoding="utf-8"?>
+<p:sld xmlns:a="http://schemas.openxmlformats.org/drawingml/2006/main" xmlns:r="http://schemas.openxmlformats.org/officeDocument/2006/relationships" xmlns:p="http://schemas.openxmlformats.org/presentationml/2006/main">
+  <p:cSld>
+    <p:spTree>
+      <p:nvGrpSpPr>
+        <p:cNvPr id="1" name=""/>
+        <p:cNvGrpSpPr/>
+        <p:nvPr/>
+      </p:nvGrpSpPr>
+      <p:grpSpPr/>
+      <p:sp>
+        <p:nvSpPr>
+          <p:cNvPr id="2" name="内容占位符 1"/>
+          <p:cNvSpPr>
+            <a:spLocks noGrp="1"/>
+          </p:cNvSpPr>
+          <p:nvPr>
+            <p:ph idx="1"/>
+          </p:nvPr>
+        </p:nvSpPr>
+        <p:spPr>
+          <a:xfrm>
+            <a:off x="871855" y="2675255"/>
+            <a:ext cx="7408545" cy="606425"/>
+          </a:xfrm>
+        </p:spPr>
+        <p:txBody>
+          <a:bodyPr/>
+          <a:p>
+            <a:r>
+              <a:rPr lang="zh-CN" altLang="en-US">
+                <a:sym typeface="+mn-ea"/>
+              </a:rPr>
+              <a:t>勾选</a:t>
+            </a:r>
+            <a:r>
+              <a:rPr lang="en-US" altLang="zh-CN">
+                <a:sym typeface="+mn-ea"/>
+              </a:rPr>
+              <a:t>“</a:t>
+            </a:r>
+            <a:r>
+              <a:rPr lang="zh-CN" altLang="en-US">
+                <a:sym typeface="+mn-ea"/>
+              </a:rPr>
+              <a:t>桌面快捷方式</a:t>
+            </a:r>
+            <a:r>
+              <a:rPr lang="en-US" altLang="zh-CN">
+                <a:sym typeface="+mn-ea"/>
+              </a:rPr>
+              <a:t>”</a:t>
+            </a:r>
+            <a:r>
+              <a:rPr lang="zh-CN" altLang="en-US">
+                <a:sym typeface="+mn-ea"/>
+              </a:rPr>
+              <a:t>，继续</a:t>
+            </a:r>
+            <a:r>
+              <a:rPr lang="en-US" altLang="zh-CN">
+                <a:sym typeface="+mn-ea"/>
+              </a:rPr>
+              <a:t>“</a:t>
+            </a:r>
+            <a:r>
+              <a:rPr lang="zh-CN" altLang="en-US">
+                <a:sym typeface="+mn-ea"/>
+              </a:rPr>
+              <a:t>下一步</a:t>
+            </a:r>
+            <a:r>
+              <a:rPr lang="en-US" altLang="zh-CN">
+                <a:sym typeface="+mn-ea"/>
+              </a:rPr>
+              <a:t>”</a:t>
+            </a:r>
+            <a:endParaRPr lang="zh-CN" altLang="en-US"/>
+          </a:p>
+        </p:txBody>
+      </p:sp>
+      <p:sp>
+        <p:nvSpPr>
+          <p:cNvPr id="3" name="标题 2"/>
+          <p:cNvSpPr>
+            <a:spLocks noGrp="1"/>
+          </p:cNvSpPr>
+          <p:nvPr>
+            <p:ph type="title"/>
+          </p:nvPr>
+        </p:nvSpPr>
+        <p:spPr/>
+        <p:txBody>
+          <a:bodyPr/>
+          <a:p>
+            <a:r>
+              <a:rPr lang="en-US" altLang="zh-CN">
+                <a:sym typeface="+mn-ea"/>
+              </a:rPr>
+              <a:t>1.13 </a:t>
+            </a:r>
+            <a:r>
+              <a:rPr lang="zh-CN" altLang="en-US">
+                <a:sym typeface="+mn-ea"/>
+              </a:rPr>
+              <a:t>安装</a:t>
+            </a:r>
+            <a:r>
+              <a:rPr lang="en-US" altLang="zh-CN">
+                <a:sym typeface="+mn-ea"/>
+              </a:rPr>
+              <a:t>Visual Studio Code</a:t>
+            </a:r>
+            <a:endParaRPr lang="zh-CN" altLang="en-US"/>
+          </a:p>
+        </p:txBody>
+      </p:sp>
+      <p:pic>
+        <p:nvPicPr>
+          <p:cNvPr id="5" name="图片 4"/>
+          <p:cNvPicPr>
+            <a:picLocks noChangeAspect="1"/>
+          </p:cNvPicPr>
+          <p:nvPr>
+            <p:custDataLst>
+              <p:tags r:id="rId1"/>
+            </p:custDataLst>
+          </p:nvPr>
+        </p:nvPicPr>
+        <p:blipFill>
+          <a:blip r:embed="rId2"/>
+          <a:stretch>
+            <a:fillRect/>
+          </a:stretch>
+        </p:blipFill>
+        <p:spPr>
+          <a:xfrm>
+            <a:off x="1547495" y="3213100"/>
+            <a:ext cx="4075430" cy="3333750"/>
+          </a:xfrm>
+          <a:prstGeom prst="rect">
+            <a:avLst/>
+          </a:prstGeom>
+        </p:spPr>
+      </p:pic>
+    </p:spTree>
+  </p:cSld>
+  <p:clrMapOvr>
+    <a:masterClrMapping/>
+  </p:clrMapOvr>
+</p:sld>
+</file>
+
+<file path=ppt/slides/slide114.xml><?xml version="1.0" encoding="utf-8"?>
+<p:sld xmlns:a="http://schemas.openxmlformats.org/drawingml/2006/main" xmlns:r="http://schemas.openxmlformats.org/officeDocument/2006/relationships" xmlns:p="http://schemas.openxmlformats.org/presentationml/2006/main">
+  <p:cSld>
+    <p:spTree>
+      <p:nvGrpSpPr>
+        <p:cNvPr id="1" name=""/>
+        <p:cNvGrpSpPr/>
+        <p:nvPr/>
+      </p:nvGrpSpPr>
+      <p:grpSpPr/>
+      <p:sp>
+        <p:nvSpPr>
+          <p:cNvPr id="2" name="内容占位符 1"/>
+          <p:cNvSpPr>
+            <a:spLocks noGrp="1"/>
+          </p:cNvSpPr>
+          <p:nvPr>
+            <p:ph idx="1"/>
+          </p:nvPr>
+        </p:nvSpPr>
+        <p:spPr>
+          <a:xfrm>
+            <a:off x="871855" y="2675255"/>
+            <a:ext cx="7408545" cy="594360"/>
+          </a:xfrm>
+        </p:spPr>
+        <p:txBody>
+          <a:bodyPr/>
+          <a:p>
+            <a:r>
+              <a:rPr lang="zh-CN" altLang="en-US">
+                <a:sym typeface="+mn-ea"/>
+              </a:rPr>
+              <a:t>点击</a:t>
+            </a:r>
+            <a:r>
+              <a:rPr lang="en-US" altLang="zh-CN">
+                <a:sym typeface="+mn-ea"/>
+              </a:rPr>
+              <a:t>“</a:t>
+            </a:r>
+            <a:r>
+              <a:rPr lang="zh-CN" altLang="en-US">
+                <a:sym typeface="+mn-ea"/>
+              </a:rPr>
+              <a:t>安装</a:t>
+            </a:r>
+            <a:r>
+              <a:rPr lang="en-US" altLang="zh-CN">
+                <a:sym typeface="+mn-ea"/>
+              </a:rPr>
+              <a:t>”</a:t>
+            </a:r>
+            <a:endParaRPr lang="zh-CN" altLang="en-US"/>
+          </a:p>
+        </p:txBody>
+      </p:sp>
+      <p:sp>
+        <p:nvSpPr>
+          <p:cNvPr id="3" name="标题 2"/>
+          <p:cNvSpPr>
+            <a:spLocks noGrp="1"/>
+          </p:cNvSpPr>
+          <p:nvPr>
+            <p:ph type="title"/>
+          </p:nvPr>
+        </p:nvSpPr>
+        <p:spPr/>
+        <p:txBody>
+          <a:bodyPr/>
+          <a:p>
+            <a:r>
+              <a:rPr lang="en-US" altLang="zh-CN">
+                <a:sym typeface="+mn-ea"/>
+              </a:rPr>
+              <a:t>1.13 </a:t>
+            </a:r>
+            <a:r>
+              <a:rPr lang="zh-CN" altLang="en-US">
+                <a:sym typeface="+mn-ea"/>
+              </a:rPr>
+              <a:t>安装</a:t>
+            </a:r>
+            <a:r>
+              <a:rPr lang="en-US" altLang="zh-CN">
+                <a:sym typeface="+mn-ea"/>
+              </a:rPr>
+              <a:t>Visual Studio Code</a:t>
+            </a:r>
+            <a:endParaRPr lang="zh-CN" altLang="en-US"/>
+          </a:p>
+        </p:txBody>
+      </p:sp>
+      <p:pic>
+        <p:nvPicPr>
+          <p:cNvPr id="4" name="图片 3"/>
+          <p:cNvPicPr>
+            <a:picLocks noChangeAspect="1"/>
+          </p:cNvPicPr>
+          <p:nvPr>
+            <p:custDataLst>
+              <p:tags r:id="rId1"/>
+            </p:custDataLst>
+          </p:nvPr>
+        </p:nvPicPr>
+        <p:blipFill>
+          <a:blip r:embed="rId2"/>
+          <a:stretch>
+            <a:fillRect/>
+          </a:stretch>
+        </p:blipFill>
+        <p:spPr>
+          <a:xfrm>
+            <a:off x="1979930" y="3357245"/>
+            <a:ext cx="3720465" cy="3043555"/>
+          </a:xfrm>
+          <a:prstGeom prst="rect">
+            <a:avLst/>
+          </a:prstGeom>
+        </p:spPr>
+      </p:pic>
+    </p:spTree>
+  </p:cSld>
+  <p:clrMapOvr>
+    <a:masterClrMapping/>
+  </p:clrMapOvr>
+</p:sld>
+</file>
+
+<file path=ppt/slides/slide115.xml><?xml version="1.0" encoding="utf-8"?>
+<p:sld xmlns:a="http://schemas.openxmlformats.org/drawingml/2006/main" xmlns:r="http://schemas.openxmlformats.org/officeDocument/2006/relationships" xmlns:p="http://schemas.openxmlformats.org/presentationml/2006/main">
+  <p:cSld>
+    <p:spTree>
+      <p:nvGrpSpPr>
+        <p:cNvPr id="1" name=""/>
+        <p:cNvGrpSpPr/>
+        <p:nvPr/>
+      </p:nvGrpSpPr>
+      <p:grpSpPr/>
+      <p:sp>
+        <p:nvSpPr>
+          <p:cNvPr id="2" name="内容占位符 1"/>
+          <p:cNvSpPr>
+            <a:spLocks noGrp="1"/>
+          </p:cNvSpPr>
+          <p:nvPr>
+            <p:ph idx="1"/>
+          </p:nvPr>
+        </p:nvSpPr>
+        <p:spPr>
+          <a:xfrm>
+            <a:off x="871855" y="2675255"/>
+            <a:ext cx="7408545" cy="534035"/>
+          </a:xfrm>
+        </p:spPr>
+        <p:txBody>
+          <a:bodyPr/>
+          <a:p>
+            <a:r>
+              <a:rPr lang="zh-CN" altLang="en-US">
+                <a:sym typeface="+mn-ea"/>
+              </a:rPr>
+              <a:t>点击</a:t>
+            </a:r>
+            <a:r>
+              <a:rPr lang="en-US" altLang="zh-CN">
+                <a:sym typeface="+mn-ea"/>
+              </a:rPr>
+              <a:t>“</a:t>
+            </a:r>
+            <a:r>
+              <a:rPr lang="zh-CN" altLang="en-US">
+                <a:sym typeface="+mn-ea"/>
+              </a:rPr>
+              <a:t>完成</a:t>
+            </a:r>
+            <a:r>
+              <a:rPr lang="en-US" altLang="zh-CN">
+                <a:sym typeface="+mn-ea"/>
+              </a:rPr>
+              <a:t>”</a:t>
+            </a:r>
+            <a:endParaRPr lang="zh-CN" altLang="en-US"/>
+          </a:p>
+        </p:txBody>
+      </p:sp>
+      <p:sp>
+        <p:nvSpPr>
+          <p:cNvPr id="3" name="标题 2"/>
+          <p:cNvSpPr>
+            <a:spLocks noGrp="1"/>
+          </p:cNvSpPr>
+          <p:nvPr>
+            <p:ph type="title"/>
+          </p:nvPr>
+        </p:nvSpPr>
+        <p:spPr/>
+        <p:txBody>
+          <a:bodyPr/>
+          <a:p>
+            <a:r>
+              <a:rPr lang="en-US" altLang="zh-CN">
+                <a:sym typeface="+mn-ea"/>
+              </a:rPr>
+              <a:t>1.13 </a:t>
+            </a:r>
+            <a:r>
+              <a:rPr lang="zh-CN" altLang="en-US">
+                <a:sym typeface="+mn-ea"/>
+              </a:rPr>
+              <a:t>安装</a:t>
+            </a:r>
+            <a:r>
+              <a:rPr lang="en-US" altLang="zh-CN">
+                <a:sym typeface="+mn-ea"/>
+              </a:rPr>
+              <a:t>Visual Studio Code</a:t>
+            </a:r>
+            <a:endParaRPr lang="zh-CN" altLang="en-US"/>
+          </a:p>
+        </p:txBody>
+      </p:sp>
+      <p:pic>
+        <p:nvPicPr>
+          <p:cNvPr id="4" name="图片 3"/>
+          <p:cNvPicPr>
+            <a:picLocks noChangeAspect="1"/>
+          </p:cNvPicPr>
+          <p:nvPr>
+            <p:custDataLst>
+              <p:tags r:id="rId1"/>
+            </p:custDataLst>
+          </p:nvPr>
+        </p:nvPicPr>
+        <p:blipFill>
+          <a:blip r:embed="rId2"/>
+          <a:stretch>
+            <a:fillRect/>
+          </a:stretch>
+        </p:blipFill>
+        <p:spPr>
+          <a:xfrm>
+            <a:off x="1979930" y="3141345"/>
+            <a:ext cx="4033520" cy="3299460"/>
+          </a:xfrm>
+          <a:prstGeom prst="rect">
+            <a:avLst/>
+          </a:prstGeom>
+        </p:spPr>
+      </p:pic>
+    </p:spTree>
+  </p:cSld>
+  <p:clrMapOvr>
+    <a:masterClrMapping/>
+  </p:clrMapOvr>
+</p:sld>
+</file>
+
+<file path=ppt/slides/slide116.xml><?xml version="1.0" encoding="utf-8"?>
+<p:sld xmlns:a="http://schemas.openxmlformats.org/drawingml/2006/main" xmlns:r="http://schemas.openxmlformats.org/officeDocument/2006/relationships" xmlns:p="http://schemas.openxmlformats.org/presentationml/2006/main">
+  <p:cSld>
+    <p:spTree>
+      <p:nvGrpSpPr>
+        <p:cNvPr id="1" name=""/>
+        <p:cNvGrpSpPr/>
+        <p:nvPr/>
+      </p:nvGrpSpPr>
+      <p:grpSpPr/>
+      <p:sp>
+        <p:nvSpPr>
+          <p:cNvPr id="2" name="内容占位符 1"/>
+          <p:cNvSpPr>
+            <a:spLocks noGrp="1"/>
+          </p:cNvSpPr>
+          <p:nvPr>
+            <p:ph idx="1"/>
+          </p:nvPr>
+        </p:nvSpPr>
+        <p:spPr>
+          <a:xfrm>
+            <a:off x="871855" y="2675255"/>
+            <a:ext cx="7408545" cy="546100"/>
+          </a:xfrm>
+        </p:spPr>
+        <p:txBody>
+          <a:bodyPr/>
+          <a:p>
+            <a:r>
+              <a:rPr lang="zh-CN" altLang="en-US">
+                <a:sym typeface="+mn-ea"/>
+              </a:rPr>
+              <a:t>启动</a:t>
+            </a:r>
+            <a:r>
+              <a:rPr lang="en-US" altLang="zh-CN">
+                <a:sym typeface="+mn-ea"/>
+              </a:rPr>
+              <a:t>VSCode</a:t>
+            </a:r>
+            <a:endParaRPr lang="zh-CN" altLang="en-US"/>
+          </a:p>
+        </p:txBody>
+      </p:sp>
+      <p:sp>
+        <p:nvSpPr>
+          <p:cNvPr id="3" name="标题 2"/>
+          <p:cNvSpPr>
+            <a:spLocks noGrp="1"/>
+          </p:cNvSpPr>
+          <p:nvPr>
+            <p:ph type="title"/>
+          </p:nvPr>
+        </p:nvSpPr>
+        <p:spPr/>
+        <p:txBody>
+          <a:bodyPr/>
+          <a:p>
+            <a:r>
+              <a:rPr lang="en-US" altLang="zh-CN">
+                <a:sym typeface="+mn-ea"/>
+              </a:rPr>
+              <a:t>1.13 </a:t>
+            </a:r>
+            <a:r>
+              <a:rPr lang="zh-CN" altLang="en-US">
+                <a:sym typeface="+mn-ea"/>
+              </a:rPr>
+              <a:t>安装</a:t>
+            </a:r>
+            <a:r>
+              <a:rPr lang="en-US" altLang="zh-CN">
+                <a:sym typeface="+mn-ea"/>
+              </a:rPr>
+              <a:t>Visual Studio Code</a:t>
+            </a:r>
+            <a:endParaRPr lang="zh-CN" altLang="en-US"/>
+          </a:p>
+        </p:txBody>
+      </p:sp>
+      <p:pic>
+        <p:nvPicPr>
+          <p:cNvPr id="4" name="图片 3"/>
+          <p:cNvPicPr>
+            <a:picLocks noChangeAspect="1"/>
+          </p:cNvPicPr>
+          <p:nvPr>
+            <p:custDataLst>
+              <p:tags r:id="rId1"/>
+            </p:custDataLst>
+          </p:nvPr>
+        </p:nvPicPr>
+        <p:blipFill>
+          <a:blip r:embed="rId2"/>
+          <a:stretch>
+            <a:fillRect/>
+          </a:stretch>
+        </p:blipFill>
+        <p:spPr>
+          <a:xfrm>
+            <a:off x="3203575" y="2349500"/>
+            <a:ext cx="5480050" cy="4110355"/>
+          </a:xfrm>
+          <a:prstGeom prst="rect">
+            <a:avLst/>
+          </a:prstGeom>
+        </p:spPr>
+      </p:pic>
+    </p:spTree>
+  </p:cSld>
+  <p:clrMapOvr>
+    <a:masterClrMapping/>
+  </p:clrMapOvr>
+</p:sld>
+</file>
+
+<file path=ppt/slides/slide117.xml><?xml version="1.0" encoding="utf-8"?>
+<p:sld xmlns:a="http://schemas.openxmlformats.org/drawingml/2006/main" xmlns:r="http://schemas.openxmlformats.org/officeDocument/2006/relationships" xmlns:p="http://schemas.openxmlformats.org/presentationml/2006/main">
+  <p:cSld>
+    <p:spTree>
+      <p:nvGrpSpPr>
+        <p:cNvPr id="1" name=""/>
+        <p:cNvGrpSpPr/>
+        <p:nvPr/>
+      </p:nvGrpSpPr>
+      <p:grpSpPr/>
+      <p:sp>
+        <p:nvSpPr>
+          <p:cNvPr id="2" name="内容占位符 1"/>
+          <p:cNvSpPr>
+            <a:spLocks noGrp="1"/>
+          </p:cNvSpPr>
+          <p:nvPr>
+            <p:ph idx="1"/>
+          </p:nvPr>
+        </p:nvSpPr>
+        <p:spPr/>
+        <p:txBody>
+          <a:bodyPr/>
+          <a:p>
+            <a:r>
+              <a:rPr lang="zh-CN" altLang="en-US">
+                <a:sym typeface="+mn-ea"/>
+              </a:rPr>
+              <a:t>在中文</a:t>
+            </a:r>
+            <a:r>
+              <a:rPr lang="en-US" altLang="zh-CN">
+                <a:sym typeface="+mn-ea"/>
+              </a:rPr>
+              <a:t>Windows</a:t>
+            </a:r>
+            <a:r>
+              <a:rPr lang="zh-CN" altLang="en-US">
+                <a:sym typeface="+mn-ea"/>
+              </a:rPr>
+              <a:t>环境下，通常会出现自动提示配置中文环境，点击右下角</a:t>
+            </a:r>
+            <a:r>
+              <a:rPr lang="en-US" altLang="zh-CN">
+                <a:sym typeface="+mn-ea"/>
+              </a:rPr>
+              <a:t>“</a:t>
+            </a:r>
+            <a:r>
+              <a:rPr lang="zh-CN" altLang="en-US">
+                <a:sym typeface="+mn-ea"/>
+              </a:rPr>
+              <a:t>安装并重启</a:t>
+            </a:r>
+            <a:r>
+              <a:rPr lang="en-US" altLang="zh-CN">
+                <a:sym typeface="+mn-ea"/>
+              </a:rPr>
+              <a:t>”</a:t>
+            </a:r>
+            <a:r>
+              <a:rPr lang="zh-CN" altLang="en-US">
+                <a:sym typeface="+mn-ea"/>
+              </a:rPr>
+              <a:t>会自动配置中文环境</a:t>
+            </a:r>
+            <a:endParaRPr lang="zh-CN" altLang="en-US"/>
+          </a:p>
+          <a:p>
+            <a:endParaRPr lang="zh-CN" altLang="en-US"/>
+          </a:p>
+        </p:txBody>
+      </p:sp>
+      <p:sp>
+        <p:nvSpPr>
+          <p:cNvPr id="3" name="标题 2"/>
+          <p:cNvSpPr>
+            <a:spLocks noGrp="1"/>
+          </p:cNvSpPr>
+          <p:nvPr>
+            <p:ph type="title"/>
+          </p:nvPr>
+        </p:nvSpPr>
+        <p:spPr/>
+        <p:txBody>
+          <a:bodyPr/>
+          <a:p>
+            <a:r>
+              <a:rPr lang="en-US" altLang="zh-CN">
+                <a:sym typeface="+mn-ea"/>
+              </a:rPr>
+              <a:t>1.13 </a:t>
+            </a:r>
+            <a:r>
+              <a:rPr lang="zh-CN" altLang="en-US">
+                <a:sym typeface="+mn-ea"/>
+              </a:rPr>
+              <a:t>安装</a:t>
+            </a:r>
+            <a:r>
+              <a:rPr lang="en-US" altLang="zh-CN">
+                <a:sym typeface="+mn-ea"/>
+              </a:rPr>
+              <a:t>Visual Studio Code</a:t>
+            </a:r>
+            <a:endParaRPr lang="zh-CN" altLang="en-US"/>
+          </a:p>
+        </p:txBody>
+      </p:sp>
+    </p:spTree>
+  </p:cSld>
+  <p:clrMapOvr>
+    <a:masterClrMapping/>
+  </p:clrMapOvr>
+</p:sld>
+</file>
+
+<file path=ppt/slides/slide118.xml><?xml version="1.0" encoding="utf-8"?>
 <p:sld xmlns:a="http://schemas.openxmlformats.org/drawingml/2006/main" xmlns:r="http://schemas.openxmlformats.org/officeDocument/2006/relationships" xmlns:p="http://schemas.openxmlformats.org/presentationml/2006/main">
   <p:cSld>
     <p:spTree>
@@ -16274,7 +17188,7 @@
 </p:sld>
 </file>
 
-<file path=ppt/slides/slide112.xml><?xml version="1.0" encoding="utf-8"?>
+<file path=ppt/slides/slide119.xml><?xml version="1.0" encoding="utf-8"?>
 <p:sld xmlns:a="http://schemas.openxmlformats.org/drawingml/2006/main" xmlns:r="http://schemas.openxmlformats.org/officeDocument/2006/relationships" xmlns:p="http://schemas.openxmlformats.org/presentationml/2006/main">
   <p:cSld>
     <p:spTree>
@@ -16370,7 +17284,123 @@
 </p:sld>
 </file>
 
-<file path=ppt/slides/slide113.xml><?xml version="1.0" encoding="utf-8"?>
+<file path=ppt/slides/slide12.xml><?xml version="1.0" encoding="utf-8"?>
+<p:sld xmlns:a="http://schemas.openxmlformats.org/drawingml/2006/main" xmlns:r="http://schemas.openxmlformats.org/officeDocument/2006/relationships" xmlns:p="http://schemas.openxmlformats.org/presentationml/2006/main">
+  <p:cSld>
+    <p:spTree>
+      <p:nvGrpSpPr>
+        <p:cNvPr id="1" name=""/>
+        <p:cNvGrpSpPr/>
+        <p:nvPr/>
+      </p:nvGrpSpPr>
+      <p:grpSpPr>
+        <a:xfrm>
+          <a:off x="0" y="0"/>
+          <a:ext cx="0" cy="0"/>
+          <a:chOff x="0" y="0"/>
+          <a:chExt cx="0" cy="0"/>
+        </a:xfrm>
+      </p:grpSpPr>
+      <p:sp>
+        <p:nvSpPr>
+          <p:cNvPr id="2" name="内容占位符 1"/>
+          <p:cNvSpPr>
+            <a:spLocks noGrp="1"/>
+          </p:cNvSpPr>
+          <p:nvPr>
+            <p:ph idx="1"/>
+          </p:nvPr>
+        </p:nvSpPr>
+        <p:spPr/>
+        <p:txBody>
+          <a:bodyPr/>
+          <a:lstStyle/>
+          <a:p>
+            <a:pPr>
+              <a:lnSpc>
+                <a:spcPct val="120000"/>
+              </a:lnSpc>
+            </a:pPr>
+            <a:r>
+              <a:rPr lang="zh-CN" altLang="en-US" dirty="0"/>
+              <a:t>面向对象方法中的对象：</a:t>
+            </a:r>
+            <a:endParaRPr lang="zh-CN" altLang="en-US" dirty="0"/>
+          </a:p>
+          <a:p>
+            <a:pPr lvl="1">
+              <a:lnSpc>
+                <a:spcPct val="120000"/>
+              </a:lnSpc>
+            </a:pPr>
+            <a:r>
+              <a:rPr lang="zh-CN" altLang="en-US" dirty="0"/>
+              <a:t>是系统中用来描述客观事物的一个实体，它是用来构成系统的一个基本单位。对象由一组属性和一组行为构成。</a:t>
+            </a:r>
+            <a:endParaRPr lang="zh-CN" altLang="en-US" dirty="0"/>
+          </a:p>
+          <a:p>
+            <a:pPr lvl="1">
+              <a:lnSpc>
+                <a:spcPct val="120000"/>
+              </a:lnSpc>
+            </a:pPr>
+            <a:r>
+              <a:rPr lang="zh-CN" altLang="en-US" dirty="0"/>
+              <a:t>属性：用来描述对象静态特征的数据项。</a:t>
+            </a:r>
+            <a:endParaRPr lang="zh-CN" altLang="en-US" dirty="0"/>
+          </a:p>
+          <a:p>
+            <a:pPr lvl="1">
+              <a:lnSpc>
+                <a:spcPct val="120000"/>
+              </a:lnSpc>
+            </a:pPr>
+            <a:r>
+              <a:rPr lang="zh-CN" altLang="en-US" dirty="0"/>
+              <a:t>行为：用来描述对象动态特征的操作序列</a:t>
+            </a:r>
+            <a:endParaRPr lang="zh-CN" altLang="en-US" dirty="0"/>
+          </a:p>
+        </p:txBody>
+      </p:sp>
+      <p:sp>
+        <p:nvSpPr>
+          <p:cNvPr id="3" name="标题 2"/>
+          <p:cNvSpPr>
+            <a:spLocks noGrp="1"/>
+          </p:cNvSpPr>
+          <p:nvPr>
+            <p:ph type="title"/>
+          </p:nvPr>
+        </p:nvSpPr>
+        <p:spPr/>
+        <p:txBody>
+          <a:bodyPr/>
+          <a:lstStyle/>
+          <a:p>
+            <a:r>
+              <a:rPr lang="en-US" altLang="zh-CN" dirty="0"/>
+              <a:t>1.2  </a:t>
+            </a:r>
+            <a:r>
+              <a:rPr lang="zh-CN" altLang="en-US" dirty="0"/>
+              <a:t>面向对象的方法</a:t>
+            </a:r>
+            <a:endParaRPr lang="zh-CN" altLang="en-US" dirty="0"/>
+          </a:p>
+        </p:txBody>
+      </p:sp>
+    </p:spTree>
+  </p:cSld>
+  <p:clrMapOvr>
+    <a:masterClrMapping/>
+  </p:clrMapOvr>
+</p:sld>
+</file>
+
+<file path=ppt/slides/slide120.xml><?xml version="1.0" encoding="utf-8"?>
 <p:sld xmlns:a="http://schemas.openxmlformats.org/drawingml/2006/main" xmlns:r="http://schemas.openxmlformats.org/officeDocument/2006/relationships" xmlns:p="http://schemas.openxmlformats.org/presentationml/2006/main">
   <p:cSld>
     <p:spTree>
@@ -16489,7 +17519,7 @@
 </p:sld>
 </file>
 
-<file path=ppt/slides/slide114.xml><?xml version="1.0" encoding="utf-8"?>
+<file path=ppt/slides/slide121.xml><?xml version="1.0" encoding="utf-8"?>
 <p:sld xmlns:a="http://schemas.openxmlformats.org/drawingml/2006/main" xmlns:r="http://schemas.openxmlformats.org/officeDocument/2006/relationships" xmlns:p="http://schemas.openxmlformats.org/presentationml/2006/main">
   <p:cSld>
     <p:spTree>
@@ -16571,7 +17601,7 @@
 </p:sld>
 </file>
 
-<file path=ppt/slides/slide115.xml><?xml version="1.0" encoding="utf-8"?>
+<file path=ppt/slides/slide122.xml><?xml version="1.0" encoding="utf-8"?>
 <p:sld xmlns:a="http://schemas.openxmlformats.org/drawingml/2006/main" xmlns:r="http://schemas.openxmlformats.org/officeDocument/2006/relationships" xmlns:p="http://schemas.openxmlformats.org/presentationml/2006/main">
   <p:cSld>
     <p:spTree>
@@ -16733,7 +17763,7 @@
 </p:sld>
 </file>
 
-<file path=ppt/slides/slide116.xml><?xml version="1.0" encoding="utf-8"?>
+<file path=ppt/slides/slide123.xml><?xml version="1.0" encoding="utf-8"?>
 <p:sld xmlns:a="http://schemas.openxmlformats.org/drawingml/2006/main" xmlns:r="http://schemas.openxmlformats.org/officeDocument/2006/relationships" xmlns:p="http://schemas.openxmlformats.org/presentationml/2006/main">
   <p:cSld>
     <p:spTree>
@@ -16887,7 +17917,7 @@
 </p:sld>
 </file>
 
-<file path=ppt/slides/slide117.xml><?xml version="1.0" encoding="utf-8"?>
+<file path=ppt/slides/slide124.xml><?xml version="1.0" encoding="utf-8"?>
 <p:sld xmlns:a="http://schemas.openxmlformats.org/drawingml/2006/main" xmlns:r="http://schemas.openxmlformats.org/officeDocument/2006/relationships" xmlns:p="http://schemas.openxmlformats.org/presentationml/2006/main">
   <p:cSld>
     <p:spTree>
@@ -17068,7 +18098,7 @@
 </p:sld>
 </file>
 
-<file path=ppt/slides/slide118.xml><?xml version="1.0" encoding="utf-8"?>
+<file path=ppt/slides/slide125.xml><?xml version="1.0" encoding="utf-8"?>
 <p:sld xmlns:a="http://schemas.openxmlformats.org/drawingml/2006/main" xmlns:r="http://schemas.openxmlformats.org/officeDocument/2006/relationships" xmlns:p="http://schemas.openxmlformats.org/presentationml/2006/main">
   <p:cSld>
     <p:spTree>
@@ -17222,7 +18252,7 @@
 </p:sld>
 </file>
 
-<file path=ppt/slides/slide119.xml><?xml version="1.0" encoding="utf-8"?>
+<file path=ppt/slides/slide126.xml><?xml version="1.0" encoding="utf-8"?>
 <p:sld xmlns:a="http://schemas.openxmlformats.org/drawingml/2006/main" xmlns:r="http://schemas.openxmlformats.org/officeDocument/2006/relationships" xmlns:p="http://schemas.openxmlformats.org/presentationml/2006/main">
   <p:cSld>
     <p:spTree>
@@ -17321,123 +18351,7 @@
 </p:sld>
 </file>
 
-<file path=ppt/slides/slide12.xml><?xml version="1.0" encoding="utf-8"?>
-<p:sld xmlns:a="http://schemas.openxmlformats.org/drawingml/2006/main" xmlns:r="http://schemas.openxmlformats.org/officeDocument/2006/relationships" xmlns:p="http://schemas.openxmlformats.org/presentationml/2006/main">
-  <p:cSld>
-    <p:spTree>
-      <p:nvGrpSpPr>
-        <p:cNvPr id="1" name=""/>
-        <p:cNvGrpSpPr/>
-        <p:nvPr/>
-      </p:nvGrpSpPr>
-      <p:grpSpPr>
-        <a:xfrm>
-          <a:off x="0" y="0"/>
-          <a:ext cx="0" cy="0"/>
-          <a:chOff x="0" y="0"/>
-          <a:chExt cx="0" cy="0"/>
-        </a:xfrm>
-      </p:grpSpPr>
-      <p:sp>
-        <p:nvSpPr>
-          <p:cNvPr id="2" name="内容占位符 1"/>
-          <p:cNvSpPr>
-            <a:spLocks noGrp="1"/>
-          </p:cNvSpPr>
-          <p:nvPr>
-            <p:ph idx="1"/>
-          </p:nvPr>
-        </p:nvSpPr>
-        <p:spPr/>
-        <p:txBody>
-          <a:bodyPr/>
-          <a:lstStyle/>
-          <a:p>
-            <a:pPr>
-              <a:lnSpc>
-                <a:spcPct val="120000"/>
-              </a:lnSpc>
-            </a:pPr>
-            <a:r>
-              <a:rPr lang="zh-CN" altLang="en-US" dirty="0"/>
-              <a:t>面向对象方法中的对象：</a:t>
-            </a:r>
-            <a:endParaRPr lang="zh-CN" altLang="en-US" dirty="0"/>
-          </a:p>
-          <a:p>
-            <a:pPr lvl="1">
-              <a:lnSpc>
-                <a:spcPct val="120000"/>
-              </a:lnSpc>
-            </a:pPr>
-            <a:r>
-              <a:rPr lang="zh-CN" altLang="en-US" dirty="0"/>
-              <a:t>是系统中用来描述客观事物的一个实体，它是用来构成系统的一个基本单位。对象由一组属性和一组行为构成。</a:t>
-            </a:r>
-            <a:endParaRPr lang="zh-CN" altLang="en-US" dirty="0"/>
-          </a:p>
-          <a:p>
-            <a:pPr lvl="1">
-              <a:lnSpc>
-                <a:spcPct val="120000"/>
-              </a:lnSpc>
-            </a:pPr>
-            <a:r>
-              <a:rPr lang="zh-CN" altLang="en-US" dirty="0"/>
-              <a:t>属性：用来描述对象静态特征的数据项。</a:t>
-            </a:r>
-            <a:endParaRPr lang="zh-CN" altLang="en-US" dirty="0"/>
-          </a:p>
-          <a:p>
-            <a:pPr lvl="1">
-              <a:lnSpc>
-                <a:spcPct val="120000"/>
-              </a:lnSpc>
-            </a:pPr>
-            <a:r>
-              <a:rPr lang="zh-CN" altLang="en-US" dirty="0"/>
-              <a:t>行为：用来描述对象动态特征的操作序列</a:t>
-            </a:r>
-            <a:endParaRPr lang="zh-CN" altLang="en-US" dirty="0"/>
-          </a:p>
-        </p:txBody>
-      </p:sp>
-      <p:sp>
-        <p:nvSpPr>
-          <p:cNvPr id="3" name="标题 2"/>
-          <p:cNvSpPr>
-            <a:spLocks noGrp="1"/>
-          </p:cNvSpPr>
-          <p:nvPr>
-            <p:ph type="title"/>
-          </p:nvPr>
-        </p:nvSpPr>
-        <p:spPr/>
-        <p:txBody>
-          <a:bodyPr/>
-          <a:lstStyle/>
-          <a:p>
-            <a:r>
-              <a:rPr lang="en-US" altLang="zh-CN" dirty="0"/>
-              <a:t>1.2  </a:t>
-            </a:r>
-            <a:r>
-              <a:rPr lang="zh-CN" altLang="en-US" dirty="0"/>
-              <a:t>面向对象的方法</a:t>
-            </a:r>
-            <a:endParaRPr lang="zh-CN" altLang="en-US" dirty="0"/>
-          </a:p>
-        </p:txBody>
-      </p:sp>
-    </p:spTree>
-  </p:cSld>
-  <p:clrMapOvr>
-    <a:masterClrMapping/>
-  </p:clrMapOvr>
-</p:sld>
-</file>
-
-<file path=ppt/slides/slide120.xml><?xml version="1.0" encoding="utf-8"?>
+<file path=ppt/slides/slide127.xml><?xml version="1.0" encoding="utf-8"?>
 <p:sld xmlns:a="http://schemas.openxmlformats.org/drawingml/2006/main" xmlns:r="http://schemas.openxmlformats.org/officeDocument/2006/relationships" xmlns:p="http://schemas.openxmlformats.org/presentationml/2006/main">
   <p:cSld>
     <p:spTree>
@@ -17544,7 +18458,7 @@
 </p:sld>
 </file>
 
-<file path=ppt/slides/slide121.xml><?xml version="1.0" encoding="utf-8"?>
+<file path=ppt/slides/slide128.xml><?xml version="1.0" encoding="utf-8"?>
 <p:sld xmlns:a="http://schemas.openxmlformats.org/drawingml/2006/main" xmlns:r="http://schemas.openxmlformats.org/officeDocument/2006/relationships" xmlns:p="http://schemas.openxmlformats.org/presentationml/2006/main">
   <p:cSld>
     <p:spTree>
@@ -17756,7 +18670,7 @@
 </p:sld>
 </file>
 
-<file path=ppt/slides/slide122.xml><?xml version="1.0" encoding="utf-8"?>
+<file path=ppt/slides/slide129.xml><?xml version="1.0" encoding="utf-8"?>
 <p:sld xmlns:a="http://schemas.openxmlformats.org/drawingml/2006/main" xmlns:r="http://schemas.openxmlformats.org/officeDocument/2006/relationships" xmlns:p="http://schemas.openxmlformats.org/presentationml/2006/main">
   <p:cSld>
     <p:spTree>
@@ -17858,7 +18772,96 @@
 </p:sld>
 </file>
 
-<file path=ppt/slides/slide123.xml><?xml version="1.0" encoding="utf-8"?>
+<file path=ppt/slides/slide13.xml><?xml version="1.0" encoding="utf-8"?>
+<p:sld xmlns:a="http://schemas.openxmlformats.org/drawingml/2006/main" xmlns:r="http://schemas.openxmlformats.org/officeDocument/2006/relationships" xmlns:p="http://schemas.openxmlformats.org/presentationml/2006/main">
+  <p:cSld>
+    <p:spTree>
+      <p:nvGrpSpPr>
+        <p:cNvPr id="1" name=""/>
+        <p:cNvGrpSpPr/>
+        <p:nvPr/>
+      </p:nvGrpSpPr>
+      <p:grpSpPr>
+        <a:xfrm>
+          <a:off x="0" y="0"/>
+          <a:ext cx="0" cy="0"/>
+          <a:chOff x="0" y="0"/>
+          <a:chExt cx="0" cy="0"/>
+        </a:xfrm>
+      </p:grpSpPr>
+      <p:sp>
+        <p:nvSpPr>
+          <p:cNvPr id="2" name="内容占位符 1"/>
+          <p:cNvSpPr>
+            <a:spLocks noGrp="1"/>
+          </p:cNvSpPr>
+          <p:nvPr>
+            <p:ph idx="1"/>
+          </p:nvPr>
+        </p:nvSpPr>
+        <p:spPr/>
+        <p:txBody>
+          <a:bodyPr/>
+          <a:lstStyle/>
+          <a:p>
+            <a:r>
+              <a:rPr lang="zh-CN" altLang="en-US" dirty="0" smtClean="0"/>
+              <a:t>封装性</a:t>
+            </a:r>
+            <a:endParaRPr lang="en-US" altLang="zh-CN" dirty="0" smtClean="0"/>
+          </a:p>
+          <a:p>
+            <a:r>
+              <a:rPr lang="zh-CN" altLang="en-US" dirty="0" smtClean="0"/>
+              <a:t>继承性</a:t>
+            </a:r>
+            <a:endParaRPr lang="en-US" altLang="zh-CN" dirty="0" smtClean="0"/>
+          </a:p>
+          <a:p>
+            <a:r>
+              <a:rPr lang="zh-CN" altLang="en-US" dirty="0"/>
+              <a:t>多态性</a:t>
+            </a:r>
+            <a:endParaRPr lang="zh-CN" altLang="en-US" dirty="0"/>
+          </a:p>
+        </p:txBody>
+      </p:sp>
+      <p:sp>
+        <p:nvSpPr>
+          <p:cNvPr id="3" name="标题 2"/>
+          <p:cNvSpPr>
+            <a:spLocks noGrp="1"/>
+          </p:cNvSpPr>
+          <p:nvPr>
+            <p:ph type="title"/>
+          </p:nvPr>
+        </p:nvSpPr>
+        <p:spPr/>
+        <p:txBody>
+          <a:bodyPr/>
+          <a:lstStyle/>
+          <a:p>
+            <a:r>
+              <a:rPr lang="en-US" altLang="zh-CN" dirty="0"/>
+              <a:t>1.2  </a:t>
+            </a:r>
+            <a:r>
+              <a:rPr lang="zh-CN" altLang="en-US" dirty="0"/>
+              <a:t>面向对象的方法</a:t>
+            </a:r>
+            <a:endParaRPr lang="zh-CN" altLang="en-US" dirty="0"/>
+          </a:p>
+        </p:txBody>
+      </p:sp>
+    </p:spTree>
+  </p:cSld>
+  <p:clrMapOvr>
+    <a:masterClrMapping/>
+  </p:clrMapOvr>
+</p:sld>
+</file>
+
+<file path=ppt/slides/slide130.xml><?xml version="1.0" encoding="utf-8"?>
 <p:sld xmlns:a="http://schemas.openxmlformats.org/drawingml/2006/main" xmlns:r="http://schemas.openxmlformats.org/officeDocument/2006/relationships" xmlns:p="http://schemas.openxmlformats.org/presentationml/2006/main">
   <p:cSld>
     <p:spTree>
@@ -18020,7 +19023,7 @@
 </p:sld>
 </file>
 
-<file path=ppt/slides/slide124.xml><?xml version="1.0" encoding="utf-8"?>
+<file path=ppt/slides/slide131.xml><?xml version="1.0" encoding="utf-8"?>
 <p:sld xmlns:a="http://schemas.openxmlformats.org/drawingml/2006/main" xmlns:r="http://schemas.openxmlformats.org/officeDocument/2006/relationships" xmlns:p="http://schemas.openxmlformats.org/presentationml/2006/main">
   <p:cSld>
     <p:spTree>
@@ -18211,7 +19214,7 @@
 </p:sld>
 </file>
 
-<file path=ppt/slides/slide125.xml><?xml version="1.0" encoding="utf-8"?>
+<file path=ppt/slides/slide132.xml><?xml version="1.0" encoding="utf-8"?>
 <p:sld xmlns:a="http://schemas.openxmlformats.org/drawingml/2006/main" xmlns:r="http://schemas.openxmlformats.org/officeDocument/2006/relationships" xmlns:p="http://schemas.openxmlformats.org/presentationml/2006/main">
   <p:cSld>
     <p:spTree>
@@ -18311,7 +19314,7 @@
 </p:sld>
 </file>
 
-<file path=ppt/slides/slide126.xml><?xml version="1.0" encoding="utf-8"?>
+<file path=ppt/slides/slide133.xml><?xml version="1.0" encoding="utf-8"?>
 <p:sld xmlns:a="http://schemas.openxmlformats.org/drawingml/2006/main" xmlns:r="http://schemas.openxmlformats.org/officeDocument/2006/relationships" xmlns:p="http://schemas.openxmlformats.org/presentationml/2006/main">
   <p:cSld>
     <p:spTree>
@@ -18418,7 +19421,7 @@
 </p:sld>
 </file>
 
-<file path=ppt/slides/slide127.xml><?xml version="1.0" encoding="utf-8"?>
+<file path=ppt/slides/slide134.xml><?xml version="1.0" encoding="utf-8"?>
 <p:sld xmlns:a="http://schemas.openxmlformats.org/drawingml/2006/main" xmlns:r="http://schemas.openxmlformats.org/officeDocument/2006/relationships" xmlns:p="http://schemas.openxmlformats.org/presentationml/2006/main">
   <p:cSld>
     <p:spTree>
@@ -18554,7 +19557,7 @@
 </p:sld>
 </file>
 
-<file path=ppt/slides/slide128.xml><?xml version="1.0" encoding="utf-8"?>
+<file path=ppt/slides/slide135.xml><?xml version="1.0" encoding="utf-8"?>
 <p:sld xmlns:a="http://schemas.openxmlformats.org/drawingml/2006/main" xmlns:r="http://schemas.openxmlformats.org/officeDocument/2006/relationships" xmlns:p="http://schemas.openxmlformats.org/presentationml/2006/main">
   <p:cSld>
     <p:spTree>
@@ -18702,7 +19705,7 @@
 </p:sld>
 </file>
 
-<file path=ppt/slides/slide129.xml><?xml version="1.0" encoding="utf-8"?>
+<file path=ppt/slides/slide136.xml><?xml version="1.0" encoding="utf-8"?>
 <p:sld xmlns:a="http://schemas.openxmlformats.org/drawingml/2006/main" xmlns:r="http://schemas.openxmlformats.org/officeDocument/2006/relationships" xmlns:p="http://schemas.openxmlformats.org/presentationml/2006/main">
   <p:cSld>
     <p:spTree>
@@ -18850,96 +19853,7 @@
 </p:sld>
 </file>
 
-<file path=ppt/slides/slide13.xml><?xml version="1.0" encoding="utf-8"?>
-<p:sld xmlns:a="http://schemas.openxmlformats.org/drawingml/2006/main" xmlns:r="http://schemas.openxmlformats.org/officeDocument/2006/relationships" xmlns:p="http://schemas.openxmlformats.org/presentationml/2006/main">
-  <p:cSld>
-    <p:spTree>
-      <p:nvGrpSpPr>
-        <p:cNvPr id="1" name=""/>
-        <p:cNvGrpSpPr/>
-        <p:nvPr/>
-      </p:nvGrpSpPr>
-      <p:grpSpPr>
-        <a:xfrm>
-          <a:off x="0" y="0"/>
-          <a:ext cx="0" cy="0"/>
-          <a:chOff x="0" y="0"/>
-          <a:chExt cx="0" cy="0"/>
-        </a:xfrm>
-      </p:grpSpPr>
-      <p:sp>
-        <p:nvSpPr>
-          <p:cNvPr id="2" name="内容占位符 1"/>
-          <p:cNvSpPr>
-            <a:spLocks noGrp="1"/>
-          </p:cNvSpPr>
-          <p:nvPr>
-            <p:ph idx="1"/>
-          </p:nvPr>
-        </p:nvSpPr>
-        <p:spPr/>
-        <p:txBody>
-          <a:bodyPr/>
-          <a:lstStyle/>
-          <a:p>
-            <a:r>
-              <a:rPr lang="zh-CN" altLang="en-US" dirty="0" smtClean="0"/>
-              <a:t>封装性</a:t>
-            </a:r>
-            <a:endParaRPr lang="en-US" altLang="zh-CN" dirty="0" smtClean="0"/>
-          </a:p>
-          <a:p>
-            <a:r>
-              <a:rPr lang="zh-CN" altLang="en-US" dirty="0" smtClean="0"/>
-              <a:t>继承性</a:t>
-            </a:r>
-            <a:endParaRPr lang="en-US" altLang="zh-CN" dirty="0" smtClean="0"/>
-          </a:p>
-          <a:p>
-            <a:r>
-              <a:rPr lang="zh-CN" altLang="en-US" dirty="0"/>
-              <a:t>多态性</a:t>
-            </a:r>
-            <a:endParaRPr lang="zh-CN" altLang="en-US" dirty="0"/>
-          </a:p>
-        </p:txBody>
-      </p:sp>
-      <p:sp>
-        <p:nvSpPr>
-          <p:cNvPr id="3" name="标题 2"/>
-          <p:cNvSpPr>
-            <a:spLocks noGrp="1"/>
-          </p:cNvSpPr>
-          <p:nvPr>
-            <p:ph type="title"/>
-          </p:nvPr>
-        </p:nvSpPr>
-        <p:spPr/>
-        <p:txBody>
-          <a:bodyPr/>
-          <a:lstStyle/>
-          <a:p>
-            <a:r>
-              <a:rPr lang="en-US" altLang="zh-CN" dirty="0"/>
-              <a:t>1.2  </a:t>
-            </a:r>
-            <a:r>
-              <a:rPr lang="zh-CN" altLang="en-US" dirty="0"/>
-              <a:t>面向对象的方法</a:t>
-            </a:r>
-            <a:endParaRPr lang="zh-CN" altLang="en-US" dirty="0"/>
-          </a:p>
-        </p:txBody>
-      </p:sp>
-    </p:spTree>
-  </p:cSld>
-  <p:clrMapOvr>
-    <a:masterClrMapping/>
-  </p:clrMapOvr>
-</p:sld>
-</file>
-
-<file path=ppt/slides/slide130.xml><?xml version="1.0" encoding="utf-8"?>
+<file path=ppt/slides/slide137.xml><?xml version="1.0" encoding="utf-8"?>
 <p:sld xmlns:a="http://schemas.openxmlformats.org/drawingml/2006/main" xmlns:r="http://schemas.openxmlformats.org/officeDocument/2006/relationships" xmlns:p="http://schemas.openxmlformats.org/presentationml/2006/main">
   <p:cSld>
     <p:spTree>
@@ -19108,7 +20022,7 @@
 </p:sld>
 </file>
 
-<file path=ppt/slides/slide131.xml><?xml version="1.0" encoding="utf-8"?>
+<file path=ppt/slides/slide138.xml><?xml version="1.0" encoding="utf-8"?>
 <p:sld xmlns:a="http://schemas.openxmlformats.org/drawingml/2006/main" xmlns:r="http://schemas.openxmlformats.org/officeDocument/2006/relationships" xmlns:p="http://schemas.openxmlformats.org/presentationml/2006/main">
   <p:cSld>
     <p:spTree>
@@ -19315,7 +20229,7 @@
 </p:sld>
 </file>
 
-<file path=ppt/slides/slide132.xml><?xml version="1.0" encoding="utf-8"?>
+<file path=ppt/slides/slide139.xml><?xml version="1.0" encoding="utf-8"?>
 <p:sld xmlns:a="http://schemas.openxmlformats.org/drawingml/2006/main" xmlns:r="http://schemas.openxmlformats.org/officeDocument/2006/relationships" xmlns:p="http://schemas.openxmlformats.org/presentationml/2006/main">
   <p:cSld>
     <p:spTree>
@@ -19438,878 +20352,6 @@
                 <a:sym typeface="+mn-ea"/>
               </a:rPr>
               <a:t>Visual Studio Code</a:t>
-            </a:r>
-            <a:endParaRPr lang="zh-CN" altLang="en-US"/>
-          </a:p>
-        </p:txBody>
-      </p:sp>
-    </p:spTree>
-  </p:cSld>
-  <p:clrMapOvr>
-    <a:masterClrMapping/>
-  </p:clrMapOvr>
-</p:sld>
-</file>
-
-<file path=ppt/slides/slide133.xml><?xml version="1.0" encoding="utf-8"?>
-<p:sld xmlns:a="http://schemas.openxmlformats.org/drawingml/2006/main" xmlns:r="http://schemas.openxmlformats.org/officeDocument/2006/relationships" xmlns:p="http://schemas.openxmlformats.org/presentationml/2006/main">
-  <p:cSld>
-    <p:spTree>
-      <p:nvGrpSpPr>
-        <p:cNvPr id="1" name=""/>
-        <p:cNvGrpSpPr/>
-        <p:nvPr/>
-      </p:nvGrpSpPr>
-      <p:grpSpPr/>
-      <p:sp>
-        <p:nvSpPr>
-          <p:cNvPr id="2" name="内容占位符 1"/>
-          <p:cNvSpPr>
-            <a:spLocks noGrp="1"/>
-          </p:cNvSpPr>
-          <p:nvPr>
-            <p:ph idx="1"/>
-          </p:nvPr>
-        </p:nvSpPr>
-        <p:spPr/>
-        <p:txBody>
-          <a:bodyPr/>
-          <a:p>
-            <a:r>
-              <a:rPr lang="en-US" altLang="zh-CN"/>
-              <a:t>Code Runner</a:t>
-            </a:r>
-            <a:r>
-              <a:rPr lang="zh-CN" altLang="en-US"/>
-              <a:t>是一个很好的工具，方便调试</a:t>
-            </a:r>
-            <a:r>
-              <a:rPr lang="zh-CN" altLang="en-US"/>
-              <a:t>运行</a:t>
-            </a:r>
-            <a:endParaRPr lang="zh-CN" altLang="en-US"/>
-          </a:p>
-          <a:p>
-            <a:r>
-              <a:rPr lang="zh-CN" altLang="en-US">
-                <a:sym typeface="+mn-ea"/>
-              </a:rPr>
-              <a:t>在左边管理框中点击扩展</a:t>
-            </a:r>
-            <a:r>
-              <a:rPr lang="zh-CN" altLang="en-US">
-                <a:sym typeface="+mn-ea"/>
-              </a:rPr>
-              <a:t>按钮</a:t>
-            </a:r>
-            <a:endParaRPr lang="zh-CN" altLang="en-US">
-              <a:sym typeface="+mn-ea"/>
-            </a:endParaRPr>
-          </a:p>
-          <a:p>
-            <a:r>
-              <a:rPr lang="zh-CN" altLang="en-US">
-                <a:sym typeface="+mn-ea"/>
-              </a:rPr>
-              <a:t>在搜索框中输入</a:t>
-            </a:r>
-            <a:r>
-              <a:rPr lang="en-US" altLang="zh-CN">
-                <a:sym typeface="+mn-ea"/>
-              </a:rPr>
-              <a:t>Code Runner</a:t>
-            </a:r>
-            <a:endParaRPr lang="en-US" altLang="zh-CN">
-              <a:sym typeface="+mn-ea"/>
-            </a:endParaRPr>
-          </a:p>
-          <a:p>
-            <a:r>
-              <a:rPr lang="zh-CN" altLang="en-US">
-                <a:sym typeface="+mn-ea"/>
-              </a:rPr>
-              <a:t>安装</a:t>
-            </a:r>
-            <a:r>
-              <a:rPr lang="en-US" altLang="zh-CN">
-                <a:sym typeface="+mn-ea"/>
-              </a:rPr>
-              <a:t>Code Runner</a:t>
-            </a:r>
-            <a:r>
-              <a:rPr lang="zh-CN" altLang="en-US">
-                <a:sym typeface="+mn-ea"/>
-              </a:rPr>
-              <a:t>插件</a:t>
-            </a:r>
-            <a:endParaRPr lang="zh-CN" altLang="en-US"/>
-          </a:p>
-        </p:txBody>
-      </p:sp>
-      <p:sp>
-        <p:nvSpPr>
-          <p:cNvPr id="3" name="标题 2"/>
-          <p:cNvSpPr>
-            <a:spLocks noGrp="1"/>
-          </p:cNvSpPr>
-          <p:nvPr>
-            <p:ph type="title"/>
-          </p:nvPr>
-        </p:nvSpPr>
-        <p:spPr/>
-        <p:txBody>
-          <a:bodyPr/>
-          <a:p>
-            <a:r>
-              <a:rPr lang="en-US" altLang="zh-CN">
-                <a:sym typeface="+mn-ea"/>
-              </a:rPr>
-              <a:t>1.14 </a:t>
-            </a:r>
-            <a:r>
-              <a:rPr lang="zh-CN" altLang="en-US">
-                <a:sym typeface="+mn-ea"/>
-              </a:rPr>
-              <a:t>安装</a:t>
-            </a:r>
-            <a:r>
-              <a:rPr lang="en-US" altLang="zh-CN">
-                <a:sym typeface="+mn-ea"/>
-              </a:rPr>
-              <a:t>Code Runner</a:t>
-            </a:r>
-            <a:endParaRPr lang="zh-CN" altLang="en-US"/>
-          </a:p>
-        </p:txBody>
-      </p:sp>
-    </p:spTree>
-  </p:cSld>
-  <p:clrMapOvr>
-    <a:masterClrMapping/>
-  </p:clrMapOvr>
-</p:sld>
-</file>
-
-<file path=ppt/slides/slide134.xml><?xml version="1.0" encoding="utf-8"?>
-<p:sld xmlns:a="http://schemas.openxmlformats.org/drawingml/2006/main" xmlns:r="http://schemas.openxmlformats.org/officeDocument/2006/relationships" xmlns:p="http://schemas.openxmlformats.org/presentationml/2006/main">
-  <p:cSld>
-    <p:spTree>
-      <p:nvGrpSpPr>
-        <p:cNvPr id="1" name=""/>
-        <p:cNvGrpSpPr/>
-        <p:nvPr/>
-      </p:nvGrpSpPr>
-      <p:grpSpPr/>
-      <p:sp>
-        <p:nvSpPr>
-          <p:cNvPr id="2" name="内容占位符 1"/>
-          <p:cNvSpPr>
-            <a:spLocks noGrp="1"/>
-          </p:cNvSpPr>
-          <p:nvPr>
-            <p:ph idx="1"/>
-          </p:nvPr>
-        </p:nvSpPr>
-        <p:spPr/>
-        <p:txBody>
-          <a:bodyPr/>
-          <a:p>
-            <a:r>
-              <a:rPr lang="zh-CN" altLang="en-US">
-                <a:sym typeface="+mn-ea"/>
-              </a:rPr>
-              <a:t>在左边管理框中点击</a:t>
-            </a:r>
-            <a:r>
-              <a:rPr lang="zh-CN" altLang="en-US">
-                <a:sym typeface="+mn-ea"/>
-              </a:rPr>
-              <a:t>设置</a:t>
-            </a:r>
-            <a:endParaRPr lang="zh-CN" altLang="en-US">
-              <a:sym typeface="+mn-ea"/>
-            </a:endParaRPr>
-          </a:p>
-          <a:p>
-            <a:r>
-              <a:rPr lang="zh-CN" altLang="en-US">
-                <a:sym typeface="+mn-ea"/>
-              </a:rPr>
-              <a:t>在搜索框中</a:t>
-            </a:r>
-            <a:r>
-              <a:rPr lang="zh-CN" altLang="en-US">
-                <a:sym typeface="+mn-ea"/>
-              </a:rPr>
-              <a:t>输入Code-runner: Run In Terminal</a:t>
-            </a:r>
-            <a:endParaRPr lang="zh-CN" altLang="en-US"/>
-          </a:p>
-          <a:p>
-            <a:r>
-              <a:rPr lang="zh-CN" altLang="en-US">
-                <a:sym typeface="+mn-ea"/>
-              </a:rPr>
-              <a:t>勾选Whether to run code in Integrated Terminal</a:t>
-            </a:r>
-            <a:endParaRPr lang="zh-CN" altLang="en-US">
-              <a:sym typeface="+mn-ea"/>
-            </a:endParaRPr>
-          </a:p>
-          <a:p>
-            <a:r>
-              <a:rPr lang="zh-CN" altLang="en-US">
-                <a:sym typeface="+mn-ea"/>
-              </a:rPr>
-              <a:t>此后便可在集成环境的终端环境</a:t>
-            </a:r>
-            <a:r>
-              <a:rPr lang="zh-CN" altLang="en-US">
-                <a:sym typeface="+mn-ea"/>
-              </a:rPr>
-              <a:t>下调试运行</a:t>
-            </a:r>
-            <a:r>
-              <a:rPr lang="zh-CN" altLang="en-US">
-                <a:sym typeface="+mn-ea"/>
-              </a:rPr>
-              <a:t>程序</a:t>
-            </a:r>
-            <a:endParaRPr lang="zh-CN" altLang="en-US">
-              <a:sym typeface="+mn-ea"/>
-            </a:endParaRPr>
-          </a:p>
-        </p:txBody>
-      </p:sp>
-      <p:sp>
-        <p:nvSpPr>
-          <p:cNvPr id="3" name="标题 2"/>
-          <p:cNvSpPr>
-            <a:spLocks noGrp="1"/>
-          </p:cNvSpPr>
-          <p:nvPr>
-            <p:ph type="title"/>
-          </p:nvPr>
-        </p:nvSpPr>
-        <p:spPr/>
-        <p:txBody>
-          <a:bodyPr/>
-          <a:p>
-            <a:r>
-              <a:rPr lang="en-US" altLang="zh-CN">
-                <a:sym typeface="+mn-ea"/>
-              </a:rPr>
-              <a:t>1.14 </a:t>
-            </a:r>
-            <a:r>
-              <a:rPr lang="zh-CN" altLang="en-US">
-                <a:sym typeface="+mn-ea"/>
-              </a:rPr>
-              <a:t>安装</a:t>
-            </a:r>
-            <a:r>
-              <a:rPr lang="en-US" altLang="zh-CN">
-                <a:sym typeface="+mn-ea"/>
-              </a:rPr>
-              <a:t>Code Runner</a:t>
-            </a:r>
-            <a:endParaRPr lang="zh-CN" altLang="en-US"/>
-          </a:p>
-        </p:txBody>
-      </p:sp>
-    </p:spTree>
-  </p:cSld>
-  <p:clrMapOvr>
-    <a:masterClrMapping/>
-  </p:clrMapOvr>
-</p:sld>
-</file>
-
-<file path=ppt/slides/slide135.xml><?xml version="1.0" encoding="utf-8"?>
-<p:sld xmlns:a="http://schemas.openxmlformats.org/drawingml/2006/main" xmlns:r="http://schemas.openxmlformats.org/officeDocument/2006/relationships" xmlns:p="http://schemas.openxmlformats.org/presentationml/2006/main">
-  <p:cSld>
-    <p:spTree>
-      <p:nvGrpSpPr>
-        <p:cNvPr id="1" name=""/>
-        <p:cNvGrpSpPr/>
-        <p:nvPr/>
-      </p:nvGrpSpPr>
-      <p:grpSpPr/>
-      <p:sp>
-        <p:nvSpPr>
-          <p:cNvPr id="2" name="内容占位符 1"/>
-          <p:cNvSpPr>
-            <a:spLocks noGrp="1"/>
-          </p:cNvSpPr>
-          <p:nvPr>
-            <p:ph idx="1"/>
-          </p:nvPr>
-        </p:nvSpPr>
-        <p:spPr>
-          <a:xfrm>
-            <a:off x="871855" y="2675255"/>
-            <a:ext cx="7408545" cy="606425"/>
-          </a:xfrm>
-        </p:spPr>
-        <p:txBody>
-          <a:bodyPr/>
-          <a:p>
-            <a:r>
-              <a:rPr lang="zh-CN" altLang="en-US">
-                <a:sym typeface="+mn-ea"/>
-              </a:rPr>
-              <a:t>打开设置，查找</a:t>
-            </a:r>
-            <a:r>
-              <a:rPr lang="en-US" altLang="zh-CN">
-                <a:sym typeface="+mn-ea"/>
-              </a:rPr>
-              <a:t>Code-runner: Executor Map</a:t>
-            </a:r>
-            <a:endParaRPr lang="zh-CN" altLang="en-US"/>
-          </a:p>
-        </p:txBody>
-      </p:sp>
-      <p:sp>
-        <p:nvSpPr>
-          <p:cNvPr id="3" name="标题 2"/>
-          <p:cNvSpPr>
-            <a:spLocks noGrp="1"/>
-          </p:cNvSpPr>
-          <p:nvPr>
-            <p:ph type="title"/>
-          </p:nvPr>
-        </p:nvSpPr>
-        <p:spPr/>
-        <p:txBody>
-          <a:bodyPr/>
-          <a:p>
-            <a:r>
-              <a:rPr lang="en-US" altLang="zh-CN">
-                <a:sym typeface="+mn-ea"/>
-              </a:rPr>
-              <a:t>1.14 </a:t>
-            </a:r>
-            <a:r>
-              <a:rPr lang="zh-CN" altLang="en-US">
-                <a:sym typeface="+mn-ea"/>
-              </a:rPr>
-              <a:t>安装</a:t>
-            </a:r>
-            <a:r>
-              <a:rPr lang="en-US" altLang="zh-CN">
-                <a:sym typeface="+mn-ea"/>
-              </a:rPr>
-              <a:t>Code Runner</a:t>
-            </a:r>
-            <a:endParaRPr lang="zh-CN" altLang="en-US"/>
-          </a:p>
-        </p:txBody>
-      </p:sp>
-      <p:pic>
-        <p:nvPicPr>
-          <p:cNvPr id="4" name="图片 3" descr="K{[M@89D]UCUH5S]RV)MOA9"/>
-          <p:cNvPicPr>
-            <a:picLocks noChangeAspect="1"/>
-          </p:cNvPicPr>
-          <p:nvPr>
-            <p:custDataLst>
-              <p:tags r:id="rId1"/>
-            </p:custDataLst>
-          </p:nvPr>
-        </p:nvPicPr>
-        <p:blipFill>
-          <a:blip r:embed="rId2"/>
-          <a:stretch>
-            <a:fillRect/>
-          </a:stretch>
-        </p:blipFill>
-        <p:spPr>
-          <a:xfrm>
-            <a:off x="1487805" y="3429000"/>
-            <a:ext cx="5267325" cy="2143125"/>
-          </a:xfrm>
-          <a:prstGeom prst="rect">
-            <a:avLst/>
-          </a:prstGeom>
-        </p:spPr>
-      </p:pic>
-    </p:spTree>
-  </p:cSld>
-  <p:clrMapOvr>
-    <a:masterClrMapping/>
-  </p:clrMapOvr>
-</p:sld>
-</file>
-
-<file path=ppt/slides/slide136.xml><?xml version="1.0" encoding="utf-8"?>
-<p:sld xmlns:a="http://schemas.openxmlformats.org/drawingml/2006/main" xmlns:r="http://schemas.openxmlformats.org/officeDocument/2006/relationships" xmlns:p="http://schemas.openxmlformats.org/presentationml/2006/main">
-  <p:cSld>
-    <p:spTree>
-      <p:nvGrpSpPr>
-        <p:cNvPr id="1" name=""/>
-        <p:cNvGrpSpPr/>
-        <p:nvPr/>
-      </p:nvGrpSpPr>
-      <p:grpSpPr/>
-      <p:sp>
-        <p:nvSpPr>
-          <p:cNvPr id="2" name="内容占位符 1"/>
-          <p:cNvSpPr>
-            <a:spLocks noGrp="1"/>
-          </p:cNvSpPr>
-          <p:nvPr>
-            <p:ph idx="1"/>
-          </p:nvPr>
-        </p:nvSpPr>
-        <p:spPr/>
-        <p:txBody>
-          <a:bodyPr/>
-          <a:p>
-            <a:r>
-              <a:rPr lang="zh-CN" altLang="en-US">
-                <a:sym typeface="+mn-ea"/>
-              </a:rPr>
-              <a:t>在</a:t>
-            </a:r>
-            <a:r>
-              <a:rPr lang="en-US" altLang="zh-CN">
-                <a:sym typeface="+mn-ea"/>
-              </a:rPr>
-              <a:t>settings.json</a:t>
-            </a:r>
-            <a:r>
-              <a:rPr lang="zh-CN" altLang="en-US">
-                <a:sym typeface="+mn-ea"/>
-              </a:rPr>
-              <a:t>中编辑</a:t>
-            </a:r>
-            <a:endParaRPr lang="zh-CN" altLang="en-US"/>
-          </a:p>
-          <a:p>
-            <a:r>
-              <a:rPr lang="zh-CN" altLang="en-US">
-                <a:sym typeface="+mn-ea"/>
-              </a:rPr>
-              <a:t>找到有</a:t>
-            </a:r>
-            <a:r>
-              <a:rPr lang="en-US" altLang="zh-CN">
-                <a:sym typeface="+mn-ea"/>
-              </a:rPr>
-              <a:t>cpp</a:t>
-            </a:r>
-            <a:r>
-              <a:rPr lang="zh-CN" altLang="en-US">
-                <a:sym typeface="+mn-ea"/>
-              </a:rPr>
-              <a:t>那一行，修改</a:t>
-            </a:r>
-            <a:r>
-              <a:rPr lang="zh-CN" altLang="en-US">
-                <a:sym typeface="+mn-ea"/>
-              </a:rPr>
-              <a:t>需如下：</a:t>
-            </a:r>
-            <a:endParaRPr lang="zh-CN" altLang="en-US">
-              <a:sym typeface="+mn-ea"/>
-            </a:endParaRPr>
-          </a:p>
-          <a:p>
-            <a:r>
-              <a:rPr lang="zh-CN" altLang="en-US">
-                <a:sym typeface="+mn-ea"/>
-              </a:rPr>
-              <a:t>"cpp": "cd $dir &amp;&amp; g++ </a:t>
-            </a:r>
-            <a:r>
-              <a:rPr lang="zh-CN" altLang="en-US" b="1">
-                <a:sym typeface="+mn-ea"/>
-              </a:rPr>
-              <a:t>-std=c++20 -Mmodules</a:t>
-            </a:r>
-            <a:r>
-              <a:rPr lang="zh-CN" altLang="en-US">
-                <a:sym typeface="+mn-ea"/>
-              </a:rPr>
-              <a:t> $fileName </a:t>
-            </a:r>
-            <a:r>
-              <a:rPr lang="zh-CN" altLang="en-US" b="1">
-                <a:sym typeface="+mn-ea"/>
-              </a:rPr>
-              <a:t>-I \"D:\\vcpkg\\installed\\x64-windows\\include\"</a:t>
-            </a:r>
-            <a:r>
-              <a:rPr lang="zh-CN" altLang="en-US">
-                <a:sym typeface="+mn-ea"/>
-              </a:rPr>
-              <a:t> -o $fileNameWithoutExt &amp;&amp; $dir$fileNameWithoutExt",</a:t>
-            </a:r>
-            <a:endParaRPr lang="zh-CN" altLang="en-US">
-              <a:sym typeface="+mn-ea"/>
-            </a:endParaRPr>
-          </a:p>
-          <a:p>
-            <a:r>
-              <a:rPr lang="zh-CN" altLang="en-US">
-                <a:sym typeface="+mn-ea"/>
-              </a:rPr>
-              <a:t>此时</a:t>
-            </a:r>
-            <a:r>
-              <a:rPr lang="en-US" altLang="zh-CN">
-                <a:sym typeface="+mn-ea"/>
-              </a:rPr>
-              <a:t>VSCode</a:t>
-            </a:r>
-            <a:r>
-              <a:rPr lang="zh-CN" altLang="en-US">
-                <a:sym typeface="+mn-ea"/>
-              </a:rPr>
-              <a:t>可支持</a:t>
-            </a:r>
-            <a:r>
-              <a:rPr lang="en-US" altLang="zh-CN">
-                <a:sym typeface="+mn-ea"/>
-              </a:rPr>
-              <a:t>C++20</a:t>
-            </a:r>
-            <a:r>
-              <a:rPr lang="zh-CN" altLang="en-US">
-                <a:sym typeface="+mn-ea"/>
-              </a:rPr>
-              <a:t>和</a:t>
-            </a:r>
-            <a:r>
-              <a:rPr lang="en-US" altLang="zh-CN">
-                <a:sym typeface="+mn-ea"/>
-              </a:rPr>
-              <a:t>vcpkg</a:t>
-            </a:r>
-            <a:r>
-              <a:rPr lang="zh-CN" altLang="en-US">
-                <a:sym typeface="+mn-ea"/>
-              </a:rPr>
-              <a:t>安装的</a:t>
-            </a:r>
-            <a:r>
-              <a:rPr lang="zh-CN" altLang="en-US">
-                <a:sym typeface="+mn-ea"/>
-              </a:rPr>
-              <a:t>包</a:t>
-            </a:r>
-            <a:endParaRPr lang="zh-CN" altLang="en-US">
-              <a:sym typeface="+mn-ea"/>
-            </a:endParaRPr>
-          </a:p>
-        </p:txBody>
-      </p:sp>
-      <p:sp>
-        <p:nvSpPr>
-          <p:cNvPr id="3" name="标题 2"/>
-          <p:cNvSpPr>
-            <a:spLocks noGrp="1"/>
-          </p:cNvSpPr>
-          <p:nvPr>
-            <p:ph type="title"/>
-          </p:nvPr>
-        </p:nvSpPr>
-        <p:spPr/>
-        <p:txBody>
-          <a:bodyPr/>
-          <a:p>
-            <a:r>
-              <a:rPr lang="en-US" altLang="zh-CN">
-                <a:sym typeface="+mn-ea"/>
-              </a:rPr>
-              <a:t>1.14 </a:t>
-            </a:r>
-            <a:r>
-              <a:rPr lang="zh-CN" altLang="en-US">
-                <a:sym typeface="+mn-ea"/>
-              </a:rPr>
-              <a:t>安装</a:t>
-            </a:r>
-            <a:r>
-              <a:rPr lang="en-US" altLang="zh-CN">
-                <a:sym typeface="+mn-ea"/>
-              </a:rPr>
-              <a:t>Code Runner</a:t>
-            </a:r>
-            <a:endParaRPr lang="zh-CN" altLang="en-US"/>
-          </a:p>
-        </p:txBody>
-      </p:sp>
-    </p:spTree>
-  </p:cSld>
-  <p:clrMapOvr>
-    <a:masterClrMapping/>
-  </p:clrMapOvr>
-</p:sld>
-</file>
-
-<file path=ppt/slides/slide137.xml><?xml version="1.0" encoding="utf-8"?>
-<p:sld xmlns:a="http://schemas.openxmlformats.org/drawingml/2006/main" xmlns:r="http://schemas.openxmlformats.org/officeDocument/2006/relationships" xmlns:p="http://schemas.openxmlformats.org/presentationml/2006/main">
-  <p:cSld>
-    <p:spTree>
-      <p:nvGrpSpPr>
-        <p:cNvPr id="1" name=""/>
-        <p:cNvGrpSpPr/>
-        <p:nvPr/>
-      </p:nvGrpSpPr>
-      <p:grpSpPr/>
-      <p:sp>
-        <p:nvSpPr>
-          <p:cNvPr id="2" name="内容占位符 1"/>
-          <p:cNvSpPr>
-            <a:spLocks noGrp="1"/>
-          </p:cNvSpPr>
-          <p:nvPr>
-            <p:ph idx="1"/>
-          </p:nvPr>
-        </p:nvSpPr>
-        <p:spPr/>
-        <p:txBody>
-          <a:bodyPr>
-            <a:normAutofit fontScale="70000"/>
-          </a:bodyPr>
-          <a:p>
-            <a:r>
-              <a:rPr lang="en-US" altLang="zh-CN"/>
-              <a:t>#include&lt;iostream&gt;</a:t>
-            </a:r>
-            <a:endParaRPr lang="en-US" altLang="zh-CN"/>
-          </a:p>
-          <a:p>
-            <a:r>
-              <a:rPr lang="en-US" altLang="zh-CN"/>
-              <a:t>#include&lt;boost/format.hpp&gt;</a:t>
-            </a:r>
-            <a:endParaRPr lang="en-US" altLang="zh-CN"/>
-          </a:p>
-          <a:p>
-            <a:r>
-              <a:rPr lang="en-US" altLang="zh-CN"/>
-              <a:t>using namespace std;</a:t>
-            </a:r>
-            <a:endParaRPr lang="en-US" altLang="zh-CN"/>
-          </a:p>
-          <a:p>
-            <a:r>
-              <a:rPr lang="en-US" altLang="zh-CN"/>
-              <a:t>int main()</a:t>
-            </a:r>
-            <a:endParaRPr lang="en-US" altLang="zh-CN"/>
-          </a:p>
-          <a:p>
-            <a:r>
-              <a:rPr lang="en-US" altLang="zh-CN"/>
-              <a:t>{</a:t>
-            </a:r>
-            <a:endParaRPr lang="en-US" altLang="zh-CN"/>
-          </a:p>
-          <a:p>
-            <a:r>
-              <a:rPr lang="en-US" altLang="zh-CN"/>
-              <a:t>    //目前编译器暂不支持C++20的format，这里使用boost::format</a:t>
-            </a:r>
-            <a:endParaRPr lang="en-US" altLang="zh-CN"/>
-          </a:p>
-          <a:p>
-            <a:r>
-              <a:rPr lang="en-US" altLang="zh-CN"/>
-              <a:t>    cout&lt;&lt;boost::format("There are %d ways I love you.") % 214&lt;&lt;endl;</a:t>
-            </a:r>
-            <a:endParaRPr lang="en-US" altLang="zh-CN"/>
-          </a:p>
-          <a:p>
-            <a:endParaRPr lang="en-US" altLang="zh-CN"/>
-          </a:p>
-          <a:p>
-            <a:r>
-              <a:rPr lang="en-US" altLang="zh-CN"/>
-              <a:t>    return 0;</a:t>
-            </a:r>
-            <a:endParaRPr lang="en-US" altLang="zh-CN"/>
-          </a:p>
-          <a:p>
-            <a:r>
-              <a:rPr lang="en-US" altLang="zh-CN"/>
-              <a:t>}</a:t>
-            </a:r>
-            <a:endParaRPr lang="en-US" altLang="zh-CN"/>
-          </a:p>
-        </p:txBody>
-      </p:sp>
-      <p:sp>
-        <p:nvSpPr>
-          <p:cNvPr id="3" name="标题 2"/>
-          <p:cNvSpPr>
-            <a:spLocks noGrp="1"/>
-          </p:cNvSpPr>
-          <p:nvPr>
-            <p:ph type="title"/>
-          </p:nvPr>
-        </p:nvSpPr>
-        <p:spPr/>
-        <p:txBody>
-          <a:bodyPr/>
-          <a:p>
-            <a:r>
-              <a:rPr lang="en-US" altLang="zh-CN">
-                <a:sym typeface="+mn-ea"/>
-              </a:rPr>
-              <a:t>1.14 </a:t>
-            </a:r>
-            <a:r>
-              <a:rPr lang="zh-CN" altLang="en-US">
-                <a:sym typeface="+mn-ea"/>
-              </a:rPr>
-              <a:t>安装</a:t>
-            </a:r>
-            <a:r>
-              <a:rPr lang="en-US" altLang="zh-CN">
-                <a:sym typeface="+mn-ea"/>
-              </a:rPr>
-              <a:t>Code Runner</a:t>
-            </a:r>
-            <a:endParaRPr lang="zh-CN" altLang="en-US"/>
-          </a:p>
-        </p:txBody>
-      </p:sp>
-    </p:spTree>
-  </p:cSld>
-  <p:clrMapOvr>
-    <a:masterClrMapping/>
-  </p:clrMapOvr>
-</p:sld>
-</file>
-
-<file path=ppt/slides/slide138.xml><?xml version="1.0" encoding="utf-8"?>
-<p:sld xmlns:a="http://schemas.openxmlformats.org/drawingml/2006/main" xmlns:r="http://schemas.openxmlformats.org/officeDocument/2006/relationships" xmlns:p="http://schemas.openxmlformats.org/presentationml/2006/main">
-  <p:cSld>
-    <p:spTree>
-      <p:nvGrpSpPr>
-        <p:cNvPr id="1" name=""/>
-        <p:cNvGrpSpPr/>
-        <p:nvPr/>
-      </p:nvGrpSpPr>
-      <p:grpSpPr/>
-      <p:sp>
-        <p:nvSpPr>
-          <p:cNvPr id="2" name="内容占位符 1"/>
-          <p:cNvSpPr>
-            <a:spLocks noGrp="1"/>
-          </p:cNvSpPr>
-          <p:nvPr>
-            <p:ph idx="1"/>
-          </p:nvPr>
-        </p:nvSpPr>
-        <p:spPr/>
-        <p:txBody>
-          <a:bodyPr>
-            <a:normAutofit fontScale="80000"/>
-          </a:bodyPr>
-          <a:p>
-            <a:r>
-              <a:rPr lang="zh-CN" altLang="en-US"/>
-              <a:t>点击右上角的</a:t>
-            </a:r>
-            <a:r>
-              <a:rPr lang="en-US" altLang="zh-CN"/>
-              <a:t>Code Runner</a:t>
-            </a:r>
-            <a:r>
-              <a:rPr lang="zh-CN" altLang="en-US"/>
-              <a:t>执行按钮（一个三角形的</a:t>
-            </a:r>
-            <a:r>
-              <a:rPr lang="zh-CN" altLang="en-US"/>
-              <a:t>按钮）</a:t>
-            </a:r>
-            <a:endParaRPr lang="zh-CN" altLang="en-US"/>
-          </a:p>
-          <a:p>
-            <a:r>
-              <a:rPr lang="zh-CN" altLang="en-US"/>
-              <a:t>即可在</a:t>
-            </a:r>
-            <a:r>
-              <a:rPr lang="zh-CN" altLang="en-US"/>
-              <a:t>终端运行</a:t>
-            </a:r>
-            <a:r>
-              <a:rPr lang="zh-CN" altLang="en-US"/>
-              <a:t>程序</a:t>
-            </a:r>
-            <a:endParaRPr lang="zh-CN" altLang="en-US"/>
-          </a:p>
-          <a:p>
-            <a:r>
-              <a:rPr lang="zh-CN" altLang="en-US"/>
-              <a:t>运行结果为</a:t>
-            </a:r>
-            <a:endParaRPr lang="zh-CN" altLang="en-US"/>
-          </a:p>
-          <a:p>
-            <a:r>
-              <a:rPr lang="en-US" altLang="zh-CN"/>
-              <a:t>PS D:\yjcpp218&gt; cd "d:\yjcpp218\cpp20\" ; if ($?) { g++ -std=c++20 -Mmodules fmtTest.cpp -I "D:\vcpkg\installed\x64-windows\include" -o fmtTest } ; if ($?) { .\fmtTest }</a:t>
-            </a:r>
-            <a:endParaRPr lang="en-US" altLang="zh-CN"/>
-          </a:p>
-          <a:p>
-            <a:r>
-              <a:rPr lang="en-US" altLang="zh-CN">
-                <a:sym typeface="+mn-ea"/>
-              </a:rPr>
-              <a:t>There are 214 ways I love you.</a:t>
-            </a:r>
-            <a:endParaRPr lang="en-US" altLang="zh-CN">
-              <a:sym typeface="+mn-ea"/>
-            </a:endParaRPr>
-          </a:p>
-          <a:p>
-            <a:r>
-              <a:rPr lang="en-US" altLang="zh-CN"/>
-              <a:t>PS D:\yjcpp218&gt; </a:t>
-            </a:r>
-            <a:endParaRPr lang="en-US" altLang="zh-CN"/>
-          </a:p>
-        </p:txBody>
-      </p:sp>
-      <p:sp>
-        <p:nvSpPr>
-          <p:cNvPr id="3" name="标题 2"/>
-          <p:cNvSpPr>
-            <a:spLocks noGrp="1"/>
-          </p:cNvSpPr>
-          <p:nvPr>
-            <p:ph type="title"/>
-          </p:nvPr>
-        </p:nvSpPr>
-        <p:spPr/>
-        <p:txBody>
-          <a:bodyPr/>
-          <a:p>
-            <a:r>
-              <a:rPr lang="en-US" altLang="zh-CN">
-                <a:sym typeface="+mn-ea"/>
-              </a:rPr>
-              <a:t>1.14 </a:t>
-            </a:r>
-            <a:r>
-              <a:rPr lang="zh-CN" altLang="en-US">
-                <a:sym typeface="+mn-ea"/>
-              </a:rPr>
-              <a:t>安装</a:t>
-            </a:r>
-            <a:r>
-              <a:rPr lang="en-US" altLang="zh-CN">
-                <a:sym typeface="+mn-ea"/>
-              </a:rPr>
-              <a:t>Code Runner</a:t>
             </a:r>
             <a:endParaRPr lang="zh-CN" altLang="en-US"/>
           </a:p>
@@ -20496,6 +20538,1353 @@
               <a:t>面向对象的 软件开发</a:t>
             </a:r>
             <a:endParaRPr lang="zh-CN" altLang="en-US" dirty="0"/>
+          </a:p>
+        </p:txBody>
+      </p:sp>
+    </p:spTree>
+  </p:cSld>
+  <p:clrMapOvr>
+    <a:masterClrMapping/>
+  </p:clrMapOvr>
+</p:sld>
+</file>
+
+<file path=ppt/slides/slide140.xml><?xml version="1.0" encoding="utf-8"?>
+<p:sld xmlns:a="http://schemas.openxmlformats.org/drawingml/2006/main" xmlns:r="http://schemas.openxmlformats.org/officeDocument/2006/relationships" xmlns:p="http://schemas.openxmlformats.org/presentationml/2006/main">
+  <p:cSld>
+    <p:spTree>
+      <p:nvGrpSpPr>
+        <p:cNvPr id="1" name=""/>
+        <p:cNvGrpSpPr/>
+        <p:nvPr/>
+      </p:nvGrpSpPr>
+      <p:grpSpPr/>
+      <p:sp>
+        <p:nvSpPr>
+          <p:cNvPr id="2" name="内容占位符 1"/>
+          <p:cNvSpPr>
+            <a:spLocks noGrp="1"/>
+          </p:cNvSpPr>
+          <p:nvPr>
+            <p:ph idx="1"/>
+          </p:nvPr>
+        </p:nvSpPr>
+        <p:spPr/>
+        <p:txBody>
+          <a:bodyPr/>
+          <a:p>
+            <a:r>
+              <a:rPr lang="en-US" altLang="zh-CN"/>
+              <a:t>Code Runner</a:t>
+            </a:r>
+            <a:r>
+              <a:rPr lang="zh-CN" altLang="en-US"/>
+              <a:t>是一个很好的工具，方便调试</a:t>
+            </a:r>
+            <a:r>
+              <a:rPr lang="zh-CN" altLang="en-US"/>
+              <a:t>运行</a:t>
+            </a:r>
+            <a:endParaRPr lang="zh-CN" altLang="en-US"/>
+          </a:p>
+          <a:p>
+            <a:r>
+              <a:rPr lang="zh-CN" altLang="en-US">
+                <a:sym typeface="+mn-ea"/>
+              </a:rPr>
+              <a:t>在左边管理框中点击扩展</a:t>
+            </a:r>
+            <a:r>
+              <a:rPr lang="zh-CN" altLang="en-US">
+                <a:sym typeface="+mn-ea"/>
+              </a:rPr>
+              <a:t>按钮</a:t>
+            </a:r>
+            <a:endParaRPr lang="zh-CN" altLang="en-US">
+              <a:sym typeface="+mn-ea"/>
+            </a:endParaRPr>
+          </a:p>
+          <a:p>
+            <a:r>
+              <a:rPr lang="zh-CN" altLang="en-US">
+                <a:sym typeface="+mn-ea"/>
+              </a:rPr>
+              <a:t>在搜索框中输入</a:t>
+            </a:r>
+            <a:r>
+              <a:rPr lang="en-US" altLang="zh-CN">
+                <a:sym typeface="+mn-ea"/>
+              </a:rPr>
+              <a:t>Code Runner</a:t>
+            </a:r>
+            <a:endParaRPr lang="en-US" altLang="zh-CN">
+              <a:sym typeface="+mn-ea"/>
+            </a:endParaRPr>
+          </a:p>
+          <a:p>
+            <a:r>
+              <a:rPr lang="zh-CN" altLang="en-US">
+                <a:sym typeface="+mn-ea"/>
+              </a:rPr>
+              <a:t>安装</a:t>
+            </a:r>
+            <a:r>
+              <a:rPr lang="en-US" altLang="zh-CN">
+                <a:sym typeface="+mn-ea"/>
+              </a:rPr>
+              <a:t>Code Runner</a:t>
+            </a:r>
+            <a:r>
+              <a:rPr lang="zh-CN" altLang="en-US">
+                <a:sym typeface="+mn-ea"/>
+              </a:rPr>
+              <a:t>插件</a:t>
+            </a:r>
+            <a:endParaRPr lang="zh-CN" altLang="en-US"/>
+          </a:p>
+        </p:txBody>
+      </p:sp>
+      <p:sp>
+        <p:nvSpPr>
+          <p:cNvPr id="3" name="标题 2"/>
+          <p:cNvSpPr>
+            <a:spLocks noGrp="1"/>
+          </p:cNvSpPr>
+          <p:nvPr>
+            <p:ph type="title"/>
+          </p:nvPr>
+        </p:nvSpPr>
+        <p:spPr/>
+        <p:txBody>
+          <a:bodyPr/>
+          <a:p>
+            <a:r>
+              <a:rPr lang="en-US" altLang="zh-CN">
+                <a:sym typeface="+mn-ea"/>
+              </a:rPr>
+              <a:t>1.14 </a:t>
+            </a:r>
+            <a:r>
+              <a:rPr lang="zh-CN" altLang="en-US">
+                <a:sym typeface="+mn-ea"/>
+              </a:rPr>
+              <a:t>安装</a:t>
+            </a:r>
+            <a:r>
+              <a:rPr lang="en-US" altLang="zh-CN">
+                <a:sym typeface="+mn-ea"/>
+              </a:rPr>
+              <a:t>Code Runner</a:t>
+            </a:r>
+            <a:endParaRPr lang="zh-CN" altLang="en-US"/>
+          </a:p>
+        </p:txBody>
+      </p:sp>
+    </p:spTree>
+  </p:cSld>
+  <p:clrMapOvr>
+    <a:masterClrMapping/>
+  </p:clrMapOvr>
+</p:sld>
+</file>
+
+<file path=ppt/slides/slide141.xml><?xml version="1.0" encoding="utf-8"?>
+<p:sld xmlns:a="http://schemas.openxmlformats.org/drawingml/2006/main" xmlns:r="http://schemas.openxmlformats.org/officeDocument/2006/relationships" xmlns:p="http://schemas.openxmlformats.org/presentationml/2006/main">
+  <p:cSld>
+    <p:spTree>
+      <p:nvGrpSpPr>
+        <p:cNvPr id="1" name=""/>
+        <p:cNvGrpSpPr/>
+        <p:nvPr/>
+      </p:nvGrpSpPr>
+      <p:grpSpPr/>
+      <p:sp>
+        <p:nvSpPr>
+          <p:cNvPr id="2" name="内容占位符 1"/>
+          <p:cNvSpPr>
+            <a:spLocks noGrp="1"/>
+          </p:cNvSpPr>
+          <p:nvPr>
+            <p:ph idx="1"/>
+          </p:nvPr>
+        </p:nvSpPr>
+        <p:spPr/>
+        <p:txBody>
+          <a:bodyPr/>
+          <a:p>
+            <a:r>
+              <a:rPr lang="zh-CN" altLang="en-US">
+                <a:sym typeface="+mn-ea"/>
+              </a:rPr>
+              <a:t>在左边管理框中点击</a:t>
+            </a:r>
+            <a:r>
+              <a:rPr lang="zh-CN" altLang="en-US">
+                <a:sym typeface="+mn-ea"/>
+              </a:rPr>
+              <a:t>设置</a:t>
+            </a:r>
+            <a:endParaRPr lang="zh-CN" altLang="en-US">
+              <a:sym typeface="+mn-ea"/>
+            </a:endParaRPr>
+          </a:p>
+          <a:p>
+            <a:r>
+              <a:rPr lang="zh-CN" altLang="en-US">
+                <a:sym typeface="+mn-ea"/>
+              </a:rPr>
+              <a:t>在搜索框中</a:t>
+            </a:r>
+            <a:r>
+              <a:rPr lang="zh-CN" altLang="en-US">
+                <a:sym typeface="+mn-ea"/>
+              </a:rPr>
+              <a:t>输入Code-runner: Run In Terminal</a:t>
+            </a:r>
+            <a:endParaRPr lang="zh-CN" altLang="en-US"/>
+          </a:p>
+          <a:p>
+            <a:r>
+              <a:rPr lang="zh-CN" altLang="en-US">
+                <a:sym typeface="+mn-ea"/>
+              </a:rPr>
+              <a:t>勾选Whether to run code in Integrated Terminal</a:t>
+            </a:r>
+            <a:endParaRPr lang="zh-CN" altLang="en-US">
+              <a:sym typeface="+mn-ea"/>
+            </a:endParaRPr>
+          </a:p>
+          <a:p>
+            <a:r>
+              <a:rPr lang="zh-CN" altLang="en-US">
+                <a:sym typeface="+mn-ea"/>
+              </a:rPr>
+              <a:t>此后便可在集成环境的终端环境</a:t>
+            </a:r>
+            <a:r>
+              <a:rPr lang="zh-CN" altLang="en-US">
+                <a:sym typeface="+mn-ea"/>
+              </a:rPr>
+              <a:t>下调试运行</a:t>
+            </a:r>
+            <a:r>
+              <a:rPr lang="zh-CN" altLang="en-US">
+                <a:sym typeface="+mn-ea"/>
+              </a:rPr>
+              <a:t>程序</a:t>
+            </a:r>
+            <a:endParaRPr lang="zh-CN" altLang="en-US">
+              <a:sym typeface="+mn-ea"/>
+            </a:endParaRPr>
+          </a:p>
+        </p:txBody>
+      </p:sp>
+      <p:sp>
+        <p:nvSpPr>
+          <p:cNvPr id="3" name="标题 2"/>
+          <p:cNvSpPr>
+            <a:spLocks noGrp="1"/>
+          </p:cNvSpPr>
+          <p:nvPr>
+            <p:ph type="title"/>
+          </p:nvPr>
+        </p:nvSpPr>
+        <p:spPr/>
+        <p:txBody>
+          <a:bodyPr/>
+          <a:p>
+            <a:r>
+              <a:rPr lang="en-US" altLang="zh-CN">
+                <a:sym typeface="+mn-ea"/>
+              </a:rPr>
+              <a:t>1.14 </a:t>
+            </a:r>
+            <a:r>
+              <a:rPr lang="zh-CN" altLang="en-US">
+                <a:sym typeface="+mn-ea"/>
+              </a:rPr>
+              <a:t>安装</a:t>
+            </a:r>
+            <a:r>
+              <a:rPr lang="en-US" altLang="zh-CN">
+                <a:sym typeface="+mn-ea"/>
+              </a:rPr>
+              <a:t>Code Runner</a:t>
+            </a:r>
+            <a:endParaRPr lang="zh-CN" altLang="en-US"/>
+          </a:p>
+        </p:txBody>
+      </p:sp>
+    </p:spTree>
+  </p:cSld>
+  <p:clrMapOvr>
+    <a:masterClrMapping/>
+  </p:clrMapOvr>
+</p:sld>
+</file>
+
+<file path=ppt/slides/slide142.xml><?xml version="1.0" encoding="utf-8"?>
+<p:sld xmlns:a="http://schemas.openxmlformats.org/drawingml/2006/main" xmlns:r="http://schemas.openxmlformats.org/officeDocument/2006/relationships" xmlns:p="http://schemas.openxmlformats.org/presentationml/2006/main">
+  <p:cSld>
+    <p:spTree>
+      <p:nvGrpSpPr>
+        <p:cNvPr id="1" name=""/>
+        <p:cNvGrpSpPr/>
+        <p:nvPr/>
+      </p:nvGrpSpPr>
+      <p:grpSpPr/>
+      <p:sp>
+        <p:nvSpPr>
+          <p:cNvPr id="2" name="内容占位符 1"/>
+          <p:cNvSpPr>
+            <a:spLocks noGrp="1"/>
+          </p:cNvSpPr>
+          <p:nvPr>
+            <p:ph idx="1"/>
+          </p:nvPr>
+        </p:nvSpPr>
+        <p:spPr>
+          <a:xfrm>
+            <a:off x="871855" y="2675255"/>
+            <a:ext cx="7408545" cy="606425"/>
+          </a:xfrm>
+        </p:spPr>
+        <p:txBody>
+          <a:bodyPr/>
+          <a:p>
+            <a:r>
+              <a:rPr lang="zh-CN" altLang="en-US">
+                <a:sym typeface="+mn-ea"/>
+              </a:rPr>
+              <a:t>打开设置，查找</a:t>
+            </a:r>
+            <a:r>
+              <a:rPr lang="en-US" altLang="zh-CN">
+                <a:sym typeface="+mn-ea"/>
+              </a:rPr>
+              <a:t>Code-runner: Executor Map</a:t>
+            </a:r>
+            <a:endParaRPr lang="zh-CN" altLang="en-US"/>
+          </a:p>
+        </p:txBody>
+      </p:sp>
+      <p:sp>
+        <p:nvSpPr>
+          <p:cNvPr id="3" name="标题 2"/>
+          <p:cNvSpPr>
+            <a:spLocks noGrp="1"/>
+          </p:cNvSpPr>
+          <p:nvPr>
+            <p:ph type="title"/>
+          </p:nvPr>
+        </p:nvSpPr>
+        <p:spPr/>
+        <p:txBody>
+          <a:bodyPr/>
+          <a:p>
+            <a:r>
+              <a:rPr lang="en-US" altLang="zh-CN">
+                <a:sym typeface="+mn-ea"/>
+              </a:rPr>
+              <a:t>1.14 </a:t>
+            </a:r>
+            <a:r>
+              <a:rPr lang="zh-CN" altLang="en-US">
+                <a:sym typeface="+mn-ea"/>
+              </a:rPr>
+              <a:t>安装</a:t>
+            </a:r>
+            <a:r>
+              <a:rPr lang="en-US" altLang="zh-CN">
+                <a:sym typeface="+mn-ea"/>
+              </a:rPr>
+              <a:t>Code Runner</a:t>
+            </a:r>
+            <a:endParaRPr lang="zh-CN" altLang="en-US"/>
+          </a:p>
+        </p:txBody>
+      </p:sp>
+      <p:pic>
+        <p:nvPicPr>
+          <p:cNvPr id="4" name="图片 3" descr="K{[M@89D]UCUH5S]RV)MOA9"/>
+          <p:cNvPicPr>
+            <a:picLocks noChangeAspect="1"/>
+          </p:cNvPicPr>
+          <p:nvPr>
+            <p:custDataLst>
+              <p:tags r:id="rId1"/>
+            </p:custDataLst>
+          </p:nvPr>
+        </p:nvPicPr>
+        <p:blipFill>
+          <a:blip r:embed="rId2"/>
+          <a:stretch>
+            <a:fillRect/>
+          </a:stretch>
+        </p:blipFill>
+        <p:spPr>
+          <a:xfrm>
+            <a:off x="1487805" y="3429000"/>
+            <a:ext cx="5267325" cy="2143125"/>
+          </a:xfrm>
+          <a:prstGeom prst="rect">
+            <a:avLst/>
+          </a:prstGeom>
+        </p:spPr>
+      </p:pic>
+    </p:spTree>
+  </p:cSld>
+  <p:clrMapOvr>
+    <a:masterClrMapping/>
+  </p:clrMapOvr>
+</p:sld>
+</file>
+
+<file path=ppt/slides/slide143.xml><?xml version="1.0" encoding="utf-8"?>
+<p:sld xmlns:a="http://schemas.openxmlformats.org/drawingml/2006/main" xmlns:r="http://schemas.openxmlformats.org/officeDocument/2006/relationships" xmlns:p="http://schemas.openxmlformats.org/presentationml/2006/main">
+  <p:cSld>
+    <p:spTree>
+      <p:nvGrpSpPr>
+        <p:cNvPr id="1" name=""/>
+        <p:cNvGrpSpPr/>
+        <p:nvPr/>
+      </p:nvGrpSpPr>
+      <p:grpSpPr/>
+      <p:sp>
+        <p:nvSpPr>
+          <p:cNvPr id="2" name="内容占位符 1"/>
+          <p:cNvSpPr>
+            <a:spLocks noGrp="1"/>
+          </p:cNvSpPr>
+          <p:nvPr>
+            <p:ph idx="1"/>
+          </p:nvPr>
+        </p:nvSpPr>
+        <p:spPr/>
+        <p:txBody>
+          <a:bodyPr/>
+          <a:p>
+            <a:r>
+              <a:rPr lang="zh-CN" altLang="en-US">
+                <a:sym typeface="+mn-ea"/>
+              </a:rPr>
+              <a:t>在</a:t>
+            </a:r>
+            <a:r>
+              <a:rPr lang="en-US" altLang="zh-CN">
+                <a:sym typeface="+mn-ea"/>
+              </a:rPr>
+              <a:t>settings.json</a:t>
+            </a:r>
+            <a:r>
+              <a:rPr lang="zh-CN" altLang="en-US">
+                <a:sym typeface="+mn-ea"/>
+              </a:rPr>
+              <a:t>中编辑</a:t>
+            </a:r>
+            <a:endParaRPr lang="zh-CN" altLang="en-US"/>
+          </a:p>
+          <a:p>
+            <a:r>
+              <a:rPr lang="zh-CN" altLang="en-US">
+                <a:sym typeface="+mn-ea"/>
+              </a:rPr>
+              <a:t>找到有</a:t>
+            </a:r>
+            <a:r>
+              <a:rPr lang="en-US" altLang="zh-CN">
+                <a:sym typeface="+mn-ea"/>
+              </a:rPr>
+              <a:t>cpp</a:t>
+            </a:r>
+            <a:r>
+              <a:rPr lang="zh-CN" altLang="en-US">
+                <a:sym typeface="+mn-ea"/>
+              </a:rPr>
+              <a:t>那一行，修改</a:t>
+            </a:r>
+            <a:r>
+              <a:rPr lang="zh-CN" altLang="en-US">
+                <a:sym typeface="+mn-ea"/>
+              </a:rPr>
+              <a:t>需如下：</a:t>
+            </a:r>
+            <a:endParaRPr lang="zh-CN" altLang="en-US">
+              <a:sym typeface="+mn-ea"/>
+            </a:endParaRPr>
+          </a:p>
+          <a:p>
+            <a:r>
+              <a:rPr lang="zh-CN" altLang="en-US">
+                <a:sym typeface="+mn-ea"/>
+              </a:rPr>
+              <a:t>"cpp": "cd $dir &amp;&amp; g++ </a:t>
+            </a:r>
+            <a:r>
+              <a:rPr lang="zh-CN" altLang="en-US" b="1">
+                <a:sym typeface="+mn-ea"/>
+              </a:rPr>
+              <a:t>-std=c++20 -Mmodules</a:t>
+            </a:r>
+            <a:r>
+              <a:rPr lang="zh-CN" altLang="en-US">
+                <a:sym typeface="+mn-ea"/>
+              </a:rPr>
+              <a:t> $fileName </a:t>
+            </a:r>
+            <a:r>
+              <a:rPr lang="zh-CN" altLang="en-US" b="1">
+                <a:sym typeface="+mn-ea"/>
+              </a:rPr>
+              <a:t>-I \"D:\\vcpkg\\installed\\x64-windows\\include\"</a:t>
+            </a:r>
+            <a:r>
+              <a:rPr lang="zh-CN" altLang="en-US">
+                <a:sym typeface="+mn-ea"/>
+              </a:rPr>
+              <a:t> -o $fileNameWithoutExt &amp;&amp; $dir$fileNameWithoutExt",</a:t>
+            </a:r>
+            <a:endParaRPr lang="zh-CN" altLang="en-US">
+              <a:sym typeface="+mn-ea"/>
+            </a:endParaRPr>
+          </a:p>
+          <a:p>
+            <a:r>
+              <a:rPr lang="zh-CN" altLang="en-US">
+                <a:sym typeface="+mn-ea"/>
+              </a:rPr>
+              <a:t>此时</a:t>
+            </a:r>
+            <a:r>
+              <a:rPr lang="en-US" altLang="zh-CN">
+                <a:sym typeface="+mn-ea"/>
+              </a:rPr>
+              <a:t>VSCode</a:t>
+            </a:r>
+            <a:r>
+              <a:rPr lang="zh-CN" altLang="en-US">
+                <a:sym typeface="+mn-ea"/>
+              </a:rPr>
+              <a:t>可支持</a:t>
+            </a:r>
+            <a:r>
+              <a:rPr lang="en-US" altLang="zh-CN">
+                <a:sym typeface="+mn-ea"/>
+              </a:rPr>
+              <a:t>C++20</a:t>
+            </a:r>
+            <a:r>
+              <a:rPr lang="zh-CN" altLang="en-US">
+                <a:sym typeface="+mn-ea"/>
+              </a:rPr>
+              <a:t>和</a:t>
+            </a:r>
+            <a:r>
+              <a:rPr lang="en-US" altLang="zh-CN">
+                <a:sym typeface="+mn-ea"/>
+              </a:rPr>
+              <a:t>vcpkg</a:t>
+            </a:r>
+            <a:r>
+              <a:rPr lang="zh-CN" altLang="en-US">
+                <a:sym typeface="+mn-ea"/>
+              </a:rPr>
+              <a:t>安装的</a:t>
+            </a:r>
+            <a:r>
+              <a:rPr lang="zh-CN" altLang="en-US">
+                <a:sym typeface="+mn-ea"/>
+              </a:rPr>
+              <a:t>包</a:t>
+            </a:r>
+            <a:endParaRPr lang="zh-CN" altLang="en-US">
+              <a:sym typeface="+mn-ea"/>
+            </a:endParaRPr>
+          </a:p>
+        </p:txBody>
+      </p:sp>
+      <p:sp>
+        <p:nvSpPr>
+          <p:cNvPr id="3" name="标题 2"/>
+          <p:cNvSpPr>
+            <a:spLocks noGrp="1"/>
+          </p:cNvSpPr>
+          <p:nvPr>
+            <p:ph type="title"/>
+          </p:nvPr>
+        </p:nvSpPr>
+        <p:spPr/>
+        <p:txBody>
+          <a:bodyPr/>
+          <a:p>
+            <a:r>
+              <a:rPr lang="en-US" altLang="zh-CN">
+                <a:sym typeface="+mn-ea"/>
+              </a:rPr>
+              <a:t>1.14 </a:t>
+            </a:r>
+            <a:r>
+              <a:rPr lang="zh-CN" altLang="en-US">
+                <a:sym typeface="+mn-ea"/>
+              </a:rPr>
+              <a:t>安装</a:t>
+            </a:r>
+            <a:r>
+              <a:rPr lang="en-US" altLang="zh-CN">
+                <a:sym typeface="+mn-ea"/>
+              </a:rPr>
+              <a:t>Code Runner</a:t>
+            </a:r>
+            <a:endParaRPr lang="zh-CN" altLang="en-US"/>
+          </a:p>
+        </p:txBody>
+      </p:sp>
+    </p:spTree>
+  </p:cSld>
+  <p:clrMapOvr>
+    <a:masterClrMapping/>
+  </p:clrMapOvr>
+</p:sld>
+</file>
+
+<file path=ppt/slides/slide144.xml><?xml version="1.0" encoding="utf-8"?>
+<p:sld xmlns:a="http://schemas.openxmlformats.org/drawingml/2006/main" xmlns:r="http://schemas.openxmlformats.org/officeDocument/2006/relationships" xmlns:p="http://schemas.openxmlformats.org/presentationml/2006/main">
+  <p:cSld>
+    <p:spTree>
+      <p:nvGrpSpPr>
+        <p:cNvPr id="1" name=""/>
+        <p:cNvGrpSpPr/>
+        <p:nvPr/>
+      </p:nvGrpSpPr>
+      <p:grpSpPr/>
+      <p:sp>
+        <p:nvSpPr>
+          <p:cNvPr id="2" name="内容占位符 1"/>
+          <p:cNvSpPr>
+            <a:spLocks noGrp="1"/>
+          </p:cNvSpPr>
+          <p:nvPr>
+            <p:ph idx="1"/>
+          </p:nvPr>
+        </p:nvSpPr>
+        <p:spPr/>
+        <p:txBody>
+          <a:bodyPr>
+            <a:normAutofit fontScale="70000"/>
+          </a:bodyPr>
+          <a:p>
+            <a:r>
+              <a:rPr lang="en-US" altLang="zh-CN"/>
+              <a:t>#include&lt;iostream&gt;</a:t>
+            </a:r>
+            <a:endParaRPr lang="en-US" altLang="zh-CN"/>
+          </a:p>
+          <a:p>
+            <a:r>
+              <a:rPr lang="en-US" altLang="zh-CN"/>
+              <a:t>#include&lt;boost/format.hpp&gt;</a:t>
+            </a:r>
+            <a:endParaRPr lang="en-US" altLang="zh-CN"/>
+          </a:p>
+          <a:p>
+            <a:r>
+              <a:rPr lang="en-US" altLang="zh-CN"/>
+              <a:t>using namespace std;</a:t>
+            </a:r>
+            <a:endParaRPr lang="en-US" altLang="zh-CN"/>
+          </a:p>
+          <a:p>
+            <a:r>
+              <a:rPr lang="en-US" altLang="zh-CN"/>
+              <a:t>int main()</a:t>
+            </a:r>
+            <a:endParaRPr lang="en-US" altLang="zh-CN"/>
+          </a:p>
+          <a:p>
+            <a:r>
+              <a:rPr lang="en-US" altLang="zh-CN"/>
+              <a:t>{</a:t>
+            </a:r>
+            <a:endParaRPr lang="en-US" altLang="zh-CN"/>
+          </a:p>
+          <a:p>
+            <a:r>
+              <a:rPr lang="en-US" altLang="zh-CN"/>
+              <a:t>    //目前编译器暂不支持C++20的format，这里使用boost::format</a:t>
+            </a:r>
+            <a:endParaRPr lang="en-US" altLang="zh-CN"/>
+          </a:p>
+          <a:p>
+            <a:r>
+              <a:rPr lang="en-US" altLang="zh-CN"/>
+              <a:t>    cout&lt;&lt;boost::format("There are %d ways I love you.") % 214&lt;&lt;endl;</a:t>
+            </a:r>
+            <a:endParaRPr lang="en-US" altLang="zh-CN"/>
+          </a:p>
+          <a:p>
+            <a:endParaRPr lang="en-US" altLang="zh-CN"/>
+          </a:p>
+          <a:p>
+            <a:r>
+              <a:rPr lang="en-US" altLang="zh-CN"/>
+              <a:t>    return 0;</a:t>
+            </a:r>
+            <a:endParaRPr lang="en-US" altLang="zh-CN"/>
+          </a:p>
+          <a:p>
+            <a:r>
+              <a:rPr lang="en-US" altLang="zh-CN"/>
+              <a:t>}</a:t>
+            </a:r>
+            <a:endParaRPr lang="en-US" altLang="zh-CN"/>
+          </a:p>
+        </p:txBody>
+      </p:sp>
+      <p:sp>
+        <p:nvSpPr>
+          <p:cNvPr id="3" name="标题 2"/>
+          <p:cNvSpPr>
+            <a:spLocks noGrp="1"/>
+          </p:cNvSpPr>
+          <p:nvPr>
+            <p:ph type="title"/>
+          </p:nvPr>
+        </p:nvSpPr>
+        <p:spPr/>
+        <p:txBody>
+          <a:bodyPr/>
+          <a:p>
+            <a:r>
+              <a:rPr lang="en-US" altLang="zh-CN">
+                <a:sym typeface="+mn-ea"/>
+              </a:rPr>
+              <a:t>1.14 </a:t>
+            </a:r>
+            <a:r>
+              <a:rPr lang="zh-CN" altLang="en-US">
+                <a:sym typeface="+mn-ea"/>
+              </a:rPr>
+              <a:t>安装</a:t>
+            </a:r>
+            <a:r>
+              <a:rPr lang="en-US" altLang="zh-CN">
+                <a:sym typeface="+mn-ea"/>
+              </a:rPr>
+              <a:t>Code Runner</a:t>
+            </a:r>
+            <a:endParaRPr lang="zh-CN" altLang="en-US"/>
+          </a:p>
+        </p:txBody>
+      </p:sp>
+    </p:spTree>
+  </p:cSld>
+  <p:clrMapOvr>
+    <a:masterClrMapping/>
+  </p:clrMapOvr>
+</p:sld>
+</file>
+
+<file path=ppt/slides/slide145.xml><?xml version="1.0" encoding="utf-8"?>
+<p:sld xmlns:a="http://schemas.openxmlformats.org/drawingml/2006/main" xmlns:r="http://schemas.openxmlformats.org/officeDocument/2006/relationships" xmlns:p="http://schemas.openxmlformats.org/presentationml/2006/main">
+  <p:cSld>
+    <p:spTree>
+      <p:nvGrpSpPr>
+        <p:cNvPr id="1" name=""/>
+        <p:cNvGrpSpPr/>
+        <p:nvPr/>
+      </p:nvGrpSpPr>
+      <p:grpSpPr/>
+      <p:sp>
+        <p:nvSpPr>
+          <p:cNvPr id="2" name="内容占位符 1"/>
+          <p:cNvSpPr>
+            <a:spLocks noGrp="1"/>
+          </p:cNvSpPr>
+          <p:nvPr>
+            <p:ph idx="1"/>
+          </p:nvPr>
+        </p:nvSpPr>
+        <p:spPr/>
+        <p:txBody>
+          <a:bodyPr>
+            <a:normAutofit fontScale="80000"/>
+          </a:bodyPr>
+          <a:p>
+            <a:r>
+              <a:rPr lang="zh-CN" altLang="en-US"/>
+              <a:t>点击右上角的</a:t>
+            </a:r>
+            <a:r>
+              <a:rPr lang="en-US" altLang="zh-CN"/>
+              <a:t>Code Runner</a:t>
+            </a:r>
+            <a:r>
+              <a:rPr lang="zh-CN" altLang="en-US"/>
+              <a:t>执行按钮（一个三角形的</a:t>
+            </a:r>
+            <a:r>
+              <a:rPr lang="zh-CN" altLang="en-US"/>
+              <a:t>按钮）</a:t>
+            </a:r>
+            <a:endParaRPr lang="zh-CN" altLang="en-US"/>
+          </a:p>
+          <a:p>
+            <a:r>
+              <a:rPr lang="zh-CN" altLang="en-US"/>
+              <a:t>即可在</a:t>
+            </a:r>
+            <a:r>
+              <a:rPr lang="zh-CN" altLang="en-US"/>
+              <a:t>终端运行</a:t>
+            </a:r>
+            <a:r>
+              <a:rPr lang="zh-CN" altLang="en-US"/>
+              <a:t>程序</a:t>
+            </a:r>
+            <a:endParaRPr lang="zh-CN" altLang="en-US"/>
+          </a:p>
+          <a:p>
+            <a:r>
+              <a:rPr lang="zh-CN" altLang="en-US"/>
+              <a:t>运行结果为</a:t>
+            </a:r>
+            <a:endParaRPr lang="zh-CN" altLang="en-US"/>
+          </a:p>
+          <a:p>
+            <a:r>
+              <a:rPr lang="en-US" altLang="zh-CN"/>
+              <a:t>PS D:\yjcpp218&gt; cd "d:\yjcpp218\cpp20\" ; if ($?) { g++ -std=c++20 -Mmodules fmtTest.cpp -I "D:\vcpkg\installed\x64-windows\include" -o fmtTest } ; if ($?) { .\fmtTest }</a:t>
+            </a:r>
+            <a:endParaRPr lang="en-US" altLang="zh-CN"/>
+          </a:p>
+          <a:p>
+            <a:r>
+              <a:rPr lang="en-US" altLang="zh-CN">
+                <a:sym typeface="+mn-ea"/>
+              </a:rPr>
+              <a:t>There are 214 ways I love you.</a:t>
+            </a:r>
+            <a:endParaRPr lang="en-US" altLang="zh-CN">
+              <a:sym typeface="+mn-ea"/>
+            </a:endParaRPr>
+          </a:p>
+          <a:p>
+            <a:r>
+              <a:rPr lang="en-US" altLang="zh-CN"/>
+              <a:t>PS D:\yjcpp218&gt; </a:t>
+            </a:r>
+            <a:endParaRPr lang="en-US" altLang="zh-CN"/>
+          </a:p>
+        </p:txBody>
+      </p:sp>
+      <p:sp>
+        <p:nvSpPr>
+          <p:cNvPr id="3" name="标题 2"/>
+          <p:cNvSpPr>
+            <a:spLocks noGrp="1"/>
+          </p:cNvSpPr>
+          <p:nvPr>
+            <p:ph type="title"/>
+          </p:nvPr>
+        </p:nvSpPr>
+        <p:spPr/>
+        <p:txBody>
+          <a:bodyPr/>
+          <a:p>
+            <a:r>
+              <a:rPr lang="en-US" altLang="zh-CN">
+                <a:sym typeface="+mn-ea"/>
+              </a:rPr>
+              <a:t>1.14 </a:t>
+            </a:r>
+            <a:r>
+              <a:rPr lang="zh-CN" altLang="en-US">
+                <a:sym typeface="+mn-ea"/>
+              </a:rPr>
+              <a:t>安装</a:t>
+            </a:r>
+            <a:r>
+              <a:rPr lang="en-US" altLang="zh-CN">
+                <a:sym typeface="+mn-ea"/>
+              </a:rPr>
+              <a:t>Code Runner</a:t>
+            </a:r>
+            <a:endParaRPr lang="zh-CN" altLang="en-US"/>
+          </a:p>
+        </p:txBody>
+      </p:sp>
+    </p:spTree>
+  </p:cSld>
+  <p:clrMapOvr>
+    <a:masterClrMapping/>
+  </p:clrMapOvr>
+</p:sld>
+</file>
+
+<file path=ppt/slides/slide146.xml><?xml version="1.0" encoding="utf-8"?>
+<p:sld xmlns:a="http://schemas.openxmlformats.org/drawingml/2006/main" xmlns:r="http://schemas.openxmlformats.org/officeDocument/2006/relationships" xmlns:p="http://schemas.openxmlformats.org/presentationml/2006/main">
+  <p:cSld>
+    <p:spTree>
+      <p:nvGrpSpPr>
+        <p:cNvPr id="1" name=""/>
+        <p:cNvGrpSpPr/>
+        <p:nvPr/>
+      </p:nvGrpSpPr>
+      <p:grpSpPr/>
+      <p:sp>
+        <p:nvSpPr>
+          <p:cNvPr id="2" name="内容占位符 1"/>
+          <p:cNvSpPr>
+            <a:spLocks noGrp="1"/>
+          </p:cNvSpPr>
+          <p:nvPr>
+            <p:ph idx="1"/>
+          </p:nvPr>
+        </p:nvSpPr>
+        <p:spPr/>
+        <p:txBody>
+          <a:bodyPr>
+            <a:normAutofit fontScale="80000"/>
+          </a:bodyPr>
+          <a:p>
+            <a:r>
+              <a:rPr lang="zh-CN" altLang="en-US">
+                <a:sym typeface="+mn-ea"/>
+              </a:rPr>
+              <a:t>如果大家之前安装过VSCode，然后只是简单卸载的话，再次安装之后，是还出现之前的配置信息，包括打开的文件夹、安装过的扩展等，这是因为之前并没有完全将VSCode卸载干净。如果想干净卸载掉VSCode再重新安装的话，就需要在卸载之后再删除掉两个目录的内容。分别是：</a:t>
+            </a:r>
+            <a:endParaRPr lang="zh-CN" altLang="en-US"/>
+          </a:p>
+          <a:p>
+            <a:r>
+              <a:rPr lang="zh-CN" altLang="en-US">
+                <a:sym typeface="+mn-ea"/>
+              </a:rPr>
+              <a:t>C:\Users\$用户名\.vscode</a:t>
+            </a:r>
+            <a:endParaRPr lang="zh-CN" altLang="en-US"/>
+          </a:p>
+          <a:p>
+            <a:r>
+              <a:rPr lang="zh-CN" altLang="en-US">
+                <a:sym typeface="+mn-ea"/>
+              </a:rPr>
+              <a:t>C:\Users\$用户名\AppData\Roaming\Code【注】这里的“$用户名”根据自己的用户名而定。</a:t>
+            </a:r>
+            <a:endParaRPr lang="zh-CN" altLang="en-US"/>
+          </a:p>
+          <a:p>
+            <a:r>
+              <a:rPr lang="zh-CN" altLang="en-US">
+                <a:sym typeface="+mn-ea"/>
+              </a:rPr>
+              <a:t>删除掉这两个目录的内容之后，如果再安装VSCode的话，就相当于是全新安装了，即不会出现之前的相关配置信息了。</a:t>
+            </a:r>
+            <a:endParaRPr lang="zh-CN" altLang="en-US"/>
+          </a:p>
+        </p:txBody>
+      </p:sp>
+      <p:sp>
+        <p:nvSpPr>
+          <p:cNvPr id="3" name="标题 2"/>
+          <p:cNvSpPr>
+            <a:spLocks noGrp="1"/>
+          </p:cNvSpPr>
+          <p:nvPr>
+            <p:ph type="title"/>
+          </p:nvPr>
+        </p:nvSpPr>
+        <p:spPr/>
+        <p:txBody>
+          <a:bodyPr/>
+          <a:p>
+            <a:r>
+              <a:rPr lang="en-US" altLang="zh-CN"/>
+              <a:t>1.15 </a:t>
+            </a:r>
+            <a:r>
+              <a:rPr lang="zh-CN" altLang="en-US">
+                <a:ea typeface="宋体" panose="02010600030101010101" pitchFamily="2" charset="-122"/>
+              </a:rPr>
+              <a:t>关于</a:t>
+            </a:r>
+            <a:r>
+              <a:rPr lang="en-US" altLang="zh-CN">
+                <a:ea typeface="宋体" panose="02010600030101010101" pitchFamily="2" charset="-122"/>
+              </a:rPr>
+              <a:t>VSCode</a:t>
+            </a:r>
+            <a:r>
+              <a:rPr lang="zh-CN" altLang="en-US">
+                <a:ea typeface="宋体" panose="02010600030101010101" pitchFamily="2" charset="-122"/>
+              </a:rPr>
+              <a:t>几点问题</a:t>
+            </a:r>
+            <a:endParaRPr lang="zh-CN" altLang="en-US">
+              <a:ea typeface="宋体" panose="02010600030101010101" pitchFamily="2" charset="-122"/>
+            </a:endParaRPr>
+          </a:p>
+        </p:txBody>
+      </p:sp>
+    </p:spTree>
+  </p:cSld>
+  <p:clrMapOvr>
+    <a:masterClrMapping/>
+  </p:clrMapOvr>
+</p:sld>
+</file>
+
+<file path=ppt/slides/slide147.xml><?xml version="1.0" encoding="utf-8"?>
+<p:sld xmlns:a="http://schemas.openxmlformats.org/drawingml/2006/main" xmlns:r="http://schemas.openxmlformats.org/officeDocument/2006/relationships" xmlns:p="http://schemas.openxmlformats.org/presentationml/2006/main">
+  <p:cSld>
+    <p:spTree>
+      <p:nvGrpSpPr>
+        <p:cNvPr id="1" name=""/>
+        <p:cNvGrpSpPr/>
+        <p:nvPr/>
+      </p:nvGrpSpPr>
+      <p:grpSpPr/>
+      <p:sp>
+        <p:nvSpPr>
+          <p:cNvPr id="2" name="内容占位符 1"/>
+          <p:cNvSpPr>
+            <a:spLocks noGrp="1"/>
+          </p:cNvSpPr>
+          <p:nvPr>
+            <p:ph idx="1"/>
+          </p:nvPr>
+        </p:nvSpPr>
+        <p:spPr/>
+        <p:txBody>
+          <a:bodyPr/>
+          <a:p>
+            <a:r>
+              <a:rPr lang="zh-CN" altLang="en-US">
+                <a:sym typeface="+mn-ea"/>
+              </a:rPr>
+              <a:t>打开C:\Users\Administrator\AppData\Roaming\Microsoft\Internet Explorer\Quick Launch\User Pinned\TaskBar\Tombstones文件夹，将里面</a:t>
+            </a:r>
+            <a:r>
+              <a:rPr lang="en-US" altLang="zh-CN">
+                <a:sym typeface="+mn-ea"/>
+              </a:rPr>
+              <a:t>VSCode</a:t>
+            </a:r>
+            <a:r>
+              <a:rPr lang="zh-CN" altLang="en-US">
+                <a:sym typeface="+mn-ea"/>
+              </a:rPr>
+              <a:t>快捷方式删除，如果有</a:t>
+            </a:r>
+            <a:endParaRPr lang="zh-CN" altLang="en-US"/>
+          </a:p>
+        </p:txBody>
+      </p:sp>
+      <p:sp>
+        <p:nvSpPr>
+          <p:cNvPr id="3" name="标题 2"/>
+          <p:cNvSpPr>
+            <a:spLocks noGrp="1"/>
+          </p:cNvSpPr>
+          <p:nvPr>
+            <p:ph type="title"/>
+          </p:nvPr>
+        </p:nvSpPr>
+        <p:spPr/>
+        <p:txBody>
+          <a:bodyPr/>
+          <a:p>
+            <a:r>
+              <a:rPr lang="en-US" altLang="zh-CN">
+                <a:sym typeface="+mn-ea"/>
+              </a:rPr>
+              <a:t>1.15 </a:t>
+            </a:r>
+            <a:r>
+              <a:rPr lang="zh-CN" altLang="en-US">
+                <a:ea typeface="宋体" panose="02010600030101010101" pitchFamily="2" charset="-122"/>
+                <a:sym typeface="+mn-ea"/>
+              </a:rPr>
+              <a:t>关于</a:t>
+            </a:r>
+            <a:r>
+              <a:rPr lang="en-US" altLang="zh-CN">
+                <a:ea typeface="宋体" panose="02010600030101010101" pitchFamily="2" charset="-122"/>
+                <a:sym typeface="+mn-ea"/>
+              </a:rPr>
+              <a:t>VSCode</a:t>
+            </a:r>
+            <a:r>
+              <a:rPr lang="zh-CN" altLang="en-US">
+                <a:ea typeface="宋体" panose="02010600030101010101" pitchFamily="2" charset="-122"/>
+                <a:sym typeface="+mn-ea"/>
+              </a:rPr>
+              <a:t>几点问题</a:t>
+            </a:r>
+            <a:endParaRPr lang="zh-CN" altLang="en-US"/>
+          </a:p>
+        </p:txBody>
+      </p:sp>
+    </p:spTree>
+  </p:cSld>
+  <p:clrMapOvr>
+    <a:masterClrMapping/>
+  </p:clrMapOvr>
+</p:sld>
+</file>
+
+<file path=ppt/slides/slide148.xml><?xml version="1.0" encoding="utf-8"?>
+<p:sld xmlns:a="http://schemas.openxmlformats.org/drawingml/2006/main" xmlns:r="http://schemas.openxmlformats.org/officeDocument/2006/relationships" xmlns:p="http://schemas.openxmlformats.org/presentationml/2006/main">
+  <p:cSld>
+    <p:spTree>
+      <p:nvGrpSpPr>
+        <p:cNvPr id="1" name=""/>
+        <p:cNvGrpSpPr/>
+        <p:nvPr/>
+      </p:nvGrpSpPr>
+      <p:grpSpPr/>
+      <p:sp>
+        <p:nvSpPr>
+          <p:cNvPr id="2" name="内容占位符 1"/>
+          <p:cNvSpPr>
+            <a:spLocks noGrp="1"/>
+          </p:cNvSpPr>
+          <p:nvPr>
+            <p:ph idx="1"/>
+          </p:nvPr>
+        </p:nvSpPr>
+        <p:spPr>
+          <a:xfrm>
+            <a:off x="971550" y="2204720"/>
+            <a:ext cx="7408545" cy="1010920"/>
+          </a:xfrm>
+        </p:spPr>
+        <p:txBody>
+          <a:bodyPr/>
+          <a:p>
+            <a:r>
+              <a:rPr lang="zh-CN" altLang="en-US">
+                <a:sym typeface="+mn-ea"/>
+              </a:rPr>
+              <a:t>打开C:\Users\Administrator\AppData\Local\Microsoft</a:t>
+            </a:r>
+            <a:endParaRPr lang="zh-CN" altLang="en-US"/>
+          </a:p>
+          <a:p>
+            <a:r>
+              <a:rPr lang="zh-CN" altLang="en-US">
+                <a:sym typeface="+mn-ea"/>
+              </a:rPr>
+              <a:t>删除vscode-cpptools文件夹</a:t>
+            </a:r>
+            <a:endParaRPr lang="zh-CN" altLang="en-US"/>
+          </a:p>
+        </p:txBody>
+      </p:sp>
+      <p:sp>
+        <p:nvSpPr>
+          <p:cNvPr id="3" name="标题 2"/>
+          <p:cNvSpPr>
+            <a:spLocks noGrp="1"/>
+          </p:cNvSpPr>
+          <p:nvPr>
+            <p:ph type="title"/>
+          </p:nvPr>
+        </p:nvSpPr>
+        <p:spPr/>
+        <p:txBody>
+          <a:bodyPr/>
+          <a:p>
+            <a:r>
+              <a:rPr lang="en-US" altLang="zh-CN">
+                <a:sym typeface="+mn-ea"/>
+              </a:rPr>
+              <a:t>1.15 </a:t>
+            </a:r>
+            <a:r>
+              <a:rPr lang="zh-CN" altLang="en-US">
+                <a:ea typeface="宋体" panose="02010600030101010101" pitchFamily="2" charset="-122"/>
+                <a:sym typeface="+mn-ea"/>
+              </a:rPr>
+              <a:t>关于</a:t>
+            </a:r>
+            <a:r>
+              <a:rPr lang="en-US" altLang="zh-CN">
+                <a:ea typeface="宋体" panose="02010600030101010101" pitchFamily="2" charset="-122"/>
+                <a:sym typeface="+mn-ea"/>
+              </a:rPr>
+              <a:t>VSCode</a:t>
+            </a:r>
+            <a:r>
+              <a:rPr lang="zh-CN" altLang="en-US">
+                <a:ea typeface="宋体" panose="02010600030101010101" pitchFamily="2" charset="-122"/>
+                <a:sym typeface="+mn-ea"/>
+              </a:rPr>
+              <a:t>几点问题</a:t>
+            </a:r>
+            <a:endParaRPr lang="zh-CN" altLang="en-US"/>
+          </a:p>
+        </p:txBody>
+      </p:sp>
+      <p:pic>
+        <p:nvPicPr>
+          <p:cNvPr id="4" name="图片 3"/>
+          <p:cNvPicPr>
+            <a:picLocks noChangeAspect="1"/>
+          </p:cNvPicPr>
+          <p:nvPr>
+            <p:custDataLst>
+              <p:tags r:id="rId1"/>
+            </p:custDataLst>
+          </p:nvPr>
+        </p:nvPicPr>
+        <p:blipFill>
+          <a:blip r:embed="rId2"/>
+          <a:stretch>
+            <a:fillRect/>
+          </a:stretch>
+        </p:blipFill>
+        <p:spPr>
+          <a:xfrm>
+            <a:off x="1692275" y="3213100"/>
+            <a:ext cx="5422265" cy="3387090"/>
+          </a:xfrm>
+          <a:prstGeom prst="rect">
+            <a:avLst/>
+          </a:prstGeom>
+        </p:spPr>
+      </p:pic>
+    </p:spTree>
+  </p:cSld>
+  <p:clrMapOvr>
+    <a:masterClrMapping/>
+  </p:clrMapOvr>
+</p:sld>
+</file>
+
+<file path=ppt/slides/slide149.xml><?xml version="1.0" encoding="utf-8"?>
+<p:sld xmlns:a="http://schemas.openxmlformats.org/drawingml/2006/main" xmlns:r="http://schemas.openxmlformats.org/officeDocument/2006/relationships" xmlns:p="http://schemas.openxmlformats.org/presentationml/2006/main">
+  <p:cSld>
+    <p:spTree>
+      <p:nvGrpSpPr>
+        <p:cNvPr id="1" name=""/>
+        <p:cNvGrpSpPr/>
+        <p:nvPr/>
+      </p:nvGrpSpPr>
+      <p:grpSpPr/>
+      <p:sp>
+        <p:nvSpPr>
+          <p:cNvPr id="2" name="内容占位符 1"/>
+          <p:cNvSpPr>
+            <a:spLocks noGrp="1"/>
+          </p:cNvSpPr>
+          <p:nvPr>
+            <p:ph idx="1"/>
+          </p:nvPr>
+        </p:nvSpPr>
+        <p:spPr/>
+        <p:txBody>
+          <a:bodyPr/>
+          <a:p>
+            <a:r>
+              <a:rPr lang="zh-CN" altLang="en-US"/>
+              <a:t>重新配置</a:t>
+            </a:r>
+            <a:r>
+              <a:rPr lang="en-US" altLang="zh-CN"/>
+              <a:t>VSCode</a:t>
+            </a:r>
+            <a:r>
+              <a:rPr lang="zh-CN" altLang="en-US"/>
+              <a:t>的话，不用卸载</a:t>
+            </a:r>
+            <a:endParaRPr lang="zh-CN" altLang="en-US"/>
+          </a:p>
+          <a:p>
+            <a:r>
+              <a:rPr lang="zh-CN" altLang="en-US"/>
+              <a:t>只需删除目录</a:t>
+            </a:r>
+            <a:r>
+              <a:rPr lang="en-US" altLang="zh-CN"/>
+              <a:t>.vscode</a:t>
+            </a:r>
+            <a:endParaRPr lang="en-US" altLang="zh-CN"/>
+          </a:p>
+          <a:p>
+            <a:r>
+              <a:rPr lang="zh-CN" altLang="en-US"/>
+              <a:t>删除前面所讲的</a:t>
+            </a:r>
+            <a:r>
+              <a:rPr lang="en-US" altLang="zh-CN"/>
+              <a:t>“</a:t>
+            </a:r>
+            <a:r>
+              <a:rPr lang="zh-CN" altLang="en-US"/>
+              <a:t>用户</a:t>
+            </a:r>
+            <a:r>
+              <a:rPr lang="en-US" altLang="zh-CN"/>
+              <a:t>”</a:t>
+            </a:r>
+            <a:r>
+              <a:rPr lang="zh-CN" altLang="en-US"/>
+              <a:t>目录中的痕迹</a:t>
+            </a:r>
+            <a:endParaRPr lang="zh-CN" altLang="en-US"/>
+          </a:p>
+          <a:p>
+            <a:r>
+              <a:rPr lang="zh-CN" altLang="en-US"/>
+              <a:t>重新配置即可</a:t>
+            </a:r>
+            <a:endParaRPr lang="zh-CN" altLang="en-US"/>
+          </a:p>
+        </p:txBody>
+      </p:sp>
+      <p:sp>
+        <p:nvSpPr>
+          <p:cNvPr id="3" name="标题 2"/>
+          <p:cNvSpPr>
+            <a:spLocks noGrp="1"/>
+          </p:cNvSpPr>
+          <p:nvPr>
+            <p:ph type="title"/>
+          </p:nvPr>
+        </p:nvSpPr>
+        <p:spPr/>
+        <p:txBody>
+          <a:bodyPr/>
+          <a:p>
+            <a:r>
+              <a:rPr lang="en-US" altLang="zh-CN">
+                <a:sym typeface="+mn-ea"/>
+              </a:rPr>
+              <a:t>1.15 </a:t>
+            </a:r>
+            <a:r>
+              <a:rPr lang="zh-CN" altLang="en-US">
+                <a:ea typeface="宋体" panose="02010600030101010101" pitchFamily="2" charset="-122"/>
+                <a:sym typeface="+mn-ea"/>
+              </a:rPr>
+              <a:t>关于</a:t>
+            </a:r>
+            <a:r>
+              <a:rPr lang="en-US" altLang="zh-CN">
+                <a:ea typeface="宋体" panose="02010600030101010101" pitchFamily="2" charset="-122"/>
+                <a:sym typeface="+mn-ea"/>
+              </a:rPr>
+              <a:t>VSCode</a:t>
+            </a:r>
+            <a:r>
+              <a:rPr lang="zh-CN" altLang="en-US">
+                <a:ea typeface="宋体" panose="02010600030101010101" pitchFamily="2" charset="-122"/>
+                <a:sym typeface="+mn-ea"/>
+              </a:rPr>
+              <a:t>几点问题</a:t>
+            </a:r>
+            <a:endParaRPr lang="zh-CN" altLang="en-US"/>
           </a:p>
         </p:txBody>
       </p:sp>
@@ -36439,12 +37828,7 @@
             <p:ph idx="1"/>
           </p:nvPr>
         </p:nvSpPr>
-        <p:spPr>
-          <a:xfrm>
-            <a:off x="871855" y="2675255"/>
-            <a:ext cx="7408545" cy="546100"/>
-          </a:xfrm>
-        </p:spPr>
+        <p:spPr/>
         <p:txBody>
           <a:bodyPr/>
           <a:p>
@@ -36452,13 +37836,80 @@
               <a:rPr lang="zh-CN" altLang="en-US">
                 <a:sym typeface="+mn-ea"/>
               </a:rPr>
-              <a:t>去https://www.msys2.org/网站下载</a:t>
-            </a:r>
-            <a:r>
-              <a:rPr lang="zh-CN" altLang="en-US">
-                <a:sym typeface="+mn-ea"/>
-              </a:rPr>
-              <a:t>mingw-w64</a:t>
+              <a:t>目前支持</a:t>
+            </a:r>
+            <a:r>
+              <a:rPr lang="en-US" altLang="zh-CN">
+                <a:sym typeface="+mn-ea"/>
+              </a:rPr>
+              <a:t>C++20</a:t>
+            </a:r>
+            <a:r>
+              <a:rPr lang="zh-CN" altLang="en-US">
+                <a:sym typeface="+mn-ea"/>
+              </a:rPr>
+              <a:t>还是实验性的，有诸多问题，很多模块不支持，</a:t>
+            </a:r>
+            <a:endParaRPr lang="zh-CN" altLang="en-US"/>
+          </a:p>
+          <a:p>
+            <a:r>
+              <a:rPr lang="zh-CN" altLang="en-US">
+                <a:sym typeface="+mn-ea"/>
+              </a:rPr>
+              <a:t>比如</a:t>
+            </a:r>
+            <a:r>
+              <a:rPr lang="en-US" altLang="zh-CN">
+                <a:sym typeface="+mn-ea"/>
+              </a:rPr>
+              <a:t>format.hpp</a:t>
+            </a:r>
+            <a:r>
+              <a:rPr lang="zh-CN" altLang="en-US">
+                <a:sym typeface="+mn-ea"/>
+              </a:rPr>
+              <a:t>，无法采用</a:t>
+            </a:r>
+            <a:r>
+              <a:rPr lang="en-US" altLang="zh-CN">
+                <a:sym typeface="+mn-ea"/>
+              </a:rPr>
+              <a:t>import</a:t>
+            </a:r>
+            <a:r>
+              <a:rPr lang="zh-CN" altLang="en-US">
+                <a:sym typeface="+mn-ea"/>
+              </a:rPr>
+              <a:t>格式导入</a:t>
+            </a:r>
+            <a:endParaRPr lang="zh-CN" altLang="en-US">
+              <a:sym typeface="+mn-ea"/>
+            </a:endParaRPr>
+          </a:p>
+          <a:p>
+            <a:r>
+              <a:rPr lang="zh-CN" altLang="en-US"/>
+              <a:t>建议暂时不采用</a:t>
+            </a:r>
+            <a:r>
+              <a:rPr lang="en-US" altLang="zh-CN"/>
+              <a:t>import</a:t>
+            </a:r>
+            <a:r>
+              <a:rPr lang="zh-CN" altLang="en-US"/>
+              <a:t>，还是使用</a:t>
+            </a:r>
+            <a:r>
+              <a:rPr lang="en-US" altLang="zh-CN"/>
+              <a:t>#include</a:t>
+            </a:r>
+            <a:endParaRPr lang="en-US" altLang="zh-CN"/>
+          </a:p>
+          <a:p>
+            <a:r>
+              <a:rPr lang="zh-CN" altLang="en-US"/>
+              <a:t>下面举一个例子</a:t>
             </a:r>
             <a:endParaRPr lang="zh-CN" altLang="en-US"/>
           </a:p>
@@ -36479,53 +37930,33 @@
           <a:bodyPr/>
           <a:p>
             <a:r>
-              <a:rPr lang="en-US" altLang="zh-CN"/>
-              <a:t>1.12 </a:t>
-            </a:r>
-            <a:r>
-              <a:rPr lang="zh-CN" altLang="en-US" dirty="0">
-                <a:sym typeface="+mn-ea"/>
-              </a:rPr>
-              <a:t>安装</a:t>
-            </a:r>
-            <a:r>
-              <a:rPr lang="en-US" altLang="zh-CN" dirty="0">
-                <a:sym typeface="+mn-ea"/>
-              </a:rPr>
-              <a:t>mingw</a:t>
-            </a:r>
-            <a:endParaRPr lang="en-US" altLang="zh-CN"/>
+              <a:rPr lang="en-US" altLang="zh-CN">
+                <a:sym typeface="+mn-ea"/>
+              </a:rPr>
+              <a:t>1.11 VS2022</a:t>
+            </a:r>
+            <a:r>
+              <a:rPr lang="zh-CN" altLang="en-US">
+                <a:sym typeface="+mn-ea"/>
+              </a:rPr>
+              <a:t>支持</a:t>
+            </a:r>
+            <a:r>
+              <a:rPr lang="en-US" altLang="zh-CN">
+                <a:sym typeface="+mn-ea"/>
+              </a:rPr>
+              <a:t>c++20</a:t>
+            </a:r>
+            <a:r>
+              <a:rPr lang="zh-CN" altLang="en-US">
+                <a:sym typeface="+mn-ea"/>
+              </a:rPr>
+              <a:t>配置</a:t>
+            </a:r>
+            <a:endParaRPr lang="zh-CN" altLang="en-US"/>
           </a:p>
         </p:txBody>
       </p:sp>
-      <p:pic>
-        <p:nvPicPr>
-          <p:cNvPr id="4" name="图片 3"/>
-          <p:cNvPicPr>
-            <a:picLocks noChangeAspect="1"/>
-          </p:cNvPicPr>
-          <p:nvPr>
-            <p:custDataLst>
-              <p:tags r:id="rId1"/>
-            </p:custDataLst>
-          </p:nvPr>
-        </p:nvPicPr>
-        <p:blipFill>
-          <a:blip r:embed="rId2"/>
-          <a:stretch>
-            <a:fillRect/>
-          </a:stretch>
-        </p:blipFill>
-        <p:spPr>
-          <a:xfrm>
-            <a:off x="1475740" y="3357245"/>
-            <a:ext cx="5172075" cy="2909570"/>
-          </a:xfrm>
-          <a:prstGeom prst="rect">
-            <a:avLst/>
-          </a:prstGeom>
-        </p:spPr>
-      </p:pic>
     </p:spTree>
   </p:cSld>
   <p:clrMapOvr>
@@ -36554,26 +37985,115 @@
             <p:ph idx="1"/>
           </p:nvPr>
         </p:nvSpPr>
-        <p:spPr>
-          <a:xfrm>
-            <a:off x="871855" y="2675255"/>
-            <a:ext cx="7408545" cy="539750"/>
-          </a:xfrm>
-        </p:spPr>
+        <p:spPr/>
         <p:txBody>
           <a:bodyPr/>
           <a:p>
             <a:r>
-              <a:rPr lang="zh-CN" altLang="en-US">
-                <a:sym typeface="+mn-ea"/>
-              </a:rPr>
-              <a:t>在打开的网页中点击</a:t>
-            </a:r>
-            <a:r>
-              <a:rPr lang="en-US" altLang="zh-CN">
-                <a:sym typeface="+mn-ea"/>
-              </a:rPr>
-              <a:t>msys2-x86_64-20230127.exe</a:t>
+              <a:rPr lang="zh-CN" altLang="en-US"/>
+              <a:t>启动</a:t>
+            </a:r>
+            <a:r>
+              <a:rPr lang="en-US" altLang="zh-CN"/>
+              <a:t>fastgithub</a:t>
+            </a:r>
+            <a:endParaRPr lang="en-US" altLang="zh-CN"/>
+          </a:p>
+          <a:p>
+            <a:r>
+              <a:rPr lang="en-US" altLang="zh-CN"/>
+              <a:t>Win+R</a:t>
+            </a:r>
+            <a:r>
+              <a:rPr lang="zh-CN" altLang="en-US"/>
+              <a:t>进入</a:t>
+            </a:r>
+            <a:r>
+              <a:rPr lang="en-US" altLang="zh-CN"/>
+              <a:t>Windows</a:t>
+            </a:r>
+            <a:r>
+              <a:rPr lang="zh-CN" altLang="en-US"/>
+              <a:t>运行模式</a:t>
+            </a:r>
+            <a:endParaRPr lang="zh-CN" altLang="en-US"/>
+          </a:p>
+          <a:p>
+            <a:r>
+              <a:rPr lang="zh-CN" altLang="en-US"/>
+              <a:t>输入</a:t>
+            </a:r>
+            <a:r>
+              <a:rPr lang="en-US" altLang="zh-CN"/>
+              <a:t>cmd</a:t>
+            </a:r>
+            <a:r>
+              <a:rPr lang="zh-CN" altLang="en-US"/>
+              <a:t>命令进入中断模式</a:t>
+            </a:r>
+            <a:endParaRPr lang="zh-CN" altLang="en-US"/>
+          </a:p>
+          <a:p>
+            <a:r>
+              <a:rPr lang="zh-CN" altLang="en-US"/>
+              <a:t>输入</a:t>
+            </a:r>
+            <a:r>
+              <a:rPr lang="en-US" altLang="zh-CN"/>
+              <a:t>  d:   </a:t>
+            </a:r>
+            <a:r>
+              <a:rPr lang="zh-CN" altLang="en-US"/>
+              <a:t>回车</a:t>
+            </a:r>
+            <a:endParaRPr lang="zh-CN" altLang="en-US"/>
+          </a:p>
+          <a:p>
+            <a:r>
+              <a:rPr lang="zh-CN" altLang="en-US"/>
+              <a:t>输入</a:t>
+            </a:r>
+            <a:r>
+              <a:rPr lang="en-US" altLang="zh-CN"/>
+              <a:t>cd vcpkg </a:t>
+            </a:r>
+            <a:r>
+              <a:rPr lang="zh-CN" altLang="en-US"/>
+              <a:t>进入</a:t>
+            </a:r>
+            <a:r>
+              <a:rPr lang="en-US" altLang="zh-CN"/>
+              <a:t>vcpkg</a:t>
+            </a:r>
+            <a:r>
+              <a:rPr lang="zh-CN" altLang="en-US"/>
+              <a:t>目录</a:t>
+            </a:r>
+            <a:endParaRPr lang="zh-CN" altLang="en-US"/>
+          </a:p>
+          <a:p>
+            <a:r>
+              <a:rPr lang="zh-CN" altLang="en-US"/>
+              <a:t>执行命令</a:t>
+            </a:r>
+            <a:r>
+              <a:rPr lang="en-US" altLang="zh-CN"/>
+              <a:t> vcpkg install fmt: x64-windows</a:t>
+            </a:r>
+            <a:endParaRPr lang="en-US" altLang="zh-CN"/>
+          </a:p>
+          <a:p>
+            <a:r>
+              <a:rPr lang="zh-CN" altLang="en-US"/>
+              <a:t>安装第三方</a:t>
+            </a:r>
+            <a:r>
+              <a:rPr lang="en-US" altLang="zh-CN"/>
+              <a:t>fmt</a:t>
+            </a:r>
+            <a:r>
+              <a:rPr lang="zh-CN" altLang="en-US"/>
+              <a:t>包</a:t>
             </a:r>
             <a:endParaRPr lang="zh-CN" altLang="en-US"/>
           </a:p>
@@ -36597,52 +38117,30 @@
               <a:rPr lang="en-US" altLang="zh-CN">
                 <a:sym typeface="+mn-ea"/>
               </a:rPr>
-              <a:t>1.12 </a:t>
-            </a:r>
-            <a:r>
-              <a:rPr lang="zh-CN" altLang="en-US" dirty="0">
-                <a:sym typeface="+mn-ea"/>
-              </a:rPr>
-              <a:t>安装</a:t>
-            </a:r>
-            <a:r>
-              <a:rPr lang="en-US" altLang="zh-CN" dirty="0">
-                <a:sym typeface="+mn-ea"/>
-              </a:rPr>
-              <a:t>mingw</a:t>
+              <a:t>1.11 VS2022</a:t>
+            </a:r>
+            <a:r>
+              <a:rPr lang="zh-CN" altLang="en-US">
+                <a:sym typeface="+mn-ea"/>
+              </a:rPr>
+              <a:t>支持</a:t>
+            </a:r>
+            <a:r>
+              <a:rPr lang="en-US" altLang="zh-CN">
+                <a:sym typeface="+mn-ea"/>
+              </a:rPr>
+              <a:t>c++20</a:t>
+            </a:r>
+            <a:r>
+              <a:rPr lang="zh-CN" altLang="en-US">
+                <a:sym typeface="+mn-ea"/>
+              </a:rPr>
+              <a:t>配置</a:t>
             </a:r>
             <a:endParaRPr lang="zh-CN" altLang="en-US"/>
           </a:p>
         </p:txBody>
       </p:sp>
-      <p:pic>
-        <p:nvPicPr>
-          <p:cNvPr id="4" name="图片 3" descr="J8_1(}QA(TMFI@SA(BSI704"/>
-          <p:cNvPicPr>
-            <a:picLocks noChangeAspect="1"/>
-          </p:cNvPicPr>
-          <p:nvPr>
-            <p:custDataLst>
-              <p:tags r:id="rId1"/>
-            </p:custDataLst>
-          </p:nvPr>
-        </p:nvPicPr>
-        <p:blipFill>
-          <a:blip r:embed="rId2"/>
-          <a:stretch>
-            <a:fillRect/>
-          </a:stretch>
-        </p:blipFill>
-        <p:spPr>
-          <a:xfrm>
-            <a:off x="1115695" y="3644900"/>
-            <a:ext cx="7219950" cy="2200275"/>
-          </a:xfrm>
-          <a:prstGeom prst="rect">
-            <a:avLst/>
-          </a:prstGeom>
-        </p:spPr>
-      </p:pic>
     </p:spTree>
   </p:cSld>
   <p:clrMapOvr>
@@ -36671,42 +38169,44 @@
             <p:ph idx="1"/>
           </p:nvPr>
         </p:nvSpPr>
-        <p:spPr>
-          <a:xfrm>
-            <a:off x="871855" y="2675255"/>
-            <a:ext cx="7408545" cy="587375"/>
-          </a:xfrm>
-        </p:spPr>
+        <p:spPr/>
         <p:txBody>
           <a:bodyPr/>
           <a:p>
             <a:r>
-              <a:rPr lang="zh-CN" altLang="en-US">
-                <a:sym typeface="+mn-ea"/>
-              </a:rPr>
-              <a:t>执行msys2-x86_64-20230127</a:t>
-            </a:r>
-            <a:r>
-              <a:rPr lang="en-US" altLang="zh-CN">
-                <a:sym typeface="+mn-ea"/>
-              </a:rPr>
-              <a:t>.exe</a:t>
-            </a:r>
-            <a:r>
-              <a:rPr lang="zh-CN" altLang="en-US">
-                <a:sym typeface="+mn-ea"/>
-              </a:rPr>
-              <a:t>开始</a:t>
-            </a:r>
-            <a:r>
-              <a:rPr lang="zh-CN" altLang="en-US">
-                <a:sym typeface="+mn-ea"/>
-              </a:rPr>
-              <a:t>安装</a:t>
-            </a:r>
-            <a:endParaRPr lang="zh-CN" altLang="en-US">
-              <a:sym typeface="+mn-ea"/>
-            </a:endParaRPr>
+              <a:rPr lang="zh-CN" altLang="en-US"/>
+              <a:t>打开</a:t>
+            </a:r>
+            <a:r>
+              <a:rPr lang="en-US" altLang="zh-CN"/>
+              <a:t>Visual Studio 2022</a:t>
+            </a:r>
+            <a:endParaRPr lang="en-US" altLang="zh-CN"/>
+          </a:p>
+          <a:p>
+            <a:r>
+              <a:rPr lang="zh-CN" altLang="en-US"/>
+              <a:t>新建一个工程</a:t>
+            </a:r>
+            <a:r>
+              <a:rPr lang="en-US" altLang="zh-CN"/>
+              <a:t>fmtTest</a:t>
+            </a:r>
+            <a:endParaRPr lang="en-US" altLang="zh-CN"/>
+          </a:p>
+          <a:p>
+            <a:r>
+              <a:rPr lang="zh-CN" altLang="en-US"/>
+              <a:t>新建一个文件</a:t>
+            </a:r>
+            <a:r>
+              <a:rPr lang="en-US" altLang="zh-CN"/>
+              <a:t>fmtTestC20.cpp</a:t>
+            </a:r>
+            <a:endParaRPr lang="en-US" altLang="zh-CN"/>
+          </a:p>
+          <a:p>
+            <a:endParaRPr lang="en-US" altLang="zh-CN"/>
           </a:p>
         </p:txBody>
       </p:sp>
@@ -36728,52 +38228,30 @@
               <a:rPr lang="en-US" altLang="zh-CN">
                 <a:sym typeface="+mn-ea"/>
               </a:rPr>
-              <a:t>1.12 </a:t>
-            </a:r>
-            <a:r>
-              <a:rPr lang="zh-CN" altLang="en-US" dirty="0">
-                <a:sym typeface="+mn-ea"/>
-              </a:rPr>
-              <a:t>安装</a:t>
-            </a:r>
-            <a:r>
-              <a:rPr lang="en-US" altLang="zh-CN" dirty="0">
-                <a:sym typeface="+mn-ea"/>
-              </a:rPr>
-              <a:t>mingw</a:t>
+              <a:t>1.11 VS2022</a:t>
+            </a:r>
+            <a:r>
+              <a:rPr lang="zh-CN" altLang="en-US">
+                <a:sym typeface="+mn-ea"/>
+              </a:rPr>
+              <a:t>支持</a:t>
+            </a:r>
+            <a:r>
+              <a:rPr lang="en-US" altLang="zh-CN">
+                <a:sym typeface="+mn-ea"/>
+              </a:rPr>
+              <a:t>c++20</a:t>
+            </a:r>
+            <a:r>
+              <a:rPr lang="zh-CN" altLang="en-US">
+                <a:sym typeface="+mn-ea"/>
+              </a:rPr>
+              <a:t>配置</a:t>
             </a:r>
             <a:endParaRPr lang="zh-CN" altLang="en-US"/>
           </a:p>
         </p:txBody>
       </p:sp>
-      <p:pic>
-        <p:nvPicPr>
-          <p:cNvPr id="4" name="图片 3"/>
-          <p:cNvPicPr>
-            <a:picLocks noChangeAspect="1"/>
-          </p:cNvPicPr>
-          <p:nvPr>
-            <p:custDataLst>
-              <p:tags r:id="rId1"/>
-            </p:custDataLst>
-          </p:nvPr>
-        </p:nvPicPr>
-        <p:blipFill>
-          <a:blip r:embed="rId2"/>
-          <a:stretch>
-            <a:fillRect/>
-          </a:stretch>
-        </p:blipFill>
-        <p:spPr>
-          <a:xfrm>
-            <a:off x="1115695" y="3357245"/>
-            <a:ext cx="6755130" cy="3040380"/>
-          </a:xfrm>
-          <a:prstGeom prst="rect">
-            <a:avLst/>
-          </a:prstGeom>
-        </p:spPr>
-      </p:pic>
     </p:spTree>
   </p:cSld>
   <p:clrMapOvr>
@@ -36802,22 +38280,94 @@
             <p:ph idx="1"/>
           </p:nvPr>
         </p:nvSpPr>
-        <p:spPr>
-          <a:xfrm>
-            <a:off x="871855" y="2675255"/>
-            <a:ext cx="7408545" cy="551815"/>
-          </a:xfrm>
-        </p:spPr>
+        <p:spPr/>
         <p:txBody>
-          <a:bodyPr/>
-          <a:p>
-            <a:r>
-              <a:rPr lang="zh-CN" altLang="en-US">
-                <a:sym typeface="+mn-ea"/>
-              </a:rPr>
-              <a:t>按照提示进行安装即可</a:t>
-            </a:r>
-            <a:endParaRPr lang="zh-CN" altLang="en-US"/>
+          <a:bodyPr>
+            <a:noAutofit/>
+          </a:bodyPr>
+          <a:p>
+            <a:r>
+              <a:rPr lang="zh-CN" altLang="en-US" sz="1500"/>
+              <a:t>#include&lt;iostream&gt;</a:t>
+            </a:r>
+            <a:endParaRPr lang="zh-CN" altLang="en-US" sz="1500"/>
+          </a:p>
+          <a:p>
+            <a:r>
+              <a:rPr lang="zh-CN" altLang="en-US" sz="1500"/>
+              <a:t>#include&lt;fmt/format.h&gt;</a:t>
+            </a:r>
+            <a:endParaRPr lang="zh-CN" altLang="en-US" sz="1500"/>
+          </a:p>
+          <a:p>
+            <a:r>
+              <a:rPr lang="zh-CN" altLang="en-US" sz="1500"/>
+              <a:t>#include&lt;boost/timer.hpp&gt;</a:t>
+            </a:r>
+            <a:endParaRPr lang="zh-CN" altLang="en-US" sz="1500"/>
+          </a:p>
+          <a:p>
+            <a:r>
+              <a:rPr lang="zh-CN" altLang="en-US" sz="1500"/>
+              <a:t>using namespace std;</a:t>
+            </a:r>
+            <a:endParaRPr lang="zh-CN" altLang="en-US" sz="1500"/>
+          </a:p>
+          <a:p>
+            <a:r>
+              <a:rPr lang="zh-CN" altLang="en-US" sz="1500"/>
+              <a:t>int main()</a:t>
+            </a:r>
+            <a:endParaRPr lang="zh-CN" altLang="en-US" sz="1500"/>
+          </a:p>
+          <a:p>
+            <a:r>
+              <a:rPr lang="zh-CN" altLang="en-US" sz="1500"/>
+              <a:t>{</a:t>
+            </a:r>
+            <a:endParaRPr lang="zh-CN" altLang="en-US" sz="1500"/>
+          </a:p>
+          <a:p>
+            <a:r>
+              <a:rPr lang="zh-CN" altLang="en-US" sz="1500"/>
+              <a:t>	boost::timer t;</a:t>
+            </a:r>
+            <a:endParaRPr lang="zh-CN" altLang="en-US" sz="1500"/>
+          </a:p>
+          <a:p>
+            <a:r>
+              <a:rPr lang="zh-CN" altLang="en-US" sz="1500"/>
+              <a:t>	cout &lt;&lt; fmt::format("max timespan: {} h\n", t.elapsed_max() / 3600);</a:t>
+            </a:r>
+            <a:endParaRPr lang="zh-CN" altLang="en-US" sz="1500"/>
+          </a:p>
+          <a:p>
+            <a:r>
+              <a:rPr lang="zh-CN" altLang="en-US" sz="1500"/>
+              <a:t>	cout &lt;&lt; fmt::format("min timespan: {} s\n", t.elapsed_min());</a:t>
+            </a:r>
+            <a:endParaRPr lang="zh-CN" altLang="en-US" sz="1500"/>
+          </a:p>
+          <a:p>
+            <a:r>
+              <a:rPr lang="zh-CN" altLang="en-US" sz="1500"/>
+              <a:t>	cout &lt;&lt; fmt::format("now time elapsed: {} s\n", t.elapsed());</a:t>
+            </a:r>
+            <a:endParaRPr lang="zh-CN" altLang="en-US" sz="1500"/>
+          </a:p>
+          <a:p>
+            <a:r>
+              <a:rPr lang="zh-CN" altLang="en-US" sz="1500"/>
+              <a:t>	return 0;</a:t>
+            </a:r>
+            <a:endParaRPr lang="zh-CN" altLang="en-US" sz="1500"/>
+          </a:p>
+          <a:p>
+            <a:r>
+              <a:rPr lang="zh-CN" altLang="en-US" sz="1500"/>
+              <a:t>}</a:t>
+            </a:r>
+            <a:endParaRPr lang="zh-CN" altLang="en-US" sz="1500"/>
           </a:p>
         </p:txBody>
       </p:sp>
@@ -36839,19 +38389,85 @@
               <a:rPr lang="en-US" altLang="zh-CN">
                 <a:sym typeface="+mn-ea"/>
               </a:rPr>
-              <a:t>1.12 </a:t>
-            </a:r>
-            <a:r>
-              <a:rPr lang="zh-CN" altLang="en-US" dirty="0">
-                <a:sym typeface="+mn-ea"/>
-              </a:rPr>
-              <a:t>安装</a:t>
-            </a:r>
-            <a:r>
-              <a:rPr lang="en-US" altLang="zh-CN" dirty="0">
-                <a:sym typeface="+mn-ea"/>
-              </a:rPr>
-              <a:t>mingw</a:t>
+              <a:t>1.11 VS2022</a:t>
+            </a:r>
+            <a:r>
+              <a:rPr lang="zh-CN" altLang="en-US">
+                <a:sym typeface="+mn-ea"/>
+              </a:rPr>
+              <a:t>支持</a:t>
+            </a:r>
+            <a:r>
+              <a:rPr lang="en-US" altLang="zh-CN">
+                <a:sym typeface="+mn-ea"/>
+              </a:rPr>
+              <a:t>c++20</a:t>
+            </a:r>
+            <a:r>
+              <a:rPr lang="zh-CN" altLang="en-US">
+                <a:sym typeface="+mn-ea"/>
+              </a:rPr>
+              <a:t>配置</a:t>
+            </a:r>
+            <a:endParaRPr lang="zh-CN" altLang="en-US"/>
+          </a:p>
+        </p:txBody>
+      </p:sp>
+    </p:spTree>
+  </p:cSld>
+  <p:clrMapOvr>
+    <a:masterClrMapping/>
+  </p:clrMapOvr>
+</p:sld>
+</file>
+
+<file path=ppt/slides/slide88.xml><?xml version="1.0" encoding="utf-8"?>
+<p:sld xmlns:a="http://schemas.openxmlformats.org/drawingml/2006/main" xmlns:r="http://schemas.openxmlformats.org/officeDocument/2006/relationships" xmlns:p="http://schemas.openxmlformats.org/presentationml/2006/main">
+  <p:cSld>
+    <p:spTree>
+      <p:nvGrpSpPr>
+        <p:cNvPr id="1" name=""/>
+        <p:cNvGrpSpPr/>
+        <p:nvPr/>
+      </p:nvGrpSpPr>
+      <p:grpSpPr/>
+      <p:sp>
+        <p:nvSpPr>
+          <p:cNvPr id="3" name="标题 2"/>
+          <p:cNvSpPr>
+            <a:spLocks noGrp="1"/>
+          </p:cNvSpPr>
+          <p:nvPr>
+            <p:ph type="title"/>
+          </p:nvPr>
+        </p:nvSpPr>
+        <p:spPr/>
+        <p:txBody>
+          <a:bodyPr/>
+          <a:p>
+            <a:r>
+              <a:rPr lang="en-US" altLang="zh-CN">
+                <a:sym typeface="+mn-ea"/>
+              </a:rPr>
+              <a:t>1.11 VS2022</a:t>
+            </a:r>
+            <a:r>
+              <a:rPr lang="zh-CN" altLang="en-US">
+                <a:sym typeface="+mn-ea"/>
+              </a:rPr>
+              <a:t>支持</a:t>
+            </a:r>
+            <a:r>
+              <a:rPr lang="en-US" altLang="zh-CN">
+                <a:sym typeface="+mn-ea"/>
+              </a:rPr>
+              <a:t>c++20</a:t>
+            </a:r>
+            <a:r>
+              <a:rPr lang="zh-CN" altLang="en-US">
+                <a:sym typeface="+mn-ea"/>
+              </a:rPr>
+              <a:t>配置</a:t>
             </a:r>
             <a:endParaRPr lang="zh-CN" altLang="en-US"/>
           </a:p>
@@ -36877,119 +38493,8 @@
         </p:blipFill>
         <p:spPr>
           <a:xfrm>
-            <a:off x="1332230" y="3285490"/>
-            <a:ext cx="5082540" cy="2585720"/>
-          </a:xfrm>
-          <a:prstGeom prst="rect">
-            <a:avLst/>
-          </a:prstGeom>
-        </p:spPr>
-      </p:pic>
-    </p:spTree>
-  </p:cSld>
-  <p:clrMapOvr>
-    <a:masterClrMapping/>
-  </p:clrMapOvr>
-</p:sld>
-</file>
-
-<file path=ppt/slides/slide88.xml><?xml version="1.0" encoding="utf-8"?>
-<p:sld xmlns:a="http://schemas.openxmlformats.org/drawingml/2006/main" xmlns:r="http://schemas.openxmlformats.org/officeDocument/2006/relationships" xmlns:p="http://schemas.openxmlformats.org/presentationml/2006/main">
-  <p:cSld>
-    <p:spTree>
-      <p:nvGrpSpPr>
-        <p:cNvPr id="1" name=""/>
-        <p:cNvGrpSpPr/>
-        <p:nvPr/>
-      </p:nvGrpSpPr>
-      <p:grpSpPr/>
-      <p:sp>
-        <p:nvSpPr>
-          <p:cNvPr id="2" name="内容占位符 1"/>
-          <p:cNvSpPr>
-            <a:spLocks noGrp="1"/>
-          </p:cNvSpPr>
-          <p:nvPr>
-            <p:ph idx="1"/>
-          </p:nvPr>
-        </p:nvSpPr>
-        <p:spPr>
-          <a:xfrm>
-            <a:off x="871855" y="2675255"/>
-            <a:ext cx="7408545" cy="534035"/>
-          </a:xfrm>
-        </p:spPr>
-        <p:txBody>
-          <a:bodyPr/>
-          <a:p>
-            <a:r>
-              <a:rPr lang="zh-CN" altLang="en-US">
-                <a:sym typeface="+mn-ea"/>
-              </a:rPr>
-              <a:t>配置系统环境变量</a:t>
-            </a:r>
-            <a:endParaRPr lang="zh-CN" altLang="en-US"/>
-          </a:p>
-        </p:txBody>
-      </p:sp>
-      <p:sp>
-        <p:nvSpPr>
-          <p:cNvPr id="3" name="标题 2"/>
-          <p:cNvSpPr>
-            <a:spLocks noGrp="1"/>
-          </p:cNvSpPr>
-          <p:nvPr>
-            <p:ph type="title"/>
-          </p:nvPr>
-        </p:nvSpPr>
-        <p:spPr/>
-        <p:txBody>
-          <a:bodyPr/>
-          <a:p>
-            <a:r>
-              <a:rPr lang="en-US" altLang="zh-CN">
-                <a:sym typeface="+mn-ea"/>
-              </a:rPr>
-              <a:t>1.12 </a:t>
-            </a:r>
-            <a:r>
-              <a:rPr lang="zh-CN" altLang="en-US" dirty="0">
-                <a:sym typeface="+mn-ea"/>
-              </a:rPr>
-              <a:t>安装</a:t>
-            </a:r>
-            <a:r>
-              <a:rPr lang="en-US" altLang="zh-CN" dirty="0">
-                <a:sym typeface="+mn-ea"/>
-              </a:rPr>
-              <a:t>mingw</a:t>
-            </a:r>
-            <a:endParaRPr lang="zh-CN" altLang="en-US"/>
-          </a:p>
-        </p:txBody>
-      </p:sp>
-      <p:pic>
-        <p:nvPicPr>
-          <p:cNvPr id="5" name="图片 4"/>
-          <p:cNvPicPr>
-            <a:picLocks noChangeAspect="1"/>
-          </p:cNvPicPr>
-          <p:nvPr>
-            <p:custDataLst>
-              <p:tags r:id="rId1"/>
-            </p:custDataLst>
-          </p:nvPr>
-        </p:nvPicPr>
-        <p:blipFill>
-          <a:blip r:embed="rId2"/>
-          <a:stretch>
-            <a:fillRect/>
-          </a:stretch>
-        </p:blipFill>
-        <p:spPr>
-          <a:xfrm>
-            <a:off x="4462145" y="2708910"/>
-            <a:ext cx="3818255" cy="3745865"/>
+            <a:off x="827405" y="2276475"/>
+            <a:ext cx="7696200" cy="3634740"/>
           </a:xfrm>
           <a:prstGeom prst="rect">
             <a:avLst/>
@@ -37029,34 +38534,65 @@
           <a:bodyPr/>
           <a:p>
             <a:r>
-              <a:rPr lang="zh-CN" altLang="en-US">
-                <a:sym typeface="+mn-ea"/>
-              </a:rPr>
-              <a:t>安装完成后在浏览器打开MSYS2 Packages</a:t>
+              <a:rPr lang="zh-CN" altLang="en-US"/>
+              <a:t>鉴于目前的兼容情况，暂时不采用</a:t>
+            </a:r>
+            <a:r>
+              <a:rPr lang="en-US" altLang="zh-CN"/>
+              <a:t>import</a:t>
+            </a:r>
+            <a:r>
+              <a:rPr lang="zh-CN" altLang="en-US"/>
+              <a:t>导入模块方式</a:t>
             </a:r>
             <a:endParaRPr lang="zh-CN" altLang="en-US"/>
           </a:p>
           <a:p>
             <a:r>
-              <a:rPr lang="zh-CN" altLang="en-US">
-                <a:sym typeface="+mn-ea"/>
-              </a:rPr>
-              <a:t>https://packages.msys2.org/queue</a:t>
+              <a:rPr lang="zh-CN" altLang="en-US"/>
+              <a:t>建议仍然采用</a:t>
+            </a:r>
+            <a:r>
+              <a:rPr lang="en-US" altLang="zh-CN"/>
+              <a:t>#include</a:t>
+            </a:r>
+            <a:r>
+              <a:rPr lang="zh-CN" altLang="en-US"/>
+              <a:t>包含文件方式</a:t>
             </a:r>
             <a:endParaRPr lang="zh-CN" altLang="en-US"/>
           </a:p>
           <a:p>
             <a:r>
-              <a:rPr lang="zh-CN" altLang="en-US">
-                <a:sym typeface="+mn-ea"/>
-              </a:rPr>
-              <a:t>在顶部的搜索框中输入</a:t>
-            </a:r>
-            <a:r>
-              <a:rPr lang="en-US" altLang="zh-CN">
-                <a:sym typeface="+mn-ea"/>
-              </a:rPr>
-              <a:t>gcc</a:t>
+              <a:rPr lang="zh-CN" altLang="en-US"/>
+              <a:t>这两种方式的区别是，</a:t>
+            </a:r>
+            <a:r>
+              <a:rPr lang="en-US" altLang="zh-CN"/>
+              <a:t>import</a:t>
+            </a:r>
+            <a:r>
+              <a:rPr lang="zh-CN" altLang="en-US"/>
+              <a:t>更加高效，可以避免重复包含</a:t>
+            </a:r>
+            <a:endParaRPr lang="zh-CN" altLang="en-US"/>
+          </a:p>
+          <a:p>
+            <a:r>
+              <a:rPr lang="en-US" altLang="zh-CN"/>
+              <a:t>#include</a:t>
+            </a:r>
+            <a:r>
+              <a:rPr lang="zh-CN" altLang="en-US"/>
+              <a:t>可能会存在文件包含重复的问题，也可以用</a:t>
+            </a:r>
+            <a:r>
+              <a:rPr lang="en-US" altLang="zh-CN"/>
+              <a:t>#ifndef</a:t>
+            </a:r>
+            <a:r>
+              <a:rPr lang="zh-CN" altLang="en-US"/>
+              <a:t>来解决重定义的问题，详见有关资料</a:t>
             </a:r>
             <a:endParaRPr lang="zh-CN" altLang="en-US"/>
           </a:p>
@@ -37080,19 +38616,25 @@
               <a:rPr lang="en-US" altLang="zh-CN">
                 <a:sym typeface="+mn-ea"/>
               </a:rPr>
-              <a:t>1.12 </a:t>
-            </a:r>
-            <a:r>
-              <a:rPr lang="zh-CN" altLang="en-US" dirty="0">
-                <a:sym typeface="+mn-ea"/>
-              </a:rPr>
-              <a:t>安装</a:t>
-            </a:r>
-            <a:r>
-              <a:rPr lang="en-US" altLang="zh-CN" dirty="0">
-                <a:sym typeface="+mn-ea"/>
-              </a:rPr>
-              <a:t>mingw</a:t>
+              <a:t>1.11 VS2022</a:t>
+            </a:r>
+            <a:r>
+              <a:rPr lang="zh-CN" altLang="en-US">
+                <a:sym typeface="+mn-ea"/>
+              </a:rPr>
+              <a:t>支持</a:t>
+            </a:r>
+            <a:r>
+              <a:rPr lang="en-US" altLang="zh-CN">
+                <a:sym typeface="+mn-ea"/>
+              </a:rPr>
+              <a:t>c++20</a:t>
+            </a:r>
+            <a:r>
+              <a:rPr lang="zh-CN" altLang="en-US">
+                <a:sym typeface="+mn-ea"/>
+              </a:rPr>
+              <a:t>配置</a:t>
             </a:r>
             <a:endParaRPr lang="zh-CN" altLang="en-US"/>
           </a:p>
@@ -37252,6 +38794,43 @@
       <p:grpSpPr/>
       <p:sp>
         <p:nvSpPr>
+          <p:cNvPr id="2" name="内容占位符 1"/>
+          <p:cNvSpPr>
+            <a:spLocks noGrp="1"/>
+          </p:cNvSpPr>
+          <p:nvPr>
+            <p:ph idx="1"/>
+          </p:nvPr>
+        </p:nvSpPr>
+        <p:spPr/>
+        <p:txBody>
+          <a:bodyPr/>
+          <a:p>
+            <a:r>
+              <a:rPr lang="zh-CN" altLang="en-US"/>
+              <a:t>这里选择</a:t>
+            </a:r>
+            <a:r>
+              <a:rPr lang="en-US" altLang="zh-CN"/>
+              <a:t>mingw</a:t>
+            </a:r>
+            <a:r>
+              <a:rPr lang="zh-CN" altLang="en-US"/>
+              <a:t>和</a:t>
+            </a:r>
+            <a:r>
+              <a:rPr lang="en-US" altLang="zh-CN"/>
+              <a:t>Visual Studio Code</a:t>
+            </a:r>
+            <a:endParaRPr lang="en-US" altLang="zh-CN"/>
+          </a:p>
+          <a:p>
+            <a:endParaRPr lang="en-US" altLang="zh-CN"/>
+          </a:p>
+        </p:txBody>
+      </p:sp>
+      <p:sp>
+        <p:nvSpPr>
           <p:cNvPr id="3" name="标题 2"/>
           <p:cNvSpPr>
             <a:spLocks noGrp="1"/>
@@ -37269,6 +38848,804 @@
                 <a:sym typeface="+mn-ea"/>
               </a:rPr>
               <a:t>1.12 </a:t>
+            </a:r>
+            <a:r>
+              <a:rPr lang="zh-CN" dirty="0">
+                <a:ea typeface="宋体" panose="02010600030101010101" pitchFamily="2" charset="-122"/>
+                <a:sym typeface="+mn-ea"/>
+              </a:rPr>
+              <a:t>开源环境搭建</a:t>
+            </a:r>
+            <a:endParaRPr lang="zh-CN">
+              <a:ea typeface="宋体" panose="02010600030101010101" pitchFamily="2" charset="-122"/>
+            </a:endParaRPr>
+          </a:p>
+        </p:txBody>
+      </p:sp>
+    </p:spTree>
+  </p:cSld>
+  <p:clrMapOvr>
+    <a:masterClrMapping/>
+  </p:clrMapOvr>
+</p:sld>
+</file>
+
+<file path=ppt/slides/slide91.xml><?xml version="1.0" encoding="utf-8"?>
+<p:sld xmlns:a="http://schemas.openxmlformats.org/drawingml/2006/main" xmlns:r="http://schemas.openxmlformats.org/officeDocument/2006/relationships" xmlns:p="http://schemas.openxmlformats.org/presentationml/2006/main">
+  <p:cSld>
+    <p:spTree>
+      <p:nvGrpSpPr>
+        <p:cNvPr id="1" name=""/>
+        <p:cNvGrpSpPr/>
+        <p:nvPr/>
+      </p:nvGrpSpPr>
+      <p:grpSpPr/>
+      <p:sp>
+        <p:nvSpPr>
+          <p:cNvPr id="2" name="内容占位符 1"/>
+          <p:cNvSpPr>
+            <a:spLocks noGrp="1"/>
+          </p:cNvSpPr>
+          <p:nvPr>
+            <p:ph idx="1"/>
+          </p:nvPr>
+        </p:nvSpPr>
+        <p:spPr>
+          <a:xfrm>
+            <a:off x="871855" y="2675255"/>
+            <a:ext cx="7408545" cy="546100"/>
+          </a:xfrm>
+        </p:spPr>
+        <p:txBody>
+          <a:bodyPr/>
+          <a:p>
+            <a:r>
+              <a:rPr lang="zh-CN" altLang="en-US">
+                <a:sym typeface="+mn-ea"/>
+              </a:rPr>
+              <a:t>去https://www.msys2.org/网站下载</a:t>
+            </a:r>
+            <a:r>
+              <a:rPr lang="zh-CN" altLang="en-US">
+                <a:sym typeface="+mn-ea"/>
+              </a:rPr>
+              <a:t>mingw-w64</a:t>
+            </a:r>
+            <a:endParaRPr lang="zh-CN" altLang="en-US"/>
+          </a:p>
+        </p:txBody>
+      </p:sp>
+      <p:sp>
+        <p:nvSpPr>
+          <p:cNvPr id="3" name="标题 2"/>
+          <p:cNvSpPr>
+            <a:spLocks noGrp="1"/>
+          </p:cNvSpPr>
+          <p:nvPr>
+            <p:ph type="title"/>
+          </p:nvPr>
+        </p:nvSpPr>
+        <p:spPr/>
+        <p:txBody>
+          <a:bodyPr/>
+          <a:p>
+            <a:r>
+              <a:rPr lang="en-US" altLang="zh-CN"/>
+              <a:t>1.12.1 </a:t>
+            </a:r>
+            <a:r>
+              <a:rPr lang="zh-CN" altLang="en-US" dirty="0">
+                <a:sym typeface="+mn-ea"/>
+              </a:rPr>
+              <a:t>安装</a:t>
+            </a:r>
+            <a:r>
+              <a:rPr lang="en-US" altLang="zh-CN" dirty="0">
+                <a:sym typeface="+mn-ea"/>
+              </a:rPr>
+              <a:t>mingw</a:t>
+            </a:r>
+            <a:endParaRPr lang="en-US" altLang="zh-CN"/>
+          </a:p>
+        </p:txBody>
+      </p:sp>
+      <p:pic>
+        <p:nvPicPr>
+          <p:cNvPr id="4" name="图片 3"/>
+          <p:cNvPicPr>
+            <a:picLocks noChangeAspect="1"/>
+          </p:cNvPicPr>
+          <p:nvPr>
+            <p:custDataLst>
+              <p:tags r:id="rId1"/>
+            </p:custDataLst>
+          </p:nvPr>
+        </p:nvPicPr>
+        <p:blipFill>
+          <a:blip r:embed="rId2"/>
+          <a:stretch>
+            <a:fillRect/>
+          </a:stretch>
+        </p:blipFill>
+        <p:spPr>
+          <a:xfrm>
+            <a:off x="1475740" y="3357245"/>
+            <a:ext cx="5172075" cy="2909570"/>
+          </a:xfrm>
+          <a:prstGeom prst="rect">
+            <a:avLst/>
+          </a:prstGeom>
+        </p:spPr>
+      </p:pic>
+    </p:spTree>
+  </p:cSld>
+  <p:clrMapOvr>
+    <a:masterClrMapping/>
+  </p:clrMapOvr>
+</p:sld>
+</file>
+
+<file path=ppt/slides/slide92.xml><?xml version="1.0" encoding="utf-8"?>
+<p:sld xmlns:a="http://schemas.openxmlformats.org/drawingml/2006/main" xmlns:r="http://schemas.openxmlformats.org/officeDocument/2006/relationships" xmlns:p="http://schemas.openxmlformats.org/presentationml/2006/main">
+  <p:cSld>
+    <p:spTree>
+      <p:nvGrpSpPr>
+        <p:cNvPr id="1" name=""/>
+        <p:cNvGrpSpPr/>
+        <p:nvPr/>
+      </p:nvGrpSpPr>
+      <p:grpSpPr/>
+      <p:sp>
+        <p:nvSpPr>
+          <p:cNvPr id="2" name="内容占位符 1"/>
+          <p:cNvSpPr>
+            <a:spLocks noGrp="1"/>
+          </p:cNvSpPr>
+          <p:nvPr>
+            <p:ph idx="1"/>
+          </p:nvPr>
+        </p:nvSpPr>
+        <p:spPr>
+          <a:xfrm>
+            <a:off x="871855" y="2675255"/>
+            <a:ext cx="7408545" cy="539750"/>
+          </a:xfrm>
+        </p:spPr>
+        <p:txBody>
+          <a:bodyPr/>
+          <a:p>
+            <a:r>
+              <a:rPr lang="zh-CN" altLang="en-US">
+                <a:sym typeface="+mn-ea"/>
+              </a:rPr>
+              <a:t>在打开的网页中点击</a:t>
+            </a:r>
+            <a:r>
+              <a:rPr lang="en-US" altLang="zh-CN">
+                <a:sym typeface="+mn-ea"/>
+              </a:rPr>
+              <a:t>msys2-x86_64-20230127.exe</a:t>
+            </a:r>
+            <a:endParaRPr lang="zh-CN" altLang="en-US"/>
+          </a:p>
+        </p:txBody>
+      </p:sp>
+      <p:sp>
+        <p:nvSpPr>
+          <p:cNvPr id="3" name="标题 2"/>
+          <p:cNvSpPr>
+            <a:spLocks noGrp="1"/>
+          </p:cNvSpPr>
+          <p:nvPr>
+            <p:ph type="title"/>
+          </p:nvPr>
+        </p:nvSpPr>
+        <p:spPr/>
+        <p:txBody>
+          <a:bodyPr/>
+          <a:p>
+            <a:r>
+              <a:rPr lang="en-US" altLang="zh-CN">
+                <a:sym typeface="+mn-ea"/>
+              </a:rPr>
+              <a:t>1.12.1 </a:t>
+            </a:r>
+            <a:r>
+              <a:rPr lang="zh-CN" altLang="en-US" dirty="0">
+                <a:sym typeface="+mn-ea"/>
+              </a:rPr>
+              <a:t>安装</a:t>
+            </a:r>
+            <a:r>
+              <a:rPr lang="en-US" altLang="zh-CN" dirty="0">
+                <a:sym typeface="+mn-ea"/>
+              </a:rPr>
+              <a:t>mingw</a:t>
+            </a:r>
+            <a:endParaRPr lang="zh-CN" altLang="en-US"/>
+          </a:p>
+        </p:txBody>
+      </p:sp>
+      <p:pic>
+        <p:nvPicPr>
+          <p:cNvPr id="4" name="图片 3" descr="J8_1(}QA(TMFI@SA(BSI704"/>
+          <p:cNvPicPr>
+            <a:picLocks noChangeAspect="1"/>
+          </p:cNvPicPr>
+          <p:nvPr>
+            <p:custDataLst>
+              <p:tags r:id="rId1"/>
+            </p:custDataLst>
+          </p:nvPr>
+        </p:nvPicPr>
+        <p:blipFill>
+          <a:blip r:embed="rId2"/>
+          <a:stretch>
+            <a:fillRect/>
+          </a:stretch>
+        </p:blipFill>
+        <p:spPr>
+          <a:xfrm>
+            <a:off x="1115695" y="3644900"/>
+            <a:ext cx="7219950" cy="2200275"/>
+          </a:xfrm>
+          <a:prstGeom prst="rect">
+            <a:avLst/>
+          </a:prstGeom>
+        </p:spPr>
+      </p:pic>
+    </p:spTree>
+  </p:cSld>
+  <p:clrMapOvr>
+    <a:masterClrMapping/>
+  </p:clrMapOvr>
+</p:sld>
+</file>
+
+<file path=ppt/slides/slide93.xml><?xml version="1.0" encoding="utf-8"?>
+<p:sld xmlns:a="http://schemas.openxmlformats.org/drawingml/2006/main" xmlns:r="http://schemas.openxmlformats.org/officeDocument/2006/relationships" xmlns:p="http://schemas.openxmlformats.org/presentationml/2006/main">
+  <p:cSld>
+    <p:spTree>
+      <p:nvGrpSpPr>
+        <p:cNvPr id="1" name=""/>
+        <p:cNvGrpSpPr/>
+        <p:nvPr/>
+      </p:nvGrpSpPr>
+      <p:grpSpPr/>
+      <p:sp>
+        <p:nvSpPr>
+          <p:cNvPr id="2" name="内容占位符 1"/>
+          <p:cNvSpPr>
+            <a:spLocks noGrp="1"/>
+          </p:cNvSpPr>
+          <p:nvPr>
+            <p:ph idx="1"/>
+          </p:nvPr>
+        </p:nvSpPr>
+        <p:spPr>
+          <a:xfrm>
+            <a:off x="871855" y="2675255"/>
+            <a:ext cx="7408545" cy="587375"/>
+          </a:xfrm>
+        </p:spPr>
+        <p:txBody>
+          <a:bodyPr/>
+          <a:p>
+            <a:r>
+              <a:rPr lang="zh-CN" altLang="en-US">
+                <a:sym typeface="+mn-ea"/>
+              </a:rPr>
+              <a:t>执行msys2-x86_64-20230127</a:t>
+            </a:r>
+            <a:r>
+              <a:rPr lang="en-US" altLang="zh-CN">
+                <a:sym typeface="+mn-ea"/>
+              </a:rPr>
+              <a:t>.exe</a:t>
+            </a:r>
+            <a:r>
+              <a:rPr lang="zh-CN" altLang="en-US">
+                <a:sym typeface="+mn-ea"/>
+              </a:rPr>
+              <a:t>开始</a:t>
+            </a:r>
+            <a:r>
+              <a:rPr lang="zh-CN" altLang="en-US">
+                <a:sym typeface="+mn-ea"/>
+              </a:rPr>
+              <a:t>安装</a:t>
+            </a:r>
+            <a:endParaRPr lang="zh-CN" altLang="en-US">
+              <a:sym typeface="+mn-ea"/>
+            </a:endParaRPr>
+          </a:p>
+        </p:txBody>
+      </p:sp>
+      <p:sp>
+        <p:nvSpPr>
+          <p:cNvPr id="3" name="标题 2"/>
+          <p:cNvSpPr>
+            <a:spLocks noGrp="1"/>
+          </p:cNvSpPr>
+          <p:nvPr>
+            <p:ph type="title"/>
+          </p:nvPr>
+        </p:nvSpPr>
+        <p:spPr/>
+        <p:txBody>
+          <a:bodyPr/>
+          <a:p>
+            <a:r>
+              <a:rPr lang="en-US" altLang="zh-CN">
+                <a:sym typeface="+mn-ea"/>
+              </a:rPr>
+              <a:t>1.12</a:t>
+            </a:r>
+            <a:r>
+              <a:rPr lang="en-US" altLang="zh-CN">
+                <a:sym typeface="+mn-ea"/>
+              </a:rPr>
+              <a:t>.1</a:t>
+            </a:r>
+            <a:r>
+              <a:rPr lang="en-US" altLang="zh-CN">
+                <a:sym typeface="+mn-ea"/>
+              </a:rPr>
+              <a:t> </a:t>
+            </a:r>
+            <a:r>
+              <a:rPr lang="zh-CN" altLang="en-US" dirty="0">
+                <a:sym typeface="+mn-ea"/>
+              </a:rPr>
+              <a:t>安装</a:t>
+            </a:r>
+            <a:r>
+              <a:rPr lang="en-US" altLang="zh-CN" dirty="0">
+                <a:sym typeface="+mn-ea"/>
+              </a:rPr>
+              <a:t>mingw</a:t>
+            </a:r>
+            <a:endParaRPr lang="zh-CN" altLang="en-US"/>
+          </a:p>
+        </p:txBody>
+      </p:sp>
+      <p:pic>
+        <p:nvPicPr>
+          <p:cNvPr id="4" name="图片 3"/>
+          <p:cNvPicPr>
+            <a:picLocks noChangeAspect="1"/>
+          </p:cNvPicPr>
+          <p:nvPr>
+            <p:custDataLst>
+              <p:tags r:id="rId1"/>
+            </p:custDataLst>
+          </p:nvPr>
+        </p:nvPicPr>
+        <p:blipFill>
+          <a:blip r:embed="rId2"/>
+          <a:stretch>
+            <a:fillRect/>
+          </a:stretch>
+        </p:blipFill>
+        <p:spPr>
+          <a:xfrm>
+            <a:off x="1115695" y="3357245"/>
+            <a:ext cx="6755130" cy="3040380"/>
+          </a:xfrm>
+          <a:prstGeom prst="rect">
+            <a:avLst/>
+          </a:prstGeom>
+        </p:spPr>
+      </p:pic>
+    </p:spTree>
+  </p:cSld>
+  <p:clrMapOvr>
+    <a:masterClrMapping/>
+  </p:clrMapOvr>
+</p:sld>
+</file>
+
+<file path=ppt/slides/slide94.xml><?xml version="1.0" encoding="utf-8"?>
+<p:sld xmlns:a="http://schemas.openxmlformats.org/drawingml/2006/main" xmlns:r="http://schemas.openxmlformats.org/officeDocument/2006/relationships" xmlns:p="http://schemas.openxmlformats.org/presentationml/2006/main">
+  <p:cSld>
+    <p:spTree>
+      <p:nvGrpSpPr>
+        <p:cNvPr id="1" name=""/>
+        <p:cNvGrpSpPr/>
+        <p:nvPr/>
+      </p:nvGrpSpPr>
+      <p:grpSpPr/>
+      <p:sp>
+        <p:nvSpPr>
+          <p:cNvPr id="2" name="内容占位符 1"/>
+          <p:cNvSpPr>
+            <a:spLocks noGrp="1"/>
+          </p:cNvSpPr>
+          <p:nvPr>
+            <p:ph idx="1"/>
+          </p:nvPr>
+        </p:nvSpPr>
+        <p:spPr>
+          <a:xfrm>
+            <a:off x="871855" y="2675255"/>
+            <a:ext cx="7408545" cy="551815"/>
+          </a:xfrm>
+        </p:spPr>
+        <p:txBody>
+          <a:bodyPr/>
+          <a:p>
+            <a:r>
+              <a:rPr lang="zh-CN" altLang="en-US">
+                <a:sym typeface="+mn-ea"/>
+              </a:rPr>
+              <a:t>按照提示进行安装即可</a:t>
+            </a:r>
+            <a:endParaRPr lang="zh-CN" altLang="en-US"/>
+          </a:p>
+        </p:txBody>
+      </p:sp>
+      <p:sp>
+        <p:nvSpPr>
+          <p:cNvPr id="3" name="标题 2"/>
+          <p:cNvSpPr>
+            <a:spLocks noGrp="1"/>
+          </p:cNvSpPr>
+          <p:nvPr>
+            <p:ph type="title"/>
+          </p:nvPr>
+        </p:nvSpPr>
+        <p:spPr/>
+        <p:txBody>
+          <a:bodyPr/>
+          <a:p>
+            <a:r>
+              <a:rPr lang="en-US" altLang="zh-CN">
+                <a:sym typeface="+mn-ea"/>
+              </a:rPr>
+              <a:t>1.12</a:t>
+            </a:r>
+            <a:r>
+              <a:rPr lang="en-US" altLang="zh-CN">
+                <a:sym typeface="+mn-ea"/>
+              </a:rPr>
+              <a:t>.1</a:t>
+            </a:r>
+            <a:r>
+              <a:rPr lang="en-US" altLang="zh-CN">
+                <a:sym typeface="+mn-ea"/>
+              </a:rPr>
+              <a:t> </a:t>
+            </a:r>
+            <a:r>
+              <a:rPr lang="zh-CN" altLang="en-US" dirty="0">
+                <a:sym typeface="+mn-ea"/>
+              </a:rPr>
+              <a:t>安装</a:t>
+            </a:r>
+            <a:r>
+              <a:rPr lang="en-US" altLang="zh-CN" dirty="0">
+                <a:sym typeface="+mn-ea"/>
+              </a:rPr>
+              <a:t>mingw</a:t>
+            </a:r>
+            <a:endParaRPr lang="zh-CN" altLang="en-US"/>
+          </a:p>
+        </p:txBody>
+      </p:sp>
+      <p:pic>
+        <p:nvPicPr>
+          <p:cNvPr id="4" name="图片 3"/>
+          <p:cNvPicPr>
+            <a:picLocks noChangeAspect="1"/>
+          </p:cNvPicPr>
+          <p:nvPr>
+            <p:custDataLst>
+              <p:tags r:id="rId1"/>
+            </p:custDataLst>
+          </p:nvPr>
+        </p:nvPicPr>
+        <p:blipFill>
+          <a:blip r:embed="rId2"/>
+          <a:stretch>
+            <a:fillRect/>
+          </a:stretch>
+        </p:blipFill>
+        <p:spPr>
+          <a:xfrm>
+            <a:off x="1332230" y="3285490"/>
+            <a:ext cx="5082540" cy="2585720"/>
+          </a:xfrm>
+          <a:prstGeom prst="rect">
+            <a:avLst/>
+          </a:prstGeom>
+        </p:spPr>
+      </p:pic>
+    </p:spTree>
+  </p:cSld>
+  <p:clrMapOvr>
+    <a:masterClrMapping/>
+  </p:clrMapOvr>
+</p:sld>
+</file>
+
+<file path=ppt/slides/slide95.xml><?xml version="1.0" encoding="utf-8"?>
+<p:sld xmlns:a="http://schemas.openxmlformats.org/drawingml/2006/main" xmlns:r="http://schemas.openxmlformats.org/officeDocument/2006/relationships" xmlns:p="http://schemas.openxmlformats.org/presentationml/2006/main">
+  <p:cSld>
+    <p:spTree>
+      <p:nvGrpSpPr>
+        <p:cNvPr id="1" name=""/>
+        <p:cNvGrpSpPr/>
+        <p:nvPr/>
+      </p:nvGrpSpPr>
+      <p:grpSpPr/>
+      <p:sp>
+        <p:nvSpPr>
+          <p:cNvPr id="2" name="内容占位符 1"/>
+          <p:cNvSpPr>
+            <a:spLocks noGrp="1"/>
+          </p:cNvSpPr>
+          <p:nvPr>
+            <p:ph idx="1"/>
+          </p:nvPr>
+        </p:nvSpPr>
+        <p:spPr>
+          <a:xfrm>
+            <a:off x="871855" y="2675255"/>
+            <a:ext cx="7408545" cy="534035"/>
+          </a:xfrm>
+        </p:spPr>
+        <p:txBody>
+          <a:bodyPr/>
+          <a:p>
+            <a:r>
+              <a:rPr lang="zh-CN" altLang="en-US">
+                <a:sym typeface="+mn-ea"/>
+              </a:rPr>
+              <a:t>配置系统环境变量</a:t>
+            </a:r>
+            <a:endParaRPr lang="zh-CN" altLang="en-US"/>
+          </a:p>
+        </p:txBody>
+      </p:sp>
+      <p:sp>
+        <p:nvSpPr>
+          <p:cNvPr id="3" name="标题 2"/>
+          <p:cNvSpPr>
+            <a:spLocks noGrp="1"/>
+          </p:cNvSpPr>
+          <p:nvPr>
+            <p:ph type="title"/>
+          </p:nvPr>
+        </p:nvSpPr>
+        <p:spPr/>
+        <p:txBody>
+          <a:bodyPr/>
+          <a:p>
+            <a:r>
+              <a:rPr lang="en-US" altLang="zh-CN">
+                <a:sym typeface="+mn-ea"/>
+              </a:rPr>
+              <a:t>1.12</a:t>
+            </a:r>
+            <a:r>
+              <a:rPr lang="en-US" altLang="zh-CN">
+                <a:sym typeface="+mn-ea"/>
+              </a:rPr>
+              <a:t>.1</a:t>
+            </a:r>
+            <a:r>
+              <a:rPr lang="en-US" altLang="zh-CN">
+                <a:sym typeface="+mn-ea"/>
+              </a:rPr>
+              <a:t> </a:t>
+            </a:r>
+            <a:r>
+              <a:rPr lang="zh-CN" altLang="en-US" dirty="0">
+                <a:sym typeface="+mn-ea"/>
+              </a:rPr>
+              <a:t>安装</a:t>
+            </a:r>
+            <a:r>
+              <a:rPr lang="en-US" altLang="zh-CN" dirty="0">
+                <a:sym typeface="+mn-ea"/>
+              </a:rPr>
+              <a:t>mingw</a:t>
+            </a:r>
+            <a:endParaRPr lang="zh-CN" altLang="en-US"/>
+          </a:p>
+        </p:txBody>
+      </p:sp>
+      <p:pic>
+        <p:nvPicPr>
+          <p:cNvPr id="5" name="图片 4"/>
+          <p:cNvPicPr>
+            <a:picLocks noChangeAspect="1"/>
+          </p:cNvPicPr>
+          <p:nvPr>
+            <p:custDataLst>
+              <p:tags r:id="rId1"/>
+            </p:custDataLst>
+          </p:nvPr>
+        </p:nvPicPr>
+        <p:blipFill>
+          <a:blip r:embed="rId2"/>
+          <a:stretch>
+            <a:fillRect/>
+          </a:stretch>
+        </p:blipFill>
+        <p:spPr>
+          <a:xfrm>
+            <a:off x="4462145" y="2708910"/>
+            <a:ext cx="3818255" cy="3745865"/>
+          </a:xfrm>
+          <a:prstGeom prst="rect">
+            <a:avLst/>
+          </a:prstGeom>
+        </p:spPr>
+      </p:pic>
+    </p:spTree>
+  </p:cSld>
+  <p:clrMapOvr>
+    <a:masterClrMapping/>
+  </p:clrMapOvr>
+</p:sld>
+</file>
+
+<file path=ppt/slides/slide96.xml><?xml version="1.0" encoding="utf-8"?>
+<p:sld xmlns:a="http://schemas.openxmlformats.org/drawingml/2006/main" xmlns:r="http://schemas.openxmlformats.org/officeDocument/2006/relationships" xmlns:p="http://schemas.openxmlformats.org/presentationml/2006/main">
+  <p:cSld>
+    <p:spTree>
+      <p:nvGrpSpPr>
+        <p:cNvPr id="1" name=""/>
+        <p:cNvGrpSpPr/>
+        <p:nvPr/>
+      </p:nvGrpSpPr>
+      <p:grpSpPr/>
+      <p:sp>
+        <p:nvSpPr>
+          <p:cNvPr id="2" name="内容占位符 1"/>
+          <p:cNvSpPr>
+            <a:spLocks noGrp="1"/>
+          </p:cNvSpPr>
+          <p:nvPr>
+            <p:ph idx="1"/>
+          </p:nvPr>
+        </p:nvSpPr>
+        <p:spPr/>
+        <p:txBody>
+          <a:bodyPr/>
+          <a:p>
+            <a:r>
+              <a:rPr lang="zh-CN" altLang="en-US">
+                <a:sym typeface="+mn-ea"/>
+              </a:rPr>
+              <a:t>安装完成后在浏览器打开MSYS2 Packages</a:t>
+            </a:r>
+            <a:endParaRPr lang="zh-CN" altLang="en-US"/>
+          </a:p>
+          <a:p>
+            <a:r>
+              <a:rPr lang="zh-CN" altLang="en-US">
+                <a:sym typeface="+mn-ea"/>
+              </a:rPr>
+              <a:t>https://packages.msys2.org/queue</a:t>
+            </a:r>
+            <a:endParaRPr lang="zh-CN" altLang="en-US"/>
+          </a:p>
+          <a:p>
+            <a:r>
+              <a:rPr lang="zh-CN" altLang="en-US">
+                <a:sym typeface="+mn-ea"/>
+              </a:rPr>
+              <a:t>在顶部的搜索框中输入</a:t>
+            </a:r>
+            <a:r>
+              <a:rPr lang="en-US" altLang="zh-CN">
+                <a:sym typeface="+mn-ea"/>
+              </a:rPr>
+              <a:t>gcc</a:t>
+            </a:r>
+            <a:endParaRPr lang="zh-CN" altLang="en-US"/>
+          </a:p>
+        </p:txBody>
+      </p:sp>
+      <p:sp>
+        <p:nvSpPr>
+          <p:cNvPr id="3" name="标题 2"/>
+          <p:cNvSpPr>
+            <a:spLocks noGrp="1"/>
+          </p:cNvSpPr>
+          <p:nvPr>
+            <p:ph type="title"/>
+          </p:nvPr>
+        </p:nvSpPr>
+        <p:spPr/>
+        <p:txBody>
+          <a:bodyPr/>
+          <a:p>
+            <a:r>
+              <a:rPr lang="en-US" altLang="zh-CN">
+                <a:sym typeface="+mn-ea"/>
+              </a:rPr>
+              <a:t>1.12</a:t>
+            </a:r>
+            <a:r>
+              <a:rPr lang="en-US" altLang="zh-CN">
+                <a:sym typeface="+mn-ea"/>
+              </a:rPr>
+              <a:t>.1</a:t>
+            </a:r>
+            <a:r>
+              <a:rPr lang="en-US" altLang="zh-CN">
+                <a:sym typeface="+mn-ea"/>
+              </a:rPr>
+              <a:t> </a:t>
+            </a:r>
+            <a:r>
+              <a:rPr lang="zh-CN" altLang="en-US" dirty="0">
+                <a:sym typeface="+mn-ea"/>
+              </a:rPr>
+              <a:t>安装</a:t>
+            </a:r>
+            <a:r>
+              <a:rPr lang="en-US" altLang="zh-CN" dirty="0">
+                <a:sym typeface="+mn-ea"/>
+              </a:rPr>
+              <a:t>mingw</a:t>
+            </a:r>
+            <a:endParaRPr lang="zh-CN" altLang="en-US"/>
+          </a:p>
+        </p:txBody>
+      </p:sp>
+    </p:spTree>
+  </p:cSld>
+  <p:clrMapOvr>
+    <a:masterClrMapping/>
+  </p:clrMapOvr>
+</p:sld>
+</file>
+
+<file path=ppt/slides/slide97.xml><?xml version="1.0" encoding="utf-8"?>
+<p:sld xmlns:a="http://schemas.openxmlformats.org/drawingml/2006/main" xmlns:r="http://schemas.openxmlformats.org/officeDocument/2006/relationships" xmlns:p="http://schemas.openxmlformats.org/presentationml/2006/main">
+  <p:cSld>
+    <p:spTree>
+      <p:nvGrpSpPr>
+        <p:cNvPr id="1" name=""/>
+        <p:cNvGrpSpPr/>
+        <p:nvPr/>
+      </p:nvGrpSpPr>
+      <p:grpSpPr/>
+      <p:sp>
+        <p:nvSpPr>
+          <p:cNvPr id="3" name="标题 2"/>
+          <p:cNvSpPr>
+            <a:spLocks noGrp="1"/>
+          </p:cNvSpPr>
+          <p:nvPr>
+            <p:ph type="title"/>
+          </p:nvPr>
+        </p:nvSpPr>
+        <p:spPr/>
+        <p:txBody>
+          <a:bodyPr/>
+          <a:p>
+            <a:r>
+              <a:rPr lang="en-US" altLang="zh-CN">
+                <a:sym typeface="+mn-ea"/>
+              </a:rPr>
+              <a:t>1.12</a:t>
+            </a:r>
+            <a:r>
+              <a:rPr lang="en-US" altLang="zh-CN">
+                <a:sym typeface="+mn-ea"/>
+              </a:rPr>
+              <a:t>.1</a:t>
+            </a:r>
+            <a:r>
+              <a:rPr lang="en-US" altLang="zh-CN">
+                <a:sym typeface="+mn-ea"/>
+              </a:rPr>
+              <a:t> </a:t>
             </a:r>
             <a:r>
               <a:rPr lang="zh-CN" altLang="en-US" dirty="0">
@@ -37322,7 +39699,7 @@
 </p:sld>
 </file>
 
-<file path=ppt/slides/slide91.xml><?xml version="1.0" encoding="utf-8"?>
+<file path=ppt/slides/slide98.xml><?xml version="1.0" encoding="utf-8"?>
 <p:sld xmlns:a="http://schemas.openxmlformats.org/drawingml/2006/main" xmlns:r="http://schemas.openxmlformats.org/officeDocument/2006/relationships" xmlns:p="http://schemas.openxmlformats.org/presentationml/2006/main">
   <p:cSld>
     <p:spTree>
@@ -37439,7 +39816,7 @@
 </p:sld>
 </file>
 
-<file path=ppt/slides/slide92.xml><?xml version="1.0" encoding="utf-8"?>
+<file path=ppt/slides/slide99.xml><?xml version="1.0" encoding="utf-8"?>
 <p:sld xmlns:a="http://schemas.openxmlformats.org/drawingml/2006/main" xmlns:r="http://schemas.openxmlformats.org/officeDocument/2006/relationships" xmlns:p="http://schemas.openxmlformats.org/presentationml/2006/main">
   <p:cSld>
     <p:spTree>
@@ -37508,7 +39885,19 @@
               <a:rPr lang="en-US" altLang="zh-CN">
                 <a:sym typeface="+mn-ea"/>
               </a:rPr>
-              <a:t>1.12 </a:t>
+              <a:t>1.12</a:t>
+            </a:r>
+            <a:r>
+              <a:rPr lang="en-US" altLang="zh-CN">
+                <a:sym typeface="+mn-ea"/>
+              </a:rPr>
+              <a:t>.1</a:t>
+            </a:r>
+            <a:r>
+              <a:rPr lang="en-US" altLang="zh-CN">
+                <a:sym typeface="+mn-ea"/>
+              </a:rPr>
+              <a:t> </a:t>
             </a:r>
             <a:r>
               <a:rPr lang="zh-CN" altLang="en-US" dirty="0">
@@ -37554,837 +39943,6 @@
           </a:prstGeom>
         </p:spPr>
       </p:pic>
-    </p:spTree>
-  </p:cSld>
-  <p:clrMapOvr>
-    <a:masterClrMapping/>
-  </p:clrMapOvr>
-</p:sld>
-</file>
-
-<file path=ppt/slides/slide93.xml><?xml version="1.0" encoding="utf-8"?>
-<p:sld xmlns:a="http://schemas.openxmlformats.org/drawingml/2006/main" xmlns:r="http://schemas.openxmlformats.org/officeDocument/2006/relationships" xmlns:p="http://schemas.openxmlformats.org/presentationml/2006/main">
-  <p:cSld>
-    <p:spTree>
-      <p:nvGrpSpPr>
-        <p:cNvPr id="1" name=""/>
-        <p:cNvGrpSpPr/>
-        <p:nvPr/>
-      </p:nvGrpSpPr>
-      <p:grpSpPr/>
-      <p:sp>
-        <p:nvSpPr>
-          <p:cNvPr id="2" name="内容占位符 1"/>
-          <p:cNvSpPr>
-            <a:spLocks noGrp="1"/>
-          </p:cNvSpPr>
-          <p:nvPr>
-            <p:ph idx="1"/>
-          </p:nvPr>
-        </p:nvSpPr>
-        <p:spPr/>
-        <p:txBody>
-          <a:bodyPr/>
-          <a:p>
-            <a:r>
-              <a:rPr lang="zh-CN" altLang="en-US">
-                <a:sym typeface="+mn-ea"/>
-              </a:rPr>
-              <a:t>在弹出的新页面中选择</a:t>
-            </a:r>
-            <a:r>
-              <a:rPr lang="en-US" altLang="zh-CN">
-                <a:sym typeface="+mn-ea"/>
-              </a:rPr>
-              <a:t>mingw-w64-x86_64-gcc</a:t>
-            </a:r>
-            <a:endParaRPr lang="zh-CN" altLang="en-US"/>
-          </a:p>
-        </p:txBody>
-      </p:sp>
-      <p:sp>
-        <p:nvSpPr>
-          <p:cNvPr id="3" name="标题 2"/>
-          <p:cNvSpPr>
-            <a:spLocks noGrp="1"/>
-          </p:cNvSpPr>
-          <p:nvPr>
-            <p:ph type="title"/>
-          </p:nvPr>
-        </p:nvSpPr>
-        <p:spPr/>
-        <p:txBody>
-          <a:bodyPr/>
-          <a:p>
-            <a:r>
-              <a:rPr lang="en-US" altLang="zh-CN">
-                <a:sym typeface="+mn-ea"/>
-              </a:rPr>
-              <a:t>1.12 </a:t>
-            </a:r>
-            <a:r>
-              <a:rPr lang="zh-CN" altLang="en-US" dirty="0">
-                <a:sym typeface="+mn-ea"/>
-              </a:rPr>
-              <a:t>安装</a:t>
-            </a:r>
-            <a:r>
-              <a:rPr lang="en-US" altLang="zh-CN" dirty="0">
-                <a:sym typeface="+mn-ea"/>
-              </a:rPr>
-              <a:t>mingw</a:t>
-            </a:r>
-            <a:endParaRPr lang="zh-CN" altLang="en-US"/>
-          </a:p>
-        </p:txBody>
-      </p:sp>
-    </p:spTree>
-  </p:cSld>
-  <p:clrMapOvr>
-    <a:masterClrMapping/>
-  </p:clrMapOvr>
-</p:sld>
-</file>
-
-<file path=ppt/slides/slide94.xml><?xml version="1.0" encoding="utf-8"?>
-<p:sld xmlns:a="http://schemas.openxmlformats.org/drawingml/2006/main" xmlns:r="http://schemas.openxmlformats.org/officeDocument/2006/relationships" xmlns:p="http://schemas.openxmlformats.org/presentationml/2006/main">
-  <p:cSld>
-    <p:spTree>
-      <p:nvGrpSpPr>
-        <p:cNvPr id="1" name=""/>
-        <p:cNvGrpSpPr/>
-        <p:nvPr/>
-      </p:nvGrpSpPr>
-      <p:grpSpPr/>
-      <p:sp>
-        <p:nvSpPr>
-          <p:cNvPr id="2" name="内容占位符 1"/>
-          <p:cNvSpPr>
-            <a:spLocks noGrp="1"/>
-          </p:cNvSpPr>
-          <p:nvPr>
-            <p:ph idx="1"/>
-          </p:nvPr>
-        </p:nvSpPr>
-        <p:spPr>
-          <a:xfrm>
-            <a:off x="871855" y="2675255"/>
-            <a:ext cx="7408545" cy="558800"/>
-          </a:xfrm>
-        </p:spPr>
-        <p:txBody>
-          <a:bodyPr/>
-          <a:p>
-            <a:r>
-              <a:rPr lang="zh-CN" altLang="en-US">
-                <a:sym typeface="+mn-ea"/>
-              </a:rPr>
-              <a:t>点击</a:t>
-            </a:r>
-            <a:r>
-              <a:rPr lang="en-US" altLang="zh-CN">
-                <a:sym typeface="+mn-ea"/>
-              </a:rPr>
-              <a:t>Installation</a:t>
-            </a:r>
-            <a:r>
-              <a:rPr lang="zh-CN" altLang="en-US">
-                <a:sym typeface="+mn-ea"/>
-              </a:rPr>
-              <a:t>框中的复制按钮，</a:t>
-            </a:r>
-            <a:r>
-              <a:rPr lang="zh-CN" altLang="en-US">
-                <a:sym typeface="+mn-ea"/>
-              </a:rPr>
-              <a:t>可以复制地址</a:t>
-            </a:r>
-            <a:endParaRPr lang="zh-CN" altLang="en-US"/>
-          </a:p>
-        </p:txBody>
-      </p:sp>
-      <p:sp>
-        <p:nvSpPr>
-          <p:cNvPr id="3" name="标题 2"/>
-          <p:cNvSpPr>
-            <a:spLocks noGrp="1"/>
-          </p:cNvSpPr>
-          <p:nvPr>
-            <p:ph type="title"/>
-          </p:nvPr>
-        </p:nvSpPr>
-        <p:spPr/>
-        <p:txBody>
-          <a:bodyPr/>
-          <a:p>
-            <a:r>
-              <a:rPr lang="en-US" altLang="zh-CN">
-                <a:sym typeface="+mn-ea"/>
-              </a:rPr>
-              <a:t>1.12 </a:t>
-            </a:r>
-            <a:r>
-              <a:rPr lang="zh-CN" altLang="en-US" dirty="0">
-                <a:sym typeface="+mn-ea"/>
-              </a:rPr>
-              <a:t>安装</a:t>
-            </a:r>
-            <a:r>
-              <a:rPr lang="en-US" altLang="zh-CN" dirty="0">
-                <a:sym typeface="+mn-ea"/>
-              </a:rPr>
-              <a:t>mingw</a:t>
-            </a:r>
-            <a:endParaRPr lang="zh-CN" altLang="en-US"/>
-          </a:p>
-        </p:txBody>
-      </p:sp>
-      <p:pic>
-        <p:nvPicPr>
-          <p:cNvPr id="4" name="图片 3" descr="@U[`U7UF)CFJ6IR}2}S_24P"/>
-          <p:cNvPicPr>
-            <a:picLocks noChangeAspect="1"/>
-          </p:cNvPicPr>
-          <p:nvPr>
-            <p:custDataLst>
-              <p:tags r:id="rId1"/>
-            </p:custDataLst>
-          </p:nvPr>
-        </p:nvPicPr>
-        <p:blipFill>
-          <a:blip r:embed="rId2"/>
-          <a:stretch>
-            <a:fillRect/>
-          </a:stretch>
-        </p:blipFill>
-        <p:spPr>
-          <a:xfrm>
-            <a:off x="1165225" y="3429000"/>
-            <a:ext cx="6871335" cy="2564765"/>
-          </a:xfrm>
-          <a:prstGeom prst="rect">
-            <a:avLst/>
-          </a:prstGeom>
-        </p:spPr>
-      </p:pic>
-    </p:spTree>
-  </p:cSld>
-  <p:clrMapOvr>
-    <a:masterClrMapping/>
-  </p:clrMapOvr>
-</p:sld>
-</file>
-
-<file path=ppt/slides/slide95.xml><?xml version="1.0" encoding="utf-8"?>
-<p:sld xmlns:a="http://schemas.openxmlformats.org/drawingml/2006/main" xmlns:r="http://schemas.openxmlformats.org/officeDocument/2006/relationships" xmlns:p="http://schemas.openxmlformats.org/presentationml/2006/main">
-  <p:cSld>
-    <p:spTree>
-      <p:nvGrpSpPr>
-        <p:cNvPr id="1" name=""/>
-        <p:cNvGrpSpPr/>
-        <p:nvPr/>
-      </p:nvGrpSpPr>
-      <p:grpSpPr/>
-      <p:sp>
-        <p:nvSpPr>
-          <p:cNvPr id="2" name="内容占位符 1"/>
-          <p:cNvSpPr>
-            <a:spLocks noGrp="1"/>
-          </p:cNvSpPr>
-          <p:nvPr>
-            <p:ph idx="1"/>
-          </p:nvPr>
-        </p:nvSpPr>
-        <p:spPr>
-          <a:xfrm>
-            <a:off x="871855" y="2675255"/>
-            <a:ext cx="7408545" cy="1031875"/>
-          </a:xfrm>
-        </p:spPr>
-        <p:txBody>
-          <a:bodyPr/>
-          <a:p>
-            <a:r>
-              <a:rPr lang="zh-CN" altLang="en-US">
-                <a:sym typeface="+mn-ea"/>
-              </a:rPr>
-              <a:t>点击</a:t>
-            </a:r>
-            <a:r>
-              <a:rPr lang="en-US" altLang="zh-CN">
-                <a:sym typeface="+mn-ea"/>
-              </a:rPr>
-              <a:t>Windows</a:t>
-            </a:r>
-            <a:r>
-              <a:rPr lang="zh-CN" altLang="en-US">
-                <a:sym typeface="+mn-ea"/>
-              </a:rPr>
-              <a:t>的开始</a:t>
-            </a:r>
-            <a:endParaRPr lang="zh-CN" altLang="en-US"/>
-          </a:p>
-          <a:p>
-            <a:r>
-              <a:rPr lang="zh-CN" altLang="en-US">
-                <a:sym typeface="+mn-ea"/>
-              </a:rPr>
-              <a:t>执行</a:t>
-            </a:r>
-            <a:r>
-              <a:rPr lang="en-US" altLang="zh-CN">
-                <a:sym typeface="+mn-ea"/>
-              </a:rPr>
-              <a:t>msys2 mingw64(</a:t>
-            </a:r>
-            <a:r>
-              <a:rPr lang="zh-CN" altLang="en-US">
-                <a:sym typeface="+mn-ea"/>
-              </a:rPr>
-              <a:t>蓝色</a:t>
-            </a:r>
-            <a:r>
-              <a:rPr lang="en-US" altLang="zh-CN">
-                <a:sym typeface="+mn-ea"/>
-              </a:rPr>
-              <a:t>)</a:t>
-            </a:r>
-            <a:endParaRPr lang="zh-CN" altLang="en-US"/>
-          </a:p>
-        </p:txBody>
-      </p:sp>
-      <p:sp>
-        <p:nvSpPr>
-          <p:cNvPr id="3" name="标题 2"/>
-          <p:cNvSpPr>
-            <a:spLocks noGrp="1"/>
-          </p:cNvSpPr>
-          <p:nvPr>
-            <p:ph type="title"/>
-          </p:nvPr>
-        </p:nvSpPr>
-        <p:spPr/>
-        <p:txBody>
-          <a:bodyPr/>
-          <a:p>
-            <a:r>
-              <a:rPr lang="en-US" altLang="zh-CN">
-                <a:sym typeface="+mn-ea"/>
-              </a:rPr>
-              <a:t>1.12 </a:t>
-            </a:r>
-            <a:r>
-              <a:rPr lang="zh-CN" altLang="en-US" dirty="0">
-                <a:sym typeface="+mn-ea"/>
-              </a:rPr>
-              <a:t>安装</a:t>
-            </a:r>
-            <a:r>
-              <a:rPr lang="en-US" altLang="zh-CN" dirty="0">
-                <a:sym typeface="+mn-ea"/>
-              </a:rPr>
-              <a:t>mingw</a:t>
-            </a:r>
-            <a:endParaRPr lang="zh-CN" altLang="en-US"/>
-          </a:p>
-        </p:txBody>
-      </p:sp>
-      <p:pic>
-        <p:nvPicPr>
-          <p:cNvPr id="4" name="图片 3" descr="~}RHAWO65_VNCEIZ~6UNZTE"/>
-          <p:cNvPicPr>
-            <a:picLocks noChangeAspect="1"/>
-          </p:cNvPicPr>
-          <p:nvPr>
-            <p:custDataLst>
-              <p:tags r:id="rId1"/>
-            </p:custDataLst>
-          </p:nvPr>
-        </p:nvPicPr>
-        <p:blipFill>
-          <a:blip r:embed="rId2"/>
-          <a:stretch>
-            <a:fillRect/>
-          </a:stretch>
-        </p:blipFill>
-        <p:spPr>
-          <a:xfrm>
-            <a:off x="5147945" y="2853055"/>
-            <a:ext cx="3009900" cy="3200400"/>
-          </a:xfrm>
-          <a:prstGeom prst="rect">
-            <a:avLst/>
-          </a:prstGeom>
-        </p:spPr>
-      </p:pic>
-    </p:spTree>
-  </p:cSld>
-  <p:clrMapOvr>
-    <a:masterClrMapping/>
-  </p:clrMapOvr>
-</p:sld>
-</file>
-
-<file path=ppt/slides/slide96.xml><?xml version="1.0" encoding="utf-8"?>
-<p:sld xmlns:a="http://schemas.openxmlformats.org/drawingml/2006/main" xmlns:r="http://schemas.openxmlformats.org/officeDocument/2006/relationships" xmlns:p="http://schemas.openxmlformats.org/presentationml/2006/main">
-  <p:cSld>
-    <p:spTree>
-      <p:nvGrpSpPr>
-        <p:cNvPr id="1" name=""/>
-        <p:cNvGrpSpPr/>
-        <p:nvPr/>
-      </p:nvGrpSpPr>
-      <p:grpSpPr/>
-      <p:sp>
-        <p:nvSpPr>
-          <p:cNvPr id="3" name="标题 2"/>
-          <p:cNvSpPr>
-            <a:spLocks noGrp="1"/>
-          </p:cNvSpPr>
-          <p:nvPr>
-            <p:ph type="title"/>
-          </p:nvPr>
-        </p:nvSpPr>
-        <p:spPr/>
-        <p:txBody>
-          <a:bodyPr/>
-          <a:p>
-            <a:r>
-              <a:rPr lang="en-US" altLang="zh-CN">
-                <a:sym typeface="+mn-ea"/>
-              </a:rPr>
-              <a:t>1.12 </a:t>
-            </a:r>
-            <a:r>
-              <a:rPr lang="zh-CN" altLang="en-US" dirty="0">
-                <a:sym typeface="+mn-ea"/>
-              </a:rPr>
-              <a:t>安装</a:t>
-            </a:r>
-            <a:r>
-              <a:rPr lang="en-US" altLang="zh-CN" dirty="0">
-                <a:sym typeface="+mn-ea"/>
-              </a:rPr>
-              <a:t>mingw</a:t>
-            </a:r>
-            <a:endParaRPr lang="zh-CN" altLang="en-US"/>
-          </a:p>
-        </p:txBody>
-      </p:sp>
-      <p:pic>
-        <p:nvPicPr>
-          <p:cNvPr id="4" name="图片 3"/>
-          <p:cNvPicPr>
-            <a:picLocks noChangeAspect="1"/>
-          </p:cNvPicPr>
-          <p:nvPr>
-            <p:custDataLst>
-              <p:tags r:id="rId1"/>
-            </p:custDataLst>
-          </p:nvPr>
-        </p:nvPicPr>
-        <p:blipFill>
-          <a:blip r:embed="rId2"/>
-          <a:stretch>
-            <a:fillRect/>
-          </a:stretch>
-        </p:blipFill>
-        <p:spPr>
-          <a:xfrm>
-            <a:off x="1187450" y="2276475"/>
-            <a:ext cx="6867525" cy="3924300"/>
-          </a:xfrm>
-          <a:prstGeom prst="rect">
-            <a:avLst/>
-          </a:prstGeom>
-        </p:spPr>
-      </p:pic>
-    </p:spTree>
-  </p:cSld>
-  <p:clrMapOvr>
-    <a:masterClrMapping/>
-  </p:clrMapOvr>
-</p:sld>
-</file>
-
-<file path=ppt/slides/slide97.xml><?xml version="1.0" encoding="utf-8"?>
-<p:sld xmlns:a="http://schemas.openxmlformats.org/drawingml/2006/main" xmlns:r="http://schemas.openxmlformats.org/officeDocument/2006/relationships" xmlns:p="http://schemas.openxmlformats.org/presentationml/2006/main">
-  <p:cSld>
-    <p:spTree>
-      <p:nvGrpSpPr>
-        <p:cNvPr id="1" name=""/>
-        <p:cNvGrpSpPr/>
-        <p:nvPr/>
-      </p:nvGrpSpPr>
-      <p:grpSpPr/>
-      <p:sp>
-        <p:nvSpPr>
-          <p:cNvPr id="2" name="内容占位符 1"/>
-          <p:cNvSpPr>
-            <a:spLocks noGrp="1"/>
-          </p:cNvSpPr>
-          <p:nvPr>
-            <p:ph idx="1"/>
-          </p:nvPr>
-        </p:nvSpPr>
-        <p:spPr/>
-        <p:txBody>
-          <a:bodyPr/>
-          <a:p>
-            <a:r>
-              <a:rPr lang="zh-CN" altLang="en-US">
-                <a:sym typeface="+mn-ea"/>
-              </a:rPr>
-              <a:t>在终端模式下执行如下三条命令：</a:t>
-            </a:r>
-            <a:endParaRPr lang="zh-CN" altLang="en-US"/>
-          </a:p>
-          <a:p>
-            <a:r>
-              <a:rPr lang="en-US" altLang="zh-CN">
-                <a:sym typeface="+mn-ea"/>
-              </a:rPr>
-              <a:t>$ </a:t>
-            </a:r>
-            <a:r>
-              <a:rPr lang="zh-CN" altLang="en-US">
-                <a:sym typeface="+mn-ea"/>
-              </a:rPr>
-              <a:t>pacman -S mingw-w64-x86_64-gcc  --disable-download-timeout</a:t>
-            </a:r>
-            <a:endParaRPr lang="zh-CN" altLang="en-US"/>
-          </a:p>
-          <a:p>
-            <a:r>
-              <a:rPr lang="en-US" altLang="zh-CN">
-                <a:sym typeface="+mn-ea"/>
-              </a:rPr>
-              <a:t>$ </a:t>
-            </a:r>
-            <a:r>
-              <a:rPr lang="zh-CN" altLang="en-US">
-                <a:sym typeface="+mn-ea"/>
-              </a:rPr>
-              <a:t>pacman -S mingw-w64-x86_64-make  --disable-download-timeout</a:t>
-            </a:r>
-            <a:endParaRPr lang="zh-CN" altLang="en-US"/>
-          </a:p>
-          <a:p>
-            <a:r>
-              <a:rPr lang="en-US" altLang="zh-CN">
-                <a:sym typeface="+mn-ea"/>
-              </a:rPr>
-              <a:t>$ </a:t>
-            </a:r>
-            <a:r>
-              <a:rPr lang="zh-CN" altLang="en-US">
-                <a:sym typeface="+mn-ea"/>
-              </a:rPr>
-              <a:t>pacman -S mingw-w64-x86_64-gdb  --disable-download-timeout</a:t>
-            </a:r>
-            <a:endParaRPr lang="zh-CN" altLang="en-US"/>
-          </a:p>
-          <a:p>
-            <a:endParaRPr lang="zh-CN" altLang="en-US"/>
-          </a:p>
-        </p:txBody>
-      </p:sp>
-      <p:sp>
-        <p:nvSpPr>
-          <p:cNvPr id="3" name="标题 2"/>
-          <p:cNvSpPr>
-            <a:spLocks noGrp="1"/>
-          </p:cNvSpPr>
-          <p:nvPr>
-            <p:ph type="title"/>
-          </p:nvPr>
-        </p:nvSpPr>
-        <p:spPr/>
-        <p:txBody>
-          <a:bodyPr/>
-          <a:p>
-            <a:r>
-              <a:rPr lang="en-US" altLang="zh-CN">
-                <a:sym typeface="+mn-ea"/>
-              </a:rPr>
-              <a:t>1.12 </a:t>
-            </a:r>
-            <a:r>
-              <a:rPr lang="zh-CN" altLang="en-US" dirty="0">
-                <a:sym typeface="+mn-ea"/>
-              </a:rPr>
-              <a:t>安装</a:t>
-            </a:r>
-            <a:r>
-              <a:rPr lang="en-US" altLang="zh-CN" dirty="0">
-                <a:sym typeface="+mn-ea"/>
-              </a:rPr>
-              <a:t>mingw</a:t>
-            </a:r>
-            <a:endParaRPr lang="zh-CN" altLang="en-US"/>
-          </a:p>
-        </p:txBody>
-      </p:sp>
-    </p:spTree>
-  </p:cSld>
-  <p:clrMapOvr>
-    <a:masterClrMapping/>
-  </p:clrMapOvr>
-</p:sld>
-</file>
-
-<file path=ppt/slides/slide98.xml><?xml version="1.0" encoding="utf-8"?>
-<p:sld xmlns:a="http://schemas.openxmlformats.org/drawingml/2006/main" xmlns:r="http://schemas.openxmlformats.org/officeDocument/2006/relationships" xmlns:p="http://schemas.openxmlformats.org/presentationml/2006/main">
-  <p:cSld>
-    <p:spTree>
-      <p:nvGrpSpPr>
-        <p:cNvPr id="1" name=""/>
-        <p:cNvGrpSpPr/>
-        <p:nvPr/>
-      </p:nvGrpSpPr>
-      <p:grpSpPr/>
-      <p:sp>
-        <p:nvSpPr>
-          <p:cNvPr id="2" name="内容占位符 1"/>
-          <p:cNvSpPr>
-            <a:spLocks noGrp="1"/>
-          </p:cNvSpPr>
-          <p:nvPr>
-            <p:ph idx="1"/>
-          </p:nvPr>
-        </p:nvSpPr>
-        <p:spPr/>
-        <p:txBody>
-          <a:bodyPr/>
-          <a:p>
-            <a:r>
-              <a:rPr lang="en-US" altLang="zh-CN">
-                <a:sym typeface="+mn-ea"/>
-              </a:rPr>
-              <a:t>mingw-w64</a:t>
-            </a:r>
-            <a:r>
-              <a:rPr lang="zh-CN" altLang="en-US">
-                <a:sym typeface="+mn-ea"/>
-              </a:rPr>
-              <a:t>安装完毕</a:t>
-            </a:r>
-            <a:endParaRPr lang="zh-CN" altLang="en-US"/>
-          </a:p>
-          <a:p>
-            <a:r>
-              <a:rPr lang="zh-CN" altLang="en-US">
-                <a:sym typeface="+mn-ea"/>
-              </a:rPr>
-              <a:t>可以支持</a:t>
-            </a:r>
-            <a:r>
-              <a:rPr lang="en-US" altLang="zh-CN">
-                <a:sym typeface="+mn-ea"/>
-              </a:rPr>
-              <a:t>C++20</a:t>
-            </a:r>
-            <a:endParaRPr lang="en-US" altLang="zh-CN"/>
-          </a:p>
-          <a:p>
-            <a:r>
-              <a:rPr lang="zh-CN" altLang="en-US">
-                <a:sym typeface="+mn-ea"/>
-              </a:rPr>
-              <a:t>可以打开</a:t>
-            </a:r>
-            <a:r>
-              <a:rPr lang="en-US" altLang="zh-CN">
-                <a:sym typeface="+mn-ea"/>
-              </a:rPr>
-              <a:t>D</a:t>
-            </a:r>
-            <a:r>
-              <a:rPr lang="zh-CN" altLang="en-US">
-                <a:sym typeface="+mn-ea"/>
-              </a:rPr>
-              <a:t>:\msys64\mingw64\bin查看其中的内容</a:t>
-            </a:r>
-            <a:endParaRPr lang="zh-CN" altLang="en-US"/>
-          </a:p>
-          <a:p>
-            <a:r>
-              <a:rPr lang="zh-CN" altLang="en-US">
-                <a:sym typeface="+mn-ea"/>
-              </a:rPr>
-              <a:t>如果有，表示安装成功</a:t>
-            </a:r>
-            <a:endParaRPr lang="zh-CN" altLang="en-US"/>
-          </a:p>
-          <a:p>
-            <a:endParaRPr lang="zh-CN" altLang="en-US"/>
-          </a:p>
-        </p:txBody>
-      </p:sp>
-      <p:sp>
-        <p:nvSpPr>
-          <p:cNvPr id="3" name="标题 2"/>
-          <p:cNvSpPr>
-            <a:spLocks noGrp="1"/>
-          </p:cNvSpPr>
-          <p:nvPr>
-            <p:ph type="title"/>
-          </p:nvPr>
-        </p:nvSpPr>
-        <p:spPr/>
-        <p:txBody>
-          <a:bodyPr/>
-          <a:p>
-            <a:r>
-              <a:rPr lang="en-US" altLang="zh-CN">
-                <a:sym typeface="+mn-ea"/>
-              </a:rPr>
-              <a:t>1.12 </a:t>
-            </a:r>
-            <a:r>
-              <a:rPr lang="zh-CN" altLang="en-US" dirty="0">
-                <a:sym typeface="+mn-ea"/>
-              </a:rPr>
-              <a:t>安装</a:t>
-            </a:r>
-            <a:r>
-              <a:rPr lang="en-US" altLang="zh-CN" dirty="0">
-                <a:sym typeface="+mn-ea"/>
-              </a:rPr>
-              <a:t>mingw</a:t>
-            </a:r>
-            <a:endParaRPr lang="zh-CN" altLang="en-US"/>
-          </a:p>
-        </p:txBody>
-      </p:sp>
-    </p:spTree>
-  </p:cSld>
-  <p:clrMapOvr>
-    <a:masterClrMapping/>
-  </p:clrMapOvr>
-</p:sld>
-</file>
-
-<file path=ppt/slides/slide99.xml><?xml version="1.0" encoding="utf-8"?>
-<p:sld xmlns:a="http://schemas.openxmlformats.org/drawingml/2006/main" xmlns:r="http://schemas.openxmlformats.org/officeDocument/2006/relationships" xmlns:p="http://schemas.openxmlformats.org/presentationml/2006/main">
-  <p:cSld>
-    <p:spTree>
-      <p:nvGrpSpPr>
-        <p:cNvPr id="1" name=""/>
-        <p:cNvGrpSpPr/>
-        <p:nvPr/>
-      </p:nvGrpSpPr>
-      <p:grpSpPr/>
-      <p:sp>
-        <p:nvSpPr>
-          <p:cNvPr id="2" name="内容占位符 1"/>
-          <p:cNvSpPr>
-            <a:spLocks noGrp="1"/>
-          </p:cNvSpPr>
-          <p:nvPr>
-            <p:ph idx="1"/>
-          </p:nvPr>
-        </p:nvSpPr>
-        <p:spPr/>
-        <p:txBody>
-          <a:bodyPr/>
-          <a:p>
-            <a:r>
-              <a:rPr lang="zh-CN" altLang="en-US">
-                <a:sym typeface="+mn-ea"/>
-              </a:rPr>
-              <a:t>安装</a:t>
-            </a:r>
-            <a:r>
-              <a:rPr lang="en-US" altLang="zh-CN">
-                <a:sym typeface="+mn-ea"/>
-              </a:rPr>
-              <a:t>Visual Studio Code</a:t>
-            </a:r>
-            <a:r>
-              <a:rPr lang="zh-CN" altLang="en-US">
-                <a:sym typeface="+mn-ea"/>
-              </a:rPr>
-              <a:t>，简称</a:t>
-            </a:r>
-            <a:r>
-              <a:rPr lang="en-US" altLang="zh-CN">
-                <a:sym typeface="+mn-ea"/>
-              </a:rPr>
-              <a:t>VSCode</a:t>
-            </a:r>
-            <a:endParaRPr lang="en-US" altLang="zh-CN">
-              <a:sym typeface="+mn-ea"/>
-            </a:endParaRPr>
-          </a:p>
-          <a:p>
-            <a:r>
-              <a:rPr lang="zh-CN" altLang="en-US">
-                <a:sym typeface="+mn-ea"/>
-              </a:rPr>
-              <a:t>打开</a:t>
-            </a:r>
-            <a:r>
-              <a:rPr lang="en-US" altLang="zh-CN">
-                <a:sym typeface="+mn-ea"/>
-              </a:rPr>
-              <a:t>VSCode</a:t>
-            </a:r>
-            <a:r>
-              <a:rPr lang="zh-CN" altLang="en-US">
-                <a:sym typeface="+mn-ea"/>
-              </a:rPr>
-              <a:t>主页</a:t>
-            </a:r>
-            <a:endParaRPr lang="zh-CN" altLang="en-US"/>
-          </a:p>
-          <a:p>
-            <a:r>
-              <a:rPr lang="zh-CN" altLang="en-US">
-                <a:sym typeface="+mn-ea"/>
-              </a:rPr>
-              <a:t>https://code.visualstudio.com/</a:t>
-            </a:r>
-            <a:endParaRPr lang="zh-CN" altLang="en-US"/>
-          </a:p>
-        </p:txBody>
-      </p:sp>
-      <p:sp>
-        <p:nvSpPr>
-          <p:cNvPr id="3" name="标题 2"/>
-          <p:cNvSpPr>
-            <a:spLocks noGrp="1"/>
-          </p:cNvSpPr>
-          <p:nvPr>
-            <p:ph type="title"/>
-          </p:nvPr>
-        </p:nvSpPr>
-        <p:spPr/>
-        <p:txBody>
-          <a:bodyPr/>
-          <a:p>
-            <a:r>
-              <a:rPr lang="en-US" altLang="zh-CN">
-                <a:sym typeface="+mn-ea"/>
-              </a:rPr>
-              <a:t>1.13 </a:t>
-            </a:r>
-            <a:r>
-              <a:rPr lang="zh-CN" altLang="en-US">
-                <a:sym typeface="+mn-ea"/>
-              </a:rPr>
-              <a:t>安装</a:t>
-            </a:r>
-            <a:r>
-              <a:rPr lang="en-US" altLang="zh-CN">
-                <a:sym typeface="+mn-ea"/>
-              </a:rPr>
-              <a:t>Visual Studio Code</a:t>
-            </a:r>
-            <a:endParaRPr lang="zh-CN" altLang="en-US"/>
-          </a:p>
-        </p:txBody>
-      </p:sp>
     </p:spTree>
   </p:cSld>
   <p:clrMapOvr>
@@ -38494,13 +40052,13 @@
 <file path=ppt/tags/tag24.xml><?xml version="1.0" encoding="utf-8"?>
 <p:tagLst xmlns:p="http://schemas.openxmlformats.org/presentationml/2006/main">
   <p:tag name="KSO_WM_BEAUTIFY_FLAG" val=""/>
-  <p:tag name="KSO_WM_UNIT_PLACING_PICTURE_USER_VIEWPORT" val="{&quot;height&quot;:3465,&quot;width&quot;:11370}"/>
 </p:tagLst>
 </file>
 
 <file path=ppt/tags/tag25.xml><?xml version="1.0" encoding="utf-8"?>
 <p:tagLst xmlns:p="http://schemas.openxmlformats.org/presentationml/2006/main">
   <p:tag name="KSO_WM_BEAUTIFY_FLAG" val=""/>
+  <p:tag name="KSO_WM_UNIT_PLACING_PICTURE_USER_VIEWPORT" val="{&quot;height&quot;:3465,&quot;width&quot;:11370}"/>
 </p:tagLst>
 </file>
 
@@ -38685,6 +40243,18 @@
 </file>
 
 <file path=ppt/tags/tag53.xml><?xml version="1.0" encoding="utf-8"?>
+<p:tagLst xmlns:p="http://schemas.openxmlformats.org/presentationml/2006/main">
+  <p:tag name="KSO_WM_BEAUTIFY_FLAG" val=""/>
+</p:tagLst>
+</file>
+
+<file path=ppt/tags/tag54.xml><?xml version="1.0" encoding="utf-8"?>
+<p:tagLst xmlns:p="http://schemas.openxmlformats.org/presentationml/2006/main">
+  <p:tag name="KSO_WM_BEAUTIFY_FLAG" val=""/>
+</p:tagLst>
+</file>
+
+<file path=ppt/tags/tag55.xml><?xml version="1.0" encoding="utf-8"?>
 <p:tagLst xmlns:p="http://schemas.openxmlformats.org/presentationml/2006/main">
   <p:tag name="COMMONDATA" val="eyJoZGlkIjoiZjEyYmQzYTQ1NDNiYWRjMTYyNDU3NmVlNDkyZWE4NDEifQ=="/>
   <p:tag name="KSO_WPP_MARK_KEY" val="7c302615-d988-42ce-b852-6287d3030952"/>
